--- a/slides/2_BigDataComputing.pptx
+++ b/slides/2_BigDataComputing.pptx
@@ -233,7 +233,7 @@
           <a:p>
             <a:fld id="{2F3ABF1A-8818-4472-8518-E71DC7B5D2F7}" type="datetimeFigureOut">
               <a:rPr lang="en-US" smtClean="0"/>
-              <a:t>5/31/2021</a:t>
+              <a:t>6/10/2021</a:t>
             </a:fld>
             <a:endParaRPr lang="en-US"/>
           </a:p>
@@ -731,7 +731,7 @@
           <a:p>
             <a:fld id="{6E4A31BF-7266-4BEB-918B-ADC21C630A6F}" type="datetimeFigureOut">
               <a:rPr lang="en-US" smtClean="0"/>
-              <a:t>5/31/2021</a:t>
+              <a:t>6/10/2021</a:t>
             </a:fld>
             <a:endParaRPr lang="en-US"/>
           </a:p>
@@ -929,7 +929,7 @@
           <a:p>
             <a:fld id="{6E4A31BF-7266-4BEB-918B-ADC21C630A6F}" type="datetimeFigureOut">
               <a:rPr lang="en-US" smtClean="0"/>
-              <a:t>5/31/2021</a:t>
+              <a:t>6/10/2021</a:t>
             </a:fld>
             <a:endParaRPr lang="en-US"/>
           </a:p>
@@ -1137,7 +1137,7 @@
           <a:p>
             <a:fld id="{6E4A31BF-7266-4BEB-918B-ADC21C630A6F}" type="datetimeFigureOut">
               <a:rPr lang="en-US" smtClean="0"/>
-              <a:t>5/31/2021</a:t>
+              <a:t>6/10/2021</a:t>
             </a:fld>
             <a:endParaRPr lang="en-US"/>
           </a:p>
@@ -1335,7 +1335,7 @@
           <a:p>
             <a:fld id="{6E4A31BF-7266-4BEB-918B-ADC21C630A6F}" type="datetimeFigureOut">
               <a:rPr lang="en-US" smtClean="0"/>
-              <a:t>5/31/2021</a:t>
+              <a:t>6/10/2021</a:t>
             </a:fld>
             <a:endParaRPr lang="en-US"/>
           </a:p>
@@ -1610,7 +1610,7 @@
           <a:p>
             <a:fld id="{6E4A31BF-7266-4BEB-918B-ADC21C630A6F}" type="datetimeFigureOut">
               <a:rPr lang="en-US" smtClean="0"/>
-              <a:t>5/31/2021</a:t>
+              <a:t>6/10/2021</a:t>
             </a:fld>
             <a:endParaRPr lang="en-US"/>
           </a:p>
@@ -1875,7 +1875,7 @@
           <a:p>
             <a:fld id="{6E4A31BF-7266-4BEB-918B-ADC21C630A6F}" type="datetimeFigureOut">
               <a:rPr lang="en-US" smtClean="0"/>
-              <a:t>5/31/2021</a:t>
+              <a:t>6/10/2021</a:t>
             </a:fld>
             <a:endParaRPr lang="en-US"/>
           </a:p>
@@ -2287,7 +2287,7 @@
           <a:p>
             <a:fld id="{6E4A31BF-7266-4BEB-918B-ADC21C630A6F}" type="datetimeFigureOut">
               <a:rPr lang="en-US" smtClean="0"/>
-              <a:t>5/31/2021</a:t>
+              <a:t>6/10/2021</a:t>
             </a:fld>
             <a:endParaRPr lang="en-US"/>
           </a:p>
@@ -2428,7 +2428,7 @@
           <a:p>
             <a:fld id="{6E4A31BF-7266-4BEB-918B-ADC21C630A6F}" type="datetimeFigureOut">
               <a:rPr lang="en-US" smtClean="0"/>
-              <a:t>5/31/2021</a:t>
+              <a:t>6/10/2021</a:t>
             </a:fld>
             <a:endParaRPr lang="en-US"/>
           </a:p>
@@ -2541,7 +2541,7 @@
           <a:p>
             <a:fld id="{6E4A31BF-7266-4BEB-918B-ADC21C630A6F}" type="datetimeFigureOut">
               <a:rPr lang="en-US" smtClean="0"/>
-              <a:t>5/31/2021</a:t>
+              <a:t>6/10/2021</a:t>
             </a:fld>
             <a:endParaRPr lang="en-US"/>
           </a:p>
@@ -2852,7 +2852,7 @@
           <a:p>
             <a:fld id="{6E4A31BF-7266-4BEB-918B-ADC21C630A6F}" type="datetimeFigureOut">
               <a:rPr lang="en-US" smtClean="0"/>
-              <a:t>5/31/2021</a:t>
+              <a:t>6/10/2021</a:t>
             </a:fld>
             <a:endParaRPr lang="en-US"/>
           </a:p>
@@ -3140,7 +3140,7 @@
           <a:p>
             <a:fld id="{6E4A31BF-7266-4BEB-918B-ADC21C630A6F}" type="datetimeFigureOut">
               <a:rPr lang="en-US" smtClean="0"/>
-              <a:t>5/31/2021</a:t>
+              <a:t>6/10/2021</a:t>
             </a:fld>
             <a:endParaRPr lang="en-US"/>
           </a:p>
@@ -3381,7 +3381,7 @@
           <a:p>
             <a:fld id="{6E4A31BF-7266-4BEB-918B-ADC21C630A6F}" type="datetimeFigureOut">
               <a:rPr lang="en-US" smtClean="0"/>
-              <a:t>5/31/2021</a:t>
+              <a:t>6/10/2021</a:t>
             </a:fld>
             <a:endParaRPr lang="en-US"/>
           </a:p>
@@ -3949,6 +3949,46 @@
           </a:extLst>
         </p:spPr>
       </p:pic>
+      <p:sp>
+        <p:nvSpPr>
+          <p:cNvPr id="5" name="TextBox 4">
+            <a:extLst>
+              <a:ext uri="{FF2B5EF4-FFF2-40B4-BE49-F238E27FC236}">
+                <a16:creationId xmlns:a16="http://schemas.microsoft.com/office/drawing/2014/main" id="{5417D45E-3ED0-4FC2-99B6-FC004E420B12}"/>
+              </a:ext>
+            </a:extLst>
+          </p:cNvPr>
+          <p:cNvSpPr txBox="1"/>
+          <p:nvPr/>
+        </p:nvSpPr>
+        <p:spPr>
+          <a:xfrm>
+            <a:off x="3348567" y="6421967"/>
+            <a:ext cx="5744633" cy="369332"/>
+          </a:xfrm>
+          <a:prstGeom prst="rect">
+            <a:avLst/>
+          </a:prstGeom>
+          <a:noFill/>
+        </p:spPr>
+        <p:txBody>
+          <a:bodyPr wrap="square" rtlCol="0">
+            <a:spAutoFit/>
+          </a:bodyPr>
+          <a:lstStyle/>
+          <a:p>
+            <a:pPr algn="ctr"/>
+            <a:r>
+              <a:rPr lang="en-US" sz="1100" dirty="0"/>
+              <a:t>Copyright 2021, Stephen F Elston. All rights reserved</a:t>
+            </a:r>
+            <a:r>
+              <a:rPr lang="en-US" dirty="0"/>
+              <a:t>.</a:t>
+            </a:r>
+          </a:p>
+        </p:txBody>
+      </p:sp>
     </p:spTree>
     <p:extLst>
       <p:ext uri="{BB962C8B-B14F-4D97-AF65-F5344CB8AC3E}">
@@ -26229,8 +26269,8 @@
           <a:chExt cx="0" cy="0"/>
         </a:xfrm>
       </p:grpSpPr>
-      <mc:AlternateContent xmlns:mc="http://schemas.openxmlformats.org/markup-compatibility/2006">
-        <mc:Choice xmlns:a14="http://schemas.microsoft.com/office/drawing/2010/main" Requires="a14">
+      <mc:AlternateContent xmlns:mc="http://schemas.openxmlformats.org/markup-compatibility/2006" xmlns:a14="http://schemas.microsoft.com/office/drawing/2010/main">
+        <mc:Choice Requires="a14">
           <p:sp>
             <p:nvSpPr>
               <p:cNvPr id="3" name="Content Placeholder 2">
@@ -26662,7 +26702,7 @@
             </p:txBody>
           </p:sp>
         </mc:Choice>
-        <mc:Fallback>
+        <mc:Fallback xmlns="">
           <p:sp>
             <p:nvSpPr>
               <p:cNvPr id="3" name="Content Placeholder 2">
@@ -27361,8 +27401,8 @@
           <a:chExt cx="0" cy="0"/>
         </a:xfrm>
       </p:grpSpPr>
-      <mc:AlternateContent xmlns:mc="http://schemas.openxmlformats.org/markup-compatibility/2006">
-        <mc:Choice xmlns:a14="http://schemas.microsoft.com/office/drawing/2010/main" Requires="a14">
+      <mc:AlternateContent xmlns:mc="http://schemas.openxmlformats.org/markup-compatibility/2006" xmlns:a14="http://schemas.microsoft.com/office/drawing/2010/main">
+        <mc:Choice Requires="a14">
           <p:sp>
             <p:nvSpPr>
               <p:cNvPr id="3" name="Content Placeholder 2">
@@ -27699,7 +27739,7 @@
             </p:txBody>
           </p:sp>
         </mc:Choice>
-        <mc:Fallback>
+        <mc:Fallback xmlns="">
           <p:sp>
             <p:nvSpPr>
               <p:cNvPr id="3" name="Content Placeholder 2">
@@ -27829,8 +27869,8 @@
           <a:chExt cx="0" cy="0"/>
         </a:xfrm>
       </p:grpSpPr>
-      <mc:AlternateContent xmlns:mc="http://schemas.openxmlformats.org/markup-compatibility/2006">
-        <mc:Choice xmlns:a14="http://schemas.microsoft.com/office/drawing/2010/main" Requires="a14">
+      <mc:AlternateContent xmlns:mc="http://schemas.openxmlformats.org/markup-compatibility/2006" xmlns:a14="http://schemas.microsoft.com/office/drawing/2010/main">
+        <mc:Choice Requires="a14">
           <p:sp>
             <p:nvSpPr>
               <p:cNvPr id="3" name="Content Placeholder 2">
@@ -28283,7 +28323,7 @@
             </p:txBody>
           </p:sp>
         </mc:Choice>
-        <mc:Fallback>
+        <mc:Fallback xmlns="">
           <p:sp>
             <p:nvSpPr>
               <p:cNvPr id="3" name="Content Placeholder 2">
@@ -28786,8 +28826,8 @@
           <a:chExt cx="0" cy="0"/>
         </a:xfrm>
       </p:grpSpPr>
-      <mc:AlternateContent xmlns:mc="http://schemas.openxmlformats.org/markup-compatibility/2006">
-        <mc:Choice xmlns:a14="http://schemas.microsoft.com/office/drawing/2010/main" Requires="a14">
+      <mc:AlternateContent xmlns:mc="http://schemas.openxmlformats.org/markup-compatibility/2006" xmlns:a14="http://schemas.microsoft.com/office/drawing/2010/main">
+        <mc:Choice Requires="a14">
           <p:sp>
             <p:nvSpPr>
               <p:cNvPr id="3" name="Content Placeholder 2">
@@ -29067,7 +29107,7 @@
             </p:txBody>
           </p:sp>
         </mc:Choice>
-        <mc:Fallback>
+        <mc:Fallback xmlns="">
           <p:sp>
             <p:nvSpPr>
               <p:cNvPr id="3" name="Content Placeholder 2">
@@ -33824,8 +33864,8 @@
           <a:chExt cx="0" cy="0"/>
         </a:xfrm>
       </p:grpSpPr>
-      <mc:AlternateContent xmlns:mc="http://schemas.openxmlformats.org/markup-compatibility/2006">
-        <mc:Choice xmlns:a14="http://schemas.microsoft.com/office/drawing/2010/main" Requires="a14">
+      <mc:AlternateContent xmlns:mc="http://schemas.openxmlformats.org/markup-compatibility/2006" xmlns:a14="http://schemas.microsoft.com/office/drawing/2010/main">
+        <mc:Choice Requires="a14">
           <p:sp>
             <p:nvSpPr>
               <p:cNvPr id="3" name="Content Placeholder 2">
@@ -34208,7 +34248,7 @@
             </p:txBody>
           </p:sp>
         </mc:Choice>
-        <mc:Fallback>
+        <mc:Fallback xmlns="">
           <p:sp>
             <p:nvSpPr>
               <p:cNvPr id="3" name="Content Placeholder 2">
@@ -34662,8 +34702,8 @@
           <a:chExt cx="0" cy="0"/>
         </a:xfrm>
       </p:grpSpPr>
-      <mc:AlternateContent xmlns:mc="http://schemas.openxmlformats.org/markup-compatibility/2006">
-        <mc:Choice xmlns:a14="http://schemas.microsoft.com/office/drawing/2010/main" Requires="a14">
+      <mc:AlternateContent xmlns:mc="http://schemas.openxmlformats.org/markup-compatibility/2006" xmlns:a14="http://schemas.microsoft.com/office/drawing/2010/main">
+        <mc:Choice Requires="a14">
           <p:sp>
             <p:nvSpPr>
               <p:cNvPr id="3" name="Content Placeholder 2">
@@ -35171,7 +35211,7 @@
             </p:txBody>
           </p:sp>
         </mc:Choice>
-        <mc:Fallback>
+        <mc:Fallback xmlns="">
           <p:sp>
             <p:nvSpPr>
               <p:cNvPr id="3" name="Content Placeholder 2">

--- a/slides/2_BigDataComputing.pptx
+++ b/slides/2_BigDataComputing.pptx
@@ -233,7 +233,7 @@
           <a:p>
             <a:fld id="{2F3ABF1A-8818-4472-8518-E71DC7B5D2F7}" type="datetimeFigureOut">
               <a:rPr lang="en-US" smtClean="0"/>
-              <a:t>6/10/2021</a:t>
+              <a:t>6/16/2021</a:t>
             </a:fld>
             <a:endParaRPr lang="en-US"/>
           </a:p>
@@ -731,7 +731,7 @@
           <a:p>
             <a:fld id="{6E4A31BF-7266-4BEB-918B-ADC21C630A6F}" type="datetimeFigureOut">
               <a:rPr lang="en-US" smtClean="0"/>
-              <a:t>6/10/2021</a:t>
+              <a:t>6/16/2021</a:t>
             </a:fld>
             <a:endParaRPr lang="en-US"/>
           </a:p>
@@ -929,7 +929,7 @@
           <a:p>
             <a:fld id="{6E4A31BF-7266-4BEB-918B-ADC21C630A6F}" type="datetimeFigureOut">
               <a:rPr lang="en-US" smtClean="0"/>
-              <a:t>6/10/2021</a:t>
+              <a:t>6/16/2021</a:t>
             </a:fld>
             <a:endParaRPr lang="en-US"/>
           </a:p>
@@ -1137,7 +1137,7 @@
           <a:p>
             <a:fld id="{6E4A31BF-7266-4BEB-918B-ADC21C630A6F}" type="datetimeFigureOut">
               <a:rPr lang="en-US" smtClean="0"/>
-              <a:t>6/10/2021</a:t>
+              <a:t>6/16/2021</a:t>
             </a:fld>
             <a:endParaRPr lang="en-US"/>
           </a:p>
@@ -1335,7 +1335,7 @@
           <a:p>
             <a:fld id="{6E4A31BF-7266-4BEB-918B-ADC21C630A6F}" type="datetimeFigureOut">
               <a:rPr lang="en-US" smtClean="0"/>
-              <a:t>6/10/2021</a:t>
+              <a:t>6/16/2021</a:t>
             </a:fld>
             <a:endParaRPr lang="en-US"/>
           </a:p>
@@ -1610,7 +1610,7 @@
           <a:p>
             <a:fld id="{6E4A31BF-7266-4BEB-918B-ADC21C630A6F}" type="datetimeFigureOut">
               <a:rPr lang="en-US" smtClean="0"/>
-              <a:t>6/10/2021</a:t>
+              <a:t>6/16/2021</a:t>
             </a:fld>
             <a:endParaRPr lang="en-US"/>
           </a:p>
@@ -1875,7 +1875,7 @@
           <a:p>
             <a:fld id="{6E4A31BF-7266-4BEB-918B-ADC21C630A6F}" type="datetimeFigureOut">
               <a:rPr lang="en-US" smtClean="0"/>
-              <a:t>6/10/2021</a:t>
+              <a:t>6/16/2021</a:t>
             </a:fld>
             <a:endParaRPr lang="en-US"/>
           </a:p>
@@ -2287,7 +2287,7 @@
           <a:p>
             <a:fld id="{6E4A31BF-7266-4BEB-918B-ADC21C630A6F}" type="datetimeFigureOut">
               <a:rPr lang="en-US" smtClean="0"/>
-              <a:t>6/10/2021</a:t>
+              <a:t>6/16/2021</a:t>
             </a:fld>
             <a:endParaRPr lang="en-US"/>
           </a:p>
@@ -2428,7 +2428,7 @@
           <a:p>
             <a:fld id="{6E4A31BF-7266-4BEB-918B-ADC21C630A6F}" type="datetimeFigureOut">
               <a:rPr lang="en-US" smtClean="0"/>
-              <a:t>6/10/2021</a:t>
+              <a:t>6/16/2021</a:t>
             </a:fld>
             <a:endParaRPr lang="en-US"/>
           </a:p>
@@ -2541,7 +2541,7 @@
           <a:p>
             <a:fld id="{6E4A31BF-7266-4BEB-918B-ADC21C630A6F}" type="datetimeFigureOut">
               <a:rPr lang="en-US" smtClean="0"/>
-              <a:t>6/10/2021</a:t>
+              <a:t>6/16/2021</a:t>
             </a:fld>
             <a:endParaRPr lang="en-US"/>
           </a:p>
@@ -2852,7 +2852,7 @@
           <a:p>
             <a:fld id="{6E4A31BF-7266-4BEB-918B-ADC21C630A6F}" type="datetimeFigureOut">
               <a:rPr lang="en-US" smtClean="0"/>
-              <a:t>6/10/2021</a:t>
+              <a:t>6/16/2021</a:t>
             </a:fld>
             <a:endParaRPr lang="en-US"/>
           </a:p>
@@ -3140,7 +3140,7 @@
           <a:p>
             <a:fld id="{6E4A31BF-7266-4BEB-918B-ADC21C630A6F}" type="datetimeFigureOut">
               <a:rPr lang="en-US" smtClean="0"/>
-              <a:t>6/10/2021</a:t>
+              <a:t>6/16/2021</a:t>
             </a:fld>
             <a:endParaRPr lang="en-US"/>
           </a:p>
@@ -3381,7 +3381,7 @@
           <a:p>
             <a:fld id="{6E4A31BF-7266-4BEB-918B-ADC21C630A6F}" type="datetimeFigureOut">
               <a:rPr lang="en-US" smtClean="0"/>
-              <a:t>6/10/2021</a:t>
+              <a:t>6/16/2021</a:t>
             </a:fld>
             <a:endParaRPr lang="en-US"/>
           </a:p>
@@ -7257,7 +7257,15 @@
             </a:r>
             <a:r>
               <a:rPr lang="en-US" dirty="0"/>
-              <a:t>) uses a map and reduce process operating on key-value pairs </a:t>
+              <a:t>) uses </a:t>
+            </a:r>
+            <a:r>
+              <a:rPr lang="en-US"/>
+              <a:t>a split-apply-combine process </a:t>
+            </a:r>
+            <a:r>
+              <a:rPr lang="en-US" dirty="0"/>
+              <a:t>operating on key-value pairs </a:t>
             </a:r>
           </a:p>
           <a:p>

--- a/slides/2_BigDataComputing.pptx
+++ b/slides/2_BigDataComputing.pptx
@@ -5,7 +5,7 @@
     <p:sldMasterId id="2147483648" r:id="rId1"/>
   </p:sldMasterIdLst>
   <p:notesMasterIdLst>
-    <p:notesMasterId r:id="rId39"/>
+    <p:notesMasterId r:id="rId38"/>
   </p:notesMasterIdLst>
   <p:sldIdLst>
     <p:sldId id="256" r:id="rId2"/>
@@ -29,22 +29,21 @@
     <p:sldId id="271" r:id="rId20"/>
     <p:sldId id="272" r:id="rId21"/>
     <p:sldId id="273" r:id="rId22"/>
-    <p:sldId id="276" r:id="rId23"/>
-    <p:sldId id="278" r:id="rId24"/>
-    <p:sldId id="277" r:id="rId25"/>
-    <p:sldId id="265" r:id="rId26"/>
-    <p:sldId id="268" r:id="rId27"/>
-    <p:sldId id="291" r:id="rId28"/>
-    <p:sldId id="269" r:id="rId29"/>
-    <p:sldId id="266" r:id="rId30"/>
-    <p:sldId id="270" r:id="rId31"/>
-    <p:sldId id="292" r:id="rId32"/>
-    <p:sldId id="297" r:id="rId33"/>
-    <p:sldId id="289" r:id="rId34"/>
-    <p:sldId id="293" r:id="rId35"/>
-    <p:sldId id="295" r:id="rId36"/>
-    <p:sldId id="294" r:id="rId37"/>
-    <p:sldId id="296" r:id="rId38"/>
+    <p:sldId id="278" r:id="rId23"/>
+    <p:sldId id="277" r:id="rId24"/>
+    <p:sldId id="265" r:id="rId25"/>
+    <p:sldId id="268" r:id="rId26"/>
+    <p:sldId id="291" r:id="rId27"/>
+    <p:sldId id="269" r:id="rId28"/>
+    <p:sldId id="266" r:id="rId29"/>
+    <p:sldId id="270" r:id="rId30"/>
+    <p:sldId id="292" r:id="rId31"/>
+    <p:sldId id="297" r:id="rId32"/>
+    <p:sldId id="289" r:id="rId33"/>
+    <p:sldId id="293" r:id="rId34"/>
+    <p:sldId id="295" r:id="rId35"/>
+    <p:sldId id="294" r:id="rId36"/>
+    <p:sldId id="296" r:id="rId37"/>
   </p:sldIdLst>
   <p:sldSz cx="12192000" cy="6858000"/>
   <p:notesSz cx="6858000" cy="9144000"/>
@@ -233,7 +232,7 @@
           <a:p>
             <a:fld id="{2F3ABF1A-8818-4472-8518-E71DC7B5D2F7}" type="datetimeFigureOut">
               <a:rPr lang="en-US" smtClean="0"/>
-              <a:t>6/16/2021</a:t>
+              <a:t>6/21/2021</a:t>
             </a:fld>
             <a:endParaRPr lang="en-US"/>
           </a:p>
@@ -565,7 +564,7 @@
           <a:p>
             <a:fld id="{F33E01E3-981B-4CB5-81ED-65C622C255CB}" type="slidenum">
               <a:rPr lang="en-US" smtClean="0"/>
-              <a:t>34</a:t>
+              <a:t>33</a:t>
             </a:fld>
             <a:endParaRPr lang="en-US"/>
           </a:p>
@@ -731,7 +730,7 @@
           <a:p>
             <a:fld id="{6E4A31BF-7266-4BEB-918B-ADC21C630A6F}" type="datetimeFigureOut">
               <a:rPr lang="en-US" smtClean="0"/>
-              <a:t>6/16/2021</a:t>
+              <a:t>6/21/2021</a:t>
             </a:fld>
             <a:endParaRPr lang="en-US"/>
           </a:p>
@@ -929,7 +928,7 @@
           <a:p>
             <a:fld id="{6E4A31BF-7266-4BEB-918B-ADC21C630A6F}" type="datetimeFigureOut">
               <a:rPr lang="en-US" smtClean="0"/>
-              <a:t>6/16/2021</a:t>
+              <a:t>6/21/2021</a:t>
             </a:fld>
             <a:endParaRPr lang="en-US"/>
           </a:p>
@@ -1137,7 +1136,7 @@
           <a:p>
             <a:fld id="{6E4A31BF-7266-4BEB-918B-ADC21C630A6F}" type="datetimeFigureOut">
               <a:rPr lang="en-US" smtClean="0"/>
-              <a:t>6/16/2021</a:t>
+              <a:t>6/21/2021</a:t>
             </a:fld>
             <a:endParaRPr lang="en-US"/>
           </a:p>
@@ -1335,7 +1334,7 @@
           <a:p>
             <a:fld id="{6E4A31BF-7266-4BEB-918B-ADC21C630A6F}" type="datetimeFigureOut">
               <a:rPr lang="en-US" smtClean="0"/>
-              <a:t>6/16/2021</a:t>
+              <a:t>6/21/2021</a:t>
             </a:fld>
             <a:endParaRPr lang="en-US"/>
           </a:p>
@@ -1610,7 +1609,7 @@
           <a:p>
             <a:fld id="{6E4A31BF-7266-4BEB-918B-ADC21C630A6F}" type="datetimeFigureOut">
               <a:rPr lang="en-US" smtClean="0"/>
-              <a:t>6/16/2021</a:t>
+              <a:t>6/21/2021</a:t>
             </a:fld>
             <a:endParaRPr lang="en-US"/>
           </a:p>
@@ -1875,7 +1874,7 @@
           <a:p>
             <a:fld id="{6E4A31BF-7266-4BEB-918B-ADC21C630A6F}" type="datetimeFigureOut">
               <a:rPr lang="en-US" smtClean="0"/>
-              <a:t>6/16/2021</a:t>
+              <a:t>6/21/2021</a:t>
             </a:fld>
             <a:endParaRPr lang="en-US"/>
           </a:p>
@@ -2287,7 +2286,7 @@
           <a:p>
             <a:fld id="{6E4A31BF-7266-4BEB-918B-ADC21C630A6F}" type="datetimeFigureOut">
               <a:rPr lang="en-US" smtClean="0"/>
-              <a:t>6/16/2021</a:t>
+              <a:t>6/21/2021</a:t>
             </a:fld>
             <a:endParaRPr lang="en-US"/>
           </a:p>
@@ -2428,7 +2427,7 @@
           <a:p>
             <a:fld id="{6E4A31BF-7266-4BEB-918B-ADC21C630A6F}" type="datetimeFigureOut">
               <a:rPr lang="en-US" smtClean="0"/>
-              <a:t>6/16/2021</a:t>
+              <a:t>6/21/2021</a:t>
             </a:fld>
             <a:endParaRPr lang="en-US"/>
           </a:p>
@@ -2541,7 +2540,7 @@
           <a:p>
             <a:fld id="{6E4A31BF-7266-4BEB-918B-ADC21C630A6F}" type="datetimeFigureOut">
               <a:rPr lang="en-US" smtClean="0"/>
-              <a:t>6/16/2021</a:t>
+              <a:t>6/21/2021</a:t>
             </a:fld>
             <a:endParaRPr lang="en-US"/>
           </a:p>
@@ -2852,7 +2851,7 @@
           <a:p>
             <a:fld id="{6E4A31BF-7266-4BEB-918B-ADC21C630A6F}" type="datetimeFigureOut">
               <a:rPr lang="en-US" smtClean="0"/>
-              <a:t>6/16/2021</a:t>
+              <a:t>6/21/2021</a:t>
             </a:fld>
             <a:endParaRPr lang="en-US"/>
           </a:p>
@@ -3140,7 +3139,7 @@
           <a:p>
             <a:fld id="{6E4A31BF-7266-4BEB-918B-ADC21C630A6F}" type="datetimeFigureOut">
               <a:rPr lang="en-US" smtClean="0"/>
-              <a:t>6/16/2021</a:t>
+              <a:t>6/21/2021</a:t>
             </a:fld>
             <a:endParaRPr lang="en-US"/>
           </a:p>
@@ -3381,7 +3380,7 @@
           <a:p>
             <a:fld id="{6E4A31BF-7266-4BEB-918B-ADC21C630A6F}" type="datetimeFigureOut">
               <a:rPr lang="en-US" smtClean="0"/>
-              <a:t>6/16/2021</a:t>
+              <a:t>6/21/2021</a:t>
             </a:fld>
             <a:endParaRPr lang="en-US"/>
           </a:p>
@@ -10217,8 +10216,8 @@
           <a:chExt cx="0" cy="0"/>
         </a:xfrm>
       </p:grpSpPr>
-      <mc:AlternateContent xmlns:mc="http://schemas.openxmlformats.org/markup-compatibility/2006" xmlns:a14="http://schemas.microsoft.com/office/drawing/2010/main">
-        <mc:Choice Requires="a14">
+      <mc:AlternateContent xmlns:mc="http://schemas.openxmlformats.org/markup-compatibility/2006">
+        <mc:Choice xmlns:a14="http://schemas.microsoft.com/office/drawing/2010/main" Requires="a14">
           <p:sp>
             <p:nvSpPr>
               <p:cNvPr id="3" name="Content Placeholder 2">
@@ -10243,7 +10242,7 @@
             </p:spPr>
             <p:txBody>
               <a:bodyPr>
-                <a:normAutofit/>
+                <a:normAutofit lnSpcReduction="10000"/>
               </a:bodyPr>
               <a:lstStyle/>
               <a:p>
@@ -10462,14 +10461,50 @@
                 <a:pPr lvl="1"/>
                 <a:r>
                   <a:rPr lang="en-US" dirty="0"/>
+                  <a:t>e</a:t>
+                </a:r>
+                <a:r>
+                  <a:rPr lang="en-US" b="0" dirty="0"/>
+                  <a:t>.g. </a:t>
+                </a:r>
+                <a14:m>
+                  <m:oMath xmlns:m="http://schemas.openxmlformats.org/officeDocument/2006/math">
+                    <m:r>
+                      <a:rPr lang="en-US" b="0" i="1" smtClean="0">
+                        <a:latin typeface="Cambria Math" panose="02040503050406030204" pitchFamily="18" charset="0"/>
+                      </a:rPr>
+                      <m:t>𝑏</m:t>
+                    </m:r>
+                  </m:oMath>
+                </a14:m>
+                <a:r>
+                  <a:rPr lang="en-US" dirty="0"/>
+                  <a:t> is common key</a:t>
+                </a:r>
+              </a:p>
+              <a:p>
+                <a:pPr lvl="1"/>
+                <a:r>
+                  <a:rPr lang="en-US" dirty="0"/>
                   <a:t>S and R are identifiers    </a:t>
                 </a:r>
               </a:p>
               <a:p>
                 <a:r>
                   <a:rPr lang="en-US" dirty="0"/>
-                  <a:t>Reduce process: Join by key </a:t>
+                  <a:t>Reduce process: Join by common key </a:t>
                 </a:r>
+                <a14:m>
+                  <m:oMath xmlns:m="http://schemas.openxmlformats.org/officeDocument/2006/math">
+                    <m:r>
+                      <a:rPr lang="en-US" b="0" i="1" smtClean="0">
+                        <a:latin typeface="Cambria Math" panose="02040503050406030204" pitchFamily="18" charset="0"/>
+                      </a:rPr>
+                      <m:t>𝑏</m:t>
+                    </m:r>
+                  </m:oMath>
+                </a14:m>
+                <a:endParaRPr lang="en-US" dirty="0"/>
               </a:p>
               <a:p>
                 <a:pPr lvl="1"/>
@@ -10529,14 +10564,14 @@
                 <a:pPr lvl="1"/>
                 <a:r>
                   <a:rPr lang="en-US" dirty="0"/>
-                  <a:t>Join applied to all pairs with common keys </a:t>
+                  <a:t>Join applied to all pairs with same key </a:t>
                 </a:r>
               </a:p>
               <a:p>
                 <a:pPr lvl="1"/>
                 <a:r>
                   <a:rPr lang="en-US" dirty="0"/>
-                  <a:t>Number of reducers is number of common keys </a:t>
+                  <a:t>Number of reducers is number of keys </a:t>
                 </a:r>
               </a:p>
               <a:p>
@@ -10769,7 +10804,7 @@
             </p:txBody>
           </p:sp>
         </mc:Choice>
-        <mc:Fallback xmlns="">
+        <mc:Fallback>
           <p:sp>
             <p:nvSpPr>
               <p:cNvPr id="3" name="Content Placeholder 2">
@@ -10794,7 +10829,7 @@
               <a:blipFill>
                 <a:blip r:embed="rId2"/>
                 <a:stretch>
-                  <a:fillRect l="-1507" t="-2384"/>
+                  <a:fillRect l="-1507" t="-3065"/>
                 </a:stretch>
               </a:blipFill>
             </p:spPr>
@@ -11406,6 +11441,104 @@
                                           <p:spTgt spid="3">
                                             <p:txEl>
                                               <p:pRg st="10" end="10"/>
+                                            </p:txEl>
+                                          </p:spTgt>
+                                        </p:tgtEl>
+                                        <p:attrNameLst>
+                                          <p:attrName>style.visibility</p:attrName>
+                                        </p:attrNameLst>
+                                      </p:cBhvr>
+                                      <p:to>
+                                        <p:strVal val="visible"/>
+                                      </p:to>
+                                    </p:set>
+                                  </p:childTnLst>
+                                </p:cTn>
+                              </p:par>
+                            </p:childTnLst>
+                          </p:cTn>
+                        </p:par>
+                      </p:childTnLst>
+                    </p:cTn>
+                  </p:par>
+                  <p:par>
+                    <p:cTn id="47" fill="hold">
+                      <p:stCondLst>
+                        <p:cond delay="indefinite"/>
+                      </p:stCondLst>
+                      <p:childTnLst>
+                        <p:par>
+                          <p:cTn id="48" fill="hold">
+                            <p:stCondLst>
+                              <p:cond delay="0"/>
+                            </p:stCondLst>
+                            <p:childTnLst>
+                              <p:par>
+                                <p:cTn id="49" presetID="1" presetClass="entr" presetSubtype="0" fill="hold" nodeType="clickEffect">
+                                  <p:stCondLst>
+                                    <p:cond delay="0"/>
+                                  </p:stCondLst>
+                                  <p:childTnLst>
+                                    <p:set>
+                                      <p:cBhvr>
+                                        <p:cTn id="50" dur="1" fill="hold">
+                                          <p:stCondLst>
+                                            <p:cond delay="0"/>
+                                          </p:stCondLst>
+                                        </p:cTn>
+                                        <p:tgtEl>
+                                          <p:spTgt spid="3">
+                                            <p:txEl>
+                                              <p:pRg st="11" end="11"/>
+                                            </p:txEl>
+                                          </p:spTgt>
+                                        </p:tgtEl>
+                                        <p:attrNameLst>
+                                          <p:attrName>style.visibility</p:attrName>
+                                        </p:attrNameLst>
+                                      </p:cBhvr>
+                                      <p:to>
+                                        <p:strVal val="visible"/>
+                                      </p:to>
+                                    </p:set>
+                                  </p:childTnLst>
+                                </p:cTn>
+                              </p:par>
+                            </p:childTnLst>
+                          </p:cTn>
+                        </p:par>
+                      </p:childTnLst>
+                    </p:cTn>
+                  </p:par>
+                  <p:par>
+                    <p:cTn id="51" fill="hold">
+                      <p:stCondLst>
+                        <p:cond delay="indefinite"/>
+                      </p:stCondLst>
+                      <p:childTnLst>
+                        <p:par>
+                          <p:cTn id="52" fill="hold">
+                            <p:stCondLst>
+                              <p:cond delay="0"/>
+                            </p:stCondLst>
+                            <p:childTnLst>
+                              <p:par>
+                                <p:cTn id="53" presetID="1" presetClass="entr" presetSubtype="0" fill="hold" nodeType="clickEffect">
+                                  <p:stCondLst>
+                                    <p:cond delay="0"/>
+                                  </p:stCondLst>
+                                  <p:childTnLst>
+                                    <p:set>
+                                      <p:cBhvr>
+                                        <p:cTn id="54" dur="1" fill="hold">
+                                          <p:stCondLst>
+                                            <p:cond delay="0"/>
+                                          </p:stCondLst>
+                                        </p:cTn>
+                                        <p:tgtEl>
+                                          <p:spTgt spid="3">
+                                            <p:txEl>
+                                              <p:pRg st="12" end="12"/>
                                             </p:txEl>
                                           </p:spTgt>
                                         </p:tgtEl>
@@ -12350,8 +12483,8 @@
               <a:buNone/>
             </a:pPr>
             <a:r>
-              <a:rPr lang="en-US" sz="3200" dirty="0"/>
-              <a:t>Note: much of the subject discussed here falls under data engineering which is not within the scope of our course   </a:t>
+              <a:rPr lang="en-US" dirty="0"/>
+              <a:t>Note: much of the subject discussed here falls under data engineering which is not the focal point of our course   </a:t>
             </a:r>
           </a:p>
         </p:txBody>
@@ -22485,1211 +22618,6 @@
             </p:nvSpPr>
             <p:spPr>
               <a:xfrm>
-                <a:off x="784412" y="1324928"/>
-                <a:ext cx="10515600" cy="5368480"/>
-              </a:xfrm>
-            </p:spPr>
-            <p:txBody>
-              <a:bodyPr>
-                <a:normAutofit/>
-              </a:bodyPr>
-              <a:lstStyle/>
-              <a:p>
-                <a:pPr marL="0" indent="0">
-                  <a:buNone/>
-                </a:pPr>
-                <a:r>
-                  <a:rPr lang="en-US" sz="3200" dirty="0"/>
-                  <a:t>Example: Similarity Join</a:t>
-                </a:r>
-                <a:endParaRPr lang="en-US" sz="3200" b="1" dirty="0"/>
-              </a:p>
-              <a:p>
-                <a:r>
-                  <a:rPr lang="en-US" dirty="0"/>
-                  <a:t>Naïve algorithm does not scale</a:t>
-                </a:r>
-              </a:p>
-              <a:p>
-                <a:r>
-                  <a:rPr lang="en-US" dirty="0"/>
-                  <a:t>Map process: Create key-value pairs </a:t>
-                </a:r>
-              </a:p>
-              <a:p>
-                <a:pPr lvl="1"/>
-                <a:r>
-                  <a:rPr lang="en-US" b="0" dirty="0"/>
-                  <a:t>(</a:t>
-                </a:r>
-                <a:r>
-                  <a:rPr lang="en-US" b="0" dirty="0" err="1"/>
-                  <a:t>i</a:t>
-                </a:r>
-                <a14:m>
-                  <m:oMath xmlns:m="http://schemas.openxmlformats.org/officeDocument/2006/math">
-                    <m:d>
-                      <m:dPr>
-                        <m:ctrlPr>
-                          <a:rPr lang="en-US" b="0" i="1" smtClean="0">
-                            <a:latin typeface="Cambria Math" panose="02040503050406030204" pitchFamily="18" charset="0"/>
-                          </a:rPr>
-                        </m:ctrlPr>
-                      </m:dPr>
-                      <m:e>
-                        <m:sSub>
-                          <m:sSubPr>
-                            <m:ctrlPr>
-                              <a:rPr lang="en-US" b="0" i="1" smtClean="0">
-                                <a:latin typeface="Cambria Math" panose="02040503050406030204" pitchFamily="18" charset="0"/>
-                              </a:rPr>
-                            </m:ctrlPr>
-                          </m:sSubPr>
-                          <m:e>
-                            <m:r>
-                              <a:rPr lang="en-US" b="0" i="1" smtClean="0">
-                                <a:latin typeface="Cambria Math" panose="02040503050406030204" pitchFamily="18" charset="0"/>
-                              </a:rPr>
-                              <m:t>𝑣</m:t>
-                            </m:r>
-                          </m:e>
-                          <m:sub>
-                            <m:r>
-                              <a:rPr lang="en-US" b="0" i="1" smtClean="0">
-                                <a:latin typeface="Cambria Math" panose="02040503050406030204" pitchFamily="18" charset="0"/>
-                              </a:rPr>
-                              <m:t>𝑖</m:t>
-                            </m:r>
-                          </m:sub>
-                        </m:sSub>
-                      </m:e>
-                    </m:d>
-                    <m:r>
-                      <a:rPr lang="en-US" b="0" i="1" smtClean="0">
-                        <a:latin typeface="Cambria Math" panose="02040503050406030204" pitchFamily="18" charset="0"/>
-                      </a:rPr>
-                      <m:t>) </m:t>
-                    </m:r>
-                    <m:r>
-                      <a:rPr lang="en-US" b="0" i="1" smtClean="0">
-                        <a:latin typeface="Cambria Math" panose="02040503050406030204" pitchFamily="18" charset="0"/>
-                        <a:ea typeface="Cambria Math" panose="02040503050406030204" pitchFamily="18" charset="0"/>
-                      </a:rPr>
-                      <m:t>∀</m:t>
-                    </m:r>
-                    <m:r>
-                      <a:rPr lang="en-US" b="0" i="0" smtClean="0">
-                        <a:latin typeface="Cambria Math" panose="02040503050406030204" pitchFamily="18" charset="0"/>
-                        <a:ea typeface="Cambria Math" panose="02040503050406030204" pitchFamily="18" charset="0"/>
-                      </a:rPr>
-                      <m:t> </m:t>
-                    </m:r>
-                    <m:r>
-                      <m:rPr>
-                        <m:sty m:val="p"/>
-                      </m:rPr>
-                      <a:rPr lang="en-US" b="0" i="0" smtClean="0">
-                        <a:latin typeface="Cambria Math" panose="02040503050406030204" pitchFamily="18" charset="0"/>
-                        <a:ea typeface="Cambria Math" panose="02040503050406030204" pitchFamily="18" charset="0"/>
-                      </a:rPr>
-                      <m:t>i</m:t>
-                    </m:r>
-                    <m:r>
-                      <a:rPr lang="en-US" b="0" i="0" smtClean="0">
-                        <a:latin typeface="Cambria Math" panose="02040503050406030204" pitchFamily="18" charset="0"/>
-                        <a:ea typeface="Cambria Math" panose="02040503050406030204" pitchFamily="18" charset="0"/>
-                      </a:rPr>
-                      <m:t> </m:t>
-                    </m:r>
-                    <m:r>
-                      <a:rPr lang="en-US" b="0" i="1" smtClean="0">
-                        <a:latin typeface="Cambria Math" panose="02040503050406030204" pitchFamily="18" charset="0"/>
-                        <a:ea typeface="Cambria Math" panose="02040503050406030204" pitchFamily="18" charset="0"/>
-                      </a:rPr>
-                      <m:t>∈{1,2,…,</m:t>
-                    </m:r>
-                    <m:r>
-                      <a:rPr lang="en-US" b="0" i="1" smtClean="0">
-                        <a:latin typeface="Cambria Math" panose="02040503050406030204" pitchFamily="18" charset="0"/>
-                        <a:ea typeface="Cambria Math" panose="02040503050406030204" pitchFamily="18" charset="0"/>
-                      </a:rPr>
-                      <m:t>𝑛</m:t>
-                    </m:r>
-                    <m:r>
-                      <a:rPr lang="en-US" b="0" i="1" smtClean="0">
-                        <a:latin typeface="Cambria Math" panose="02040503050406030204" pitchFamily="18" charset="0"/>
-                        <a:ea typeface="Cambria Math" panose="02040503050406030204" pitchFamily="18" charset="0"/>
-                      </a:rPr>
-                      <m:t>}</m:t>
-                    </m:r>
-                    <m:r>
-                      <a:rPr lang="en-US" b="0" i="0" smtClean="0">
-                        <a:latin typeface="Cambria Math" panose="02040503050406030204" pitchFamily="18" charset="0"/>
-                        <a:ea typeface="Cambria Math" panose="02040503050406030204" pitchFamily="18" charset="0"/>
-                      </a:rPr>
-                      <m:t> </m:t>
-                    </m:r>
-                    <m:r>
-                      <a:rPr lang="en-US" b="0" i="0" smtClean="0">
-                        <a:latin typeface="Cambria Math" panose="02040503050406030204" pitchFamily="18" charset="0"/>
-                      </a:rPr>
-                      <m:t> </m:t>
-                    </m:r>
-                  </m:oMath>
-                </a14:m>
-                <a:endParaRPr lang="en-US" dirty="0"/>
-              </a:p>
-              <a:p>
-                <a:pPr lvl="1"/>
-                <a:r>
-                  <a:rPr lang="en-US" dirty="0"/>
-                  <a:t>n key-value pairs</a:t>
-                </a:r>
-              </a:p>
-              <a:p>
-                <a:r>
-                  <a:rPr lang="en-US" dirty="0"/>
-                  <a:t>Reduce process: Similarity join </a:t>
-                </a:r>
-              </a:p>
-              <a:p>
-                <a:pPr lvl="1"/>
-                <a14:m>
-                  <m:oMath xmlns:m="http://schemas.openxmlformats.org/officeDocument/2006/math">
-                    <m:d>
-                      <m:dPr>
-                        <m:ctrlPr>
-                          <a:rPr lang="en-US" i="1">
-                            <a:latin typeface="Cambria Math" panose="02040503050406030204" pitchFamily="18" charset="0"/>
-                          </a:rPr>
-                        </m:ctrlPr>
-                      </m:dPr>
-                      <m:e>
-                        <m:r>
-                          <m:rPr>
-                            <m:nor/>
-                          </m:rPr>
-                          <a:rPr lang="en-US" dirty="0"/>
-                          <m:t>i</m:t>
-                        </m:r>
-                        <m:d>
-                          <m:dPr>
-                            <m:ctrlPr>
-                              <a:rPr lang="en-US" i="1">
-                                <a:latin typeface="Cambria Math" panose="02040503050406030204" pitchFamily="18" charset="0"/>
-                              </a:rPr>
-                            </m:ctrlPr>
-                          </m:dPr>
-                          <m:e>
-                            <m:sSub>
-                              <m:sSubPr>
-                                <m:ctrlPr>
-                                  <a:rPr lang="en-US" i="1">
-                                    <a:latin typeface="Cambria Math" panose="02040503050406030204" pitchFamily="18" charset="0"/>
-                                  </a:rPr>
-                                </m:ctrlPr>
-                              </m:sSubPr>
-                              <m:e>
-                                <m:r>
-                                  <a:rPr lang="en-US" i="1">
-                                    <a:latin typeface="Cambria Math" panose="02040503050406030204" pitchFamily="18" charset="0"/>
-                                  </a:rPr>
-                                  <m:t>𝑣</m:t>
-                                </m:r>
-                              </m:e>
-                              <m:sub>
-                                <m:r>
-                                  <a:rPr lang="en-US" i="1">
-                                    <a:latin typeface="Cambria Math" panose="02040503050406030204" pitchFamily="18" charset="0"/>
-                                  </a:rPr>
-                                  <m:t>𝑖</m:t>
-                                </m:r>
-                              </m:sub>
-                            </m:sSub>
-                          </m:e>
-                        </m:d>
-                      </m:e>
-                    </m:d>
-                    <m:r>
-                      <a:rPr lang="en-US" i="1">
-                        <a:latin typeface="Cambria Math" panose="02040503050406030204" pitchFamily="18" charset="0"/>
-                        <a:ea typeface="Cambria Math" panose="02040503050406030204" pitchFamily="18" charset="0"/>
-                      </a:rPr>
-                      <m:t>⋈</m:t>
-                    </m:r>
-                    <m:d>
-                      <m:dPr>
-                        <m:ctrlPr>
-                          <a:rPr lang="en-US" i="1">
-                            <a:latin typeface="Cambria Math" panose="02040503050406030204" pitchFamily="18" charset="0"/>
-                            <a:ea typeface="Cambria Math" panose="02040503050406030204" pitchFamily="18" charset="0"/>
-                          </a:rPr>
-                        </m:ctrlPr>
-                      </m:dPr>
-                      <m:e>
-                        <m:r>
-                          <m:rPr>
-                            <m:nor/>
-                          </m:rPr>
-                          <a:rPr lang="en-US" b="0" i="0" smtClean="0">
-                            <a:latin typeface="Cambria Math" panose="02040503050406030204" pitchFamily="18" charset="0"/>
-                            <a:ea typeface="Cambria Math" panose="02040503050406030204" pitchFamily="18" charset="0"/>
-                          </a:rPr>
-                          <m:t>j</m:t>
-                        </m:r>
-                        <m:d>
-                          <m:dPr>
-                            <m:ctrlPr>
-                              <a:rPr lang="en-US" i="1">
-                                <a:latin typeface="Cambria Math" panose="02040503050406030204" pitchFamily="18" charset="0"/>
-                              </a:rPr>
-                            </m:ctrlPr>
-                          </m:dPr>
-                          <m:e>
-                            <m:sSub>
-                              <m:sSubPr>
-                                <m:ctrlPr>
-                                  <a:rPr lang="en-US" i="1">
-                                    <a:latin typeface="Cambria Math" panose="02040503050406030204" pitchFamily="18" charset="0"/>
-                                  </a:rPr>
-                                </m:ctrlPr>
-                              </m:sSubPr>
-                              <m:e>
-                                <m:r>
-                                  <a:rPr lang="en-US" i="1">
-                                    <a:latin typeface="Cambria Math" panose="02040503050406030204" pitchFamily="18" charset="0"/>
-                                  </a:rPr>
-                                  <m:t>𝑣</m:t>
-                                </m:r>
-                              </m:e>
-                              <m:sub>
-                                <m:r>
-                                  <a:rPr lang="en-US" b="0" i="1" smtClean="0">
-                                    <a:latin typeface="Cambria Math" panose="02040503050406030204" pitchFamily="18" charset="0"/>
-                                  </a:rPr>
-                                  <m:t>𝑗</m:t>
-                                </m:r>
-                              </m:sub>
-                            </m:sSub>
-                          </m:e>
-                        </m:d>
-                      </m:e>
-                    </m:d>
-                    <m:r>
-                      <a:rPr lang="en-US" i="1">
-                        <a:latin typeface="Cambria Math" panose="02040503050406030204" pitchFamily="18" charset="0"/>
-                        <a:ea typeface="Cambria Math" panose="02040503050406030204" pitchFamily="18" charset="0"/>
-                      </a:rPr>
-                      <m:t>=(</m:t>
-                    </m:r>
-                    <m:r>
-                      <a:rPr lang="en-US" b="0" i="1" smtClean="0">
-                        <a:latin typeface="Cambria Math" panose="02040503050406030204" pitchFamily="18" charset="0"/>
-                        <a:ea typeface="Cambria Math" panose="02040503050406030204" pitchFamily="18" charset="0"/>
-                      </a:rPr>
-                      <m:t>𝑖</m:t>
-                    </m:r>
-                    <m:r>
-                      <a:rPr lang="en-US" b="0" i="1" smtClean="0">
-                        <a:latin typeface="Cambria Math" panose="02040503050406030204" pitchFamily="18" charset="0"/>
-                        <a:ea typeface="Cambria Math" panose="02040503050406030204" pitchFamily="18" charset="0"/>
-                      </a:rPr>
-                      <m:t>, </m:t>
-                    </m:r>
-                    <m:r>
-                      <a:rPr lang="en-US" b="0" i="1" smtClean="0">
-                        <a:latin typeface="Cambria Math" panose="02040503050406030204" pitchFamily="18" charset="0"/>
-                        <a:ea typeface="Cambria Math" panose="02040503050406030204" pitchFamily="18" charset="0"/>
-                      </a:rPr>
-                      <m:t>𝑗</m:t>
-                    </m:r>
-                    <m:r>
-                      <a:rPr lang="en-US" b="0" i="1" smtClean="0">
-                        <a:latin typeface="Cambria Math" panose="02040503050406030204" pitchFamily="18" charset="0"/>
-                        <a:ea typeface="Cambria Math" panose="02040503050406030204" pitchFamily="18" charset="0"/>
-                      </a:rPr>
-                      <m:t>,(</m:t>
-                    </m:r>
-                    <m:r>
-                      <a:rPr lang="en-US" b="0" i="1" smtClean="0">
-                        <a:latin typeface="Cambria Math" panose="02040503050406030204" pitchFamily="18" charset="0"/>
-                        <a:ea typeface="Cambria Math" panose="02040503050406030204" pitchFamily="18" charset="0"/>
-                      </a:rPr>
-                      <m:t>𝑠</m:t>
-                    </m:r>
-                    <m:d>
-                      <m:dPr>
-                        <m:ctrlPr>
-                          <a:rPr lang="en-US" b="0" i="1" smtClean="0">
-                            <a:latin typeface="Cambria Math" panose="02040503050406030204" pitchFamily="18" charset="0"/>
-                            <a:ea typeface="Cambria Math" panose="02040503050406030204" pitchFamily="18" charset="0"/>
-                          </a:rPr>
-                        </m:ctrlPr>
-                      </m:dPr>
-                      <m:e>
-                        <m:sSub>
-                          <m:sSubPr>
-                            <m:ctrlPr>
-                              <a:rPr lang="en-US" i="1">
-                                <a:latin typeface="Cambria Math" panose="02040503050406030204" pitchFamily="18" charset="0"/>
-                              </a:rPr>
-                            </m:ctrlPr>
-                          </m:sSubPr>
-                          <m:e>
-                            <m:r>
-                              <a:rPr lang="en-US" i="1">
-                                <a:latin typeface="Cambria Math" panose="02040503050406030204" pitchFamily="18" charset="0"/>
-                              </a:rPr>
-                              <m:t>𝑣</m:t>
-                            </m:r>
-                          </m:e>
-                          <m:sub>
-                            <m:r>
-                              <a:rPr lang="en-US" i="1">
-                                <a:latin typeface="Cambria Math" panose="02040503050406030204" pitchFamily="18" charset="0"/>
-                              </a:rPr>
-                              <m:t>𝑖</m:t>
-                            </m:r>
-                          </m:sub>
-                        </m:sSub>
-                        <m:r>
-                          <a:rPr lang="en-US" b="0" i="1" smtClean="0">
-                            <a:latin typeface="Cambria Math" panose="02040503050406030204" pitchFamily="18" charset="0"/>
-                          </a:rPr>
-                          <m:t>,</m:t>
-                        </m:r>
-                        <m:sSub>
-                          <m:sSubPr>
-                            <m:ctrlPr>
-                              <a:rPr lang="en-US" i="1">
-                                <a:latin typeface="Cambria Math" panose="02040503050406030204" pitchFamily="18" charset="0"/>
-                              </a:rPr>
-                            </m:ctrlPr>
-                          </m:sSubPr>
-                          <m:e>
-                            <m:r>
-                              <a:rPr lang="en-US" i="1">
-                                <a:latin typeface="Cambria Math" panose="02040503050406030204" pitchFamily="18" charset="0"/>
-                              </a:rPr>
-                              <m:t>𝑣</m:t>
-                            </m:r>
-                          </m:e>
-                          <m:sub>
-                            <m:r>
-                              <a:rPr lang="en-US" i="1">
-                                <a:latin typeface="Cambria Math" panose="02040503050406030204" pitchFamily="18" charset="0"/>
-                              </a:rPr>
-                              <m:t>𝑗</m:t>
-                            </m:r>
-                          </m:sub>
-                        </m:sSub>
-                      </m:e>
-                    </m:d>
-                    <m:r>
-                      <a:rPr lang="en-US" b="0" i="1" smtClean="0">
-                        <a:latin typeface="Cambria Math" panose="02040503050406030204" pitchFamily="18" charset="0"/>
-                        <a:ea typeface="Cambria Math" panose="02040503050406030204" pitchFamily="18" charset="0"/>
-                      </a:rPr>
-                      <m:t>)</m:t>
-                    </m:r>
-                    <m:r>
-                      <a:rPr lang="en-US" i="1">
-                        <a:latin typeface="Cambria Math" panose="02040503050406030204" pitchFamily="18" charset="0"/>
-                        <a:ea typeface="Cambria Math" panose="02040503050406030204" pitchFamily="18" charset="0"/>
-                      </a:rPr>
-                      <m:t>)</m:t>
-                    </m:r>
-                  </m:oMath>
-                </a14:m>
-                <a:endParaRPr lang="en-US" dirty="0"/>
-              </a:p>
-              <a:p>
-                <a:pPr lvl="1"/>
-                <a:r>
-                  <a:rPr lang="en-US" dirty="0"/>
-                  <a:t>Number of reducers </a:t>
-                </a:r>
-                <a14:m>
-                  <m:oMath xmlns:m="http://schemas.openxmlformats.org/officeDocument/2006/math">
-                    <m:r>
-                      <a:rPr lang="en-US" i="1">
-                        <a:latin typeface="Cambria Math" panose="02040503050406030204" pitchFamily="18" charset="0"/>
-                      </a:rPr>
-                      <m:t>=</m:t>
-                    </m:r>
-                    <m:f>
-                      <m:fPr>
-                        <m:ctrlPr>
-                          <a:rPr lang="en-US" i="1">
-                            <a:latin typeface="Cambria Math" panose="02040503050406030204" pitchFamily="18" charset="0"/>
-                          </a:rPr>
-                        </m:ctrlPr>
-                      </m:fPr>
-                      <m:num>
-                        <m:r>
-                          <a:rPr lang="en-US" i="1">
-                            <a:latin typeface="Cambria Math" panose="02040503050406030204" pitchFamily="18" charset="0"/>
-                          </a:rPr>
-                          <m:t>𝑛</m:t>
-                        </m:r>
-                        <m:r>
-                          <a:rPr lang="en-US" i="1">
-                            <a:latin typeface="Cambria Math" panose="02040503050406030204" pitchFamily="18" charset="0"/>
-                          </a:rPr>
-                          <m:t>(</m:t>
-                        </m:r>
-                        <m:r>
-                          <a:rPr lang="en-US" i="1">
-                            <a:latin typeface="Cambria Math" panose="02040503050406030204" pitchFamily="18" charset="0"/>
-                          </a:rPr>
-                          <m:t>𝑛</m:t>
-                        </m:r>
-                        <m:r>
-                          <a:rPr lang="en-US" i="1">
-                            <a:latin typeface="Cambria Math" panose="02040503050406030204" pitchFamily="18" charset="0"/>
-                          </a:rPr>
-                          <m:t>−1)</m:t>
-                        </m:r>
-                      </m:num>
-                      <m:den>
-                        <m:r>
-                          <a:rPr lang="en-US" i="1">
-                            <a:latin typeface="Cambria Math" panose="02040503050406030204" pitchFamily="18" charset="0"/>
-                          </a:rPr>
-                          <m:t>2</m:t>
-                        </m:r>
-                      </m:den>
-                    </m:f>
-                  </m:oMath>
-                </a14:m>
-                <a:r>
-                  <a:rPr lang="en-US" dirty="0"/>
-                  <a:t> </a:t>
-                </a:r>
-              </a:p>
-              <a:p>
-                <a:pPr lvl="1"/>
-                <a:r>
-                  <a:rPr lang="en-US" b="1" dirty="0"/>
-                  <a:t>Replication rate</a:t>
-                </a:r>
-                <a:r>
-                  <a:rPr lang="en-US" dirty="0"/>
-                  <a:t>, is number of copies of each key-value pair emitted by map process </a:t>
-                </a:r>
-                <a14:m>
-                  <m:oMath xmlns:m="http://schemas.openxmlformats.org/officeDocument/2006/math">
-                    <m:r>
-                      <a:rPr lang="en-US" b="0" i="1" smtClean="0">
-                        <a:latin typeface="Cambria Math" panose="02040503050406030204" pitchFamily="18" charset="0"/>
-                      </a:rPr>
-                      <m:t>=</m:t>
-                    </m:r>
-                    <m:r>
-                      <a:rPr lang="en-US" b="0" i="1" smtClean="0">
-                        <a:latin typeface="Cambria Math" panose="02040503050406030204" pitchFamily="18" charset="0"/>
-                      </a:rPr>
-                      <m:t>𝑛</m:t>
-                    </m:r>
-                    <m:r>
-                      <a:rPr lang="en-US" b="0" i="1" smtClean="0">
-                        <a:latin typeface="Cambria Math" panose="02040503050406030204" pitchFamily="18" charset="0"/>
-                      </a:rPr>
-                      <m:t>−1</m:t>
-                    </m:r>
-                    <m:r>
-                      <a:rPr lang="en-US" b="0" i="0" smtClean="0">
-                        <a:latin typeface="Cambria Math" panose="02040503050406030204" pitchFamily="18" charset="0"/>
-                      </a:rPr>
-                      <m:t> </m:t>
-                    </m:r>
-                  </m:oMath>
-                </a14:m>
-                <a:endParaRPr lang="en-US" b="0" dirty="0"/>
-              </a:p>
-              <a:p>
-                <a:r>
-                  <a:rPr lang="en-US" dirty="0"/>
-                  <a:t>This is </a:t>
-                </a:r>
-                <a:r>
-                  <a:rPr lang="en-US" b="1" dirty="0"/>
-                  <a:t>not a feasible algorithm! </a:t>
-                </a:r>
-              </a:p>
-            </p:txBody>
-          </p:sp>
-        </mc:Choice>
-        <mc:Fallback xmlns="">
-          <p:sp>
-            <p:nvSpPr>
-              <p:cNvPr id="3" name="Content Placeholder 2">
-                <a:extLst>
-                  <a:ext uri="{FF2B5EF4-FFF2-40B4-BE49-F238E27FC236}">
-                    <a16:creationId xmlns:a16="http://schemas.microsoft.com/office/drawing/2014/main" id="{258E6AF3-7615-4BD1-878E-A94C93E98F90}"/>
-                  </a:ext>
-                </a:extLst>
-              </p:cNvPr>
-              <p:cNvSpPr>
-                <a:spLocks noGrp="1" noRot="1" noChangeAspect="1" noMove="1" noResize="1" noEditPoints="1" noAdjustHandles="1" noChangeArrowheads="1" noChangeShapeType="1" noTextEdit="1"/>
-              </p:cNvSpPr>
-              <p:nvPr>
-                <p:ph idx="1"/>
-              </p:nvPr>
-            </p:nvSpPr>
-            <p:spPr>
-              <a:xfrm>
-                <a:off x="784412" y="1324928"/>
-                <a:ext cx="10515600" cy="5368480"/>
-              </a:xfrm>
-              <a:blipFill>
-                <a:blip r:embed="rId2"/>
-                <a:stretch>
-                  <a:fillRect l="-1507" t="-2384"/>
-                </a:stretch>
-              </a:blipFill>
-            </p:spPr>
-            <p:txBody>
-              <a:bodyPr/>
-              <a:lstStyle/>
-              <a:p>
-                <a:r>
-                  <a:rPr lang="en-US">
-                    <a:noFill/>
-                  </a:rPr>
-                  <a:t> </a:t>
-                </a:r>
-              </a:p>
-            </p:txBody>
-          </p:sp>
-        </mc:Fallback>
-      </mc:AlternateContent>
-      <p:sp>
-        <p:nvSpPr>
-          <p:cNvPr id="6" name="Title 1">
-            <a:extLst>
-              <a:ext uri="{FF2B5EF4-FFF2-40B4-BE49-F238E27FC236}">
-                <a16:creationId xmlns:a16="http://schemas.microsoft.com/office/drawing/2014/main" id="{CD29F70F-B868-451B-A65D-8721F4C7A2D9}"/>
-              </a:ext>
-            </a:extLst>
-          </p:cNvPr>
-          <p:cNvSpPr txBox="1">
-            <a:spLocks/>
-          </p:cNvSpPr>
-          <p:nvPr/>
-        </p:nvSpPr>
-        <p:spPr>
-          <a:xfrm>
-            <a:off x="838200" y="-635"/>
-            <a:ext cx="10515600" cy="1325563"/>
-          </a:xfrm>
-          <a:prstGeom prst="rect">
-            <a:avLst/>
-          </a:prstGeom>
-        </p:spPr>
-        <p:txBody>
-          <a:bodyPr vert="horz" lIns="91440" tIns="45720" rIns="91440" bIns="45720" rtlCol="0" anchor="ctr">
-            <a:normAutofit/>
-          </a:bodyPr>
-          <a:lstStyle>
-            <a:lvl1pPr algn="l" defTabSz="914400" rtl="0" eaLnBrk="1" latinLnBrk="0" hangingPunct="1">
-              <a:lnSpc>
-                <a:spcPct val="90000"/>
-              </a:lnSpc>
-              <a:spcBef>
-                <a:spcPct val="0"/>
-              </a:spcBef>
-              <a:buNone/>
-              <a:defRPr sz="4400" kern="1200">
-                <a:solidFill>
-                  <a:schemeClr val="tx1"/>
-                </a:solidFill>
-                <a:latin typeface="+mj-lt"/>
-                <a:ea typeface="+mj-ea"/>
-                <a:cs typeface="+mj-cs"/>
-              </a:defRPr>
-            </a:lvl1pPr>
-          </a:lstStyle>
-          <a:p>
-            <a:r>
-              <a:rPr lang="en-US" dirty="0">
-                <a:latin typeface="+mn-lt"/>
-              </a:rPr>
-              <a:t>Map Reduce Algorithm</a:t>
-            </a:r>
-          </a:p>
-        </p:txBody>
-      </p:sp>
-    </p:spTree>
-    <p:extLst>
-      <p:ext uri="{BB962C8B-B14F-4D97-AF65-F5344CB8AC3E}">
-        <p14:creationId xmlns:p14="http://schemas.microsoft.com/office/powerpoint/2010/main" val="1390639374"/>
-      </p:ext>
-    </p:extLst>
-  </p:cSld>
-  <p:clrMapOvr>
-    <a:masterClrMapping/>
-  </p:clrMapOvr>
-  <p:timing>
-    <p:tnLst>
-      <p:par>
-        <p:cTn id="1" dur="indefinite" restart="never" nodeType="tmRoot">
-          <p:childTnLst>
-            <p:seq concurrent="1" nextAc="seek">
-              <p:cTn id="2" dur="indefinite" nodeType="mainSeq">
-                <p:childTnLst>
-                  <p:par>
-                    <p:cTn id="3" fill="hold">
-                      <p:stCondLst>
-                        <p:cond delay="indefinite"/>
-                      </p:stCondLst>
-                      <p:childTnLst>
-                        <p:par>
-                          <p:cTn id="4" fill="hold">
-                            <p:stCondLst>
-                              <p:cond delay="0"/>
-                            </p:stCondLst>
-                            <p:childTnLst>
-                              <p:par>
-                                <p:cTn id="5" presetID="1" presetClass="entr" presetSubtype="0" fill="hold" nodeType="clickEffect">
-                                  <p:stCondLst>
-                                    <p:cond delay="0"/>
-                                  </p:stCondLst>
-                                  <p:childTnLst>
-                                    <p:set>
-                                      <p:cBhvr>
-                                        <p:cTn id="6" dur="1" fill="hold">
-                                          <p:stCondLst>
-                                            <p:cond delay="0"/>
-                                          </p:stCondLst>
-                                        </p:cTn>
-                                        <p:tgtEl>
-                                          <p:spTgt spid="3">
-                                            <p:txEl>
-                                              <p:pRg st="0" end="0"/>
-                                            </p:txEl>
-                                          </p:spTgt>
-                                        </p:tgtEl>
-                                        <p:attrNameLst>
-                                          <p:attrName>style.visibility</p:attrName>
-                                        </p:attrNameLst>
-                                      </p:cBhvr>
-                                      <p:to>
-                                        <p:strVal val="visible"/>
-                                      </p:to>
-                                    </p:set>
-                                  </p:childTnLst>
-                                </p:cTn>
-                              </p:par>
-                            </p:childTnLst>
-                          </p:cTn>
-                        </p:par>
-                      </p:childTnLst>
-                    </p:cTn>
-                  </p:par>
-                  <p:par>
-                    <p:cTn id="7" fill="hold">
-                      <p:stCondLst>
-                        <p:cond delay="indefinite"/>
-                      </p:stCondLst>
-                      <p:childTnLst>
-                        <p:par>
-                          <p:cTn id="8" fill="hold">
-                            <p:stCondLst>
-                              <p:cond delay="0"/>
-                            </p:stCondLst>
-                            <p:childTnLst>
-                              <p:par>
-                                <p:cTn id="9" presetID="1" presetClass="entr" presetSubtype="0" fill="hold" nodeType="clickEffect">
-                                  <p:stCondLst>
-                                    <p:cond delay="0"/>
-                                  </p:stCondLst>
-                                  <p:childTnLst>
-                                    <p:set>
-                                      <p:cBhvr>
-                                        <p:cTn id="10" dur="1" fill="hold">
-                                          <p:stCondLst>
-                                            <p:cond delay="0"/>
-                                          </p:stCondLst>
-                                        </p:cTn>
-                                        <p:tgtEl>
-                                          <p:spTgt spid="3">
-                                            <p:txEl>
-                                              <p:pRg st="1" end="1"/>
-                                            </p:txEl>
-                                          </p:spTgt>
-                                        </p:tgtEl>
-                                        <p:attrNameLst>
-                                          <p:attrName>style.visibility</p:attrName>
-                                        </p:attrNameLst>
-                                      </p:cBhvr>
-                                      <p:to>
-                                        <p:strVal val="visible"/>
-                                      </p:to>
-                                    </p:set>
-                                  </p:childTnLst>
-                                </p:cTn>
-                              </p:par>
-                            </p:childTnLst>
-                          </p:cTn>
-                        </p:par>
-                      </p:childTnLst>
-                    </p:cTn>
-                  </p:par>
-                  <p:par>
-                    <p:cTn id="11" fill="hold">
-                      <p:stCondLst>
-                        <p:cond delay="indefinite"/>
-                      </p:stCondLst>
-                      <p:childTnLst>
-                        <p:par>
-                          <p:cTn id="12" fill="hold">
-                            <p:stCondLst>
-                              <p:cond delay="0"/>
-                            </p:stCondLst>
-                            <p:childTnLst>
-                              <p:par>
-                                <p:cTn id="13" presetID="1" presetClass="entr" presetSubtype="0" fill="hold" nodeType="clickEffect">
-                                  <p:stCondLst>
-                                    <p:cond delay="0"/>
-                                  </p:stCondLst>
-                                  <p:childTnLst>
-                                    <p:set>
-                                      <p:cBhvr>
-                                        <p:cTn id="14" dur="1" fill="hold">
-                                          <p:stCondLst>
-                                            <p:cond delay="0"/>
-                                          </p:stCondLst>
-                                        </p:cTn>
-                                        <p:tgtEl>
-                                          <p:spTgt spid="3">
-                                            <p:txEl>
-                                              <p:pRg st="2" end="2"/>
-                                            </p:txEl>
-                                          </p:spTgt>
-                                        </p:tgtEl>
-                                        <p:attrNameLst>
-                                          <p:attrName>style.visibility</p:attrName>
-                                        </p:attrNameLst>
-                                      </p:cBhvr>
-                                      <p:to>
-                                        <p:strVal val="visible"/>
-                                      </p:to>
-                                    </p:set>
-                                  </p:childTnLst>
-                                </p:cTn>
-                              </p:par>
-                            </p:childTnLst>
-                          </p:cTn>
-                        </p:par>
-                      </p:childTnLst>
-                    </p:cTn>
-                  </p:par>
-                  <p:par>
-                    <p:cTn id="15" fill="hold">
-                      <p:stCondLst>
-                        <p:cond delay="indefinite"/>
-                      </p:stCondLst>
-                      <p:childTnLst>
-                        <p:par>
-                          <p:cTn id="16" fill="hold">
-                            <p:stCondLst>
-                              <p:cond delay="0"/>
-                            </p:stCondLst>
-                            <p:childTnLst>
-                              <p:par>
-                                <p:cTn id="17" presetID="1" presetClass="entr" presetSubtype="0" fill="hold" nodeType="clickEffect">
-                                  <p:stCondLst>
-                                    <p:cond delay="0"/>
-                                  </p:stCondLst>
-                                  <p:childTnLst>
-                                    <p:set>
-                                      <p:cBhvr>
-                                        <p:cTn id="18" dur="1" fill="hold">
-                                          <p:stCondLst>
-                                            <p:cond delay="0"/>
-                                          </p:stCondLst>
-                                        </p:cTn>
-                                        <p:tgtEl>
-                                          <p:spTgt spid="3">
-                                            <p:txEl>
-                                              <p:pRg st="3" end="3"/>
-                                            </p:txEl>
-                                          </p:spTgt>
-                                        </p:tgtEl>
-                                        <p:attrNameLst>
-                                          <p:attrName>style.visibility</p:attrName>
-                                        </p:attrNameLst>
-                                      </p:cBhvr>
-                                      <p:to>
-                                        <p:strVal val="visible"/>
-                                      </p:to>
-                                    </p:set>
-                                  </p:childTnLst>
-                                </p:cTn>
-                              </p:par>
-                            </p:childTnLst>
-                          </p:cTn>
-                        </p:par>
-                      </p:childTnLst>
-                    </p:cTn>
-                  </p:par>
-                  <p:par>
-                    <p:cTn id="19" fill="hold">
-                      <p:stCondLst>
-                        <p:cond delay="indefinite"/>
-                      </p:stCondLst>
-                      <p:childTnLst>
-                        <p:par>
-                          <p:cTn id="20" fill="hold">
-                            <p:stCondLst>
-                              <p:cond delay="0"/>
-                            </p:stCondLst>
-                            <p:childTnLst>
-                              <p:par>
-                                <p:cTn id="21" presetID="1" presetClass="entr" presetSubtype="0" fill="hold" nodeType="clickEffect">
-                                  <p:stCondLst>
-                                    <p:cond delay="0"/>
-                                  </p:stCondLst>
-                                  <p:childTnLst>
-                                    <p:set>
-                                      <p:cBhvr>
-                                        <p:cTn id="22" dur="1" fill="hold">
-                                          <p:stCondLst>
-                                            <p:cond delay="0"/>
-                                          </p:stCondLst>
-                                        </p:cTn>
-                                        <p:tgtEl>
-                                          <p:spTgt spid="3">
-                                            <p:txEl>
-                                              <p:pRg st="4" end="4"/>
-                                            </p:txEl>
-                                          </p:spTgt>
-                                        </p:tgtEl>
-                                        <p:attrNameLst>
-                                          <p:attrName>style.visibility</p:attrName>
-                                        </p:attrNameLst>
-                                      </p:cBhvr>
-                                      <p:to>
-                                        <p:strVal val="visible"/>
-                                      </p:to>
-                                    </p:set>
-                                  </p:childTnLst>
-                                </p:cTn>
-                              </p:par>
-                            </p:childTnLst>
-                          </p:cTn>
-                        </p:par>
-                      </p:childTnLst>
-                    </p:cTn>
-                  </p:par>
-                  <p:par>
-                    <p:cTn id="23" fill="hold">
-                      <p:stCondLst>
-                        <p:cond delay="indefinite"/>
-                      </p:stCondLst>
-                      <p:childTnLst>
-                        <p:par>
-                          <p:cTn id="24" fill="hold">
-                            <p:stCondLst>
-                              <p:cond delay="0"/>
-                            </p:stCondLst>
-                            <p:childTnLst>
-                              <p:par>
-                                <p:cTn id="25" presetID="1" presetClass="entr" presetSubtype="0" fill="hold" nodeType="clickEffect">
-                                  <p:stCondLst>
-                                    <p:cond delay="0"/>
-                                  </p:stCondLst>
-                                  <p:childTnLst>
-                                    <p:set>
-                                      <p:cBhvr>
-                                        <p:cTn id="26" dur="1" fill="hold">
-                                          <p:stCondLst>
-                                            <p:cond delay="0"/>
-                                          </p:stCondLst>
-                                        </p:cTn>
-                                        <p:tgtEl>
-                                          <p:spTgt spid="3">
-                                            <p:txEl>
-                                              <p:pRg st="5" end="5"/>
-                                            </p:txEl>
-                                          </p:spTgt>
-                                        </p:tgtEl>
-                                        <p:attrNameLst>
-                                          <p:attrName>style.visibility</p:attrName>
-                                        </p:attrNameLst>
-                                      </p:cBhvr>
-                                      <p:to>
-                                        <p:strVal val="visible"/>
-                                      </p:to>
-                                    </p:set>
-                                  </p:childTnLst>
-                                </p:cTn>
-                              </p:par>
-                            </p:childTnLst>
-                          </p:cTn>
-                        </p:par>
-                      </p:childTnLst>
-                    </p:cTn>
-                  </p:par>
-                  <p:par>
-                    <p:cTn id="27" fill="hold">
-                      <p:stCondLst>
-                        <p:cond delay="indefinite"/>
-                      </p:stCondLst>
-                      <p:childTnLst>
-                        <p:par>
-                          <p:cTn id="28" fill="hold">
-                            <p:stCondLst>
-                              <p:cond delay="0"/>
-                            </p:stCondLst>
-                            <p:childTnLst>
-                              <p:par>
-                                <p:cTn id="29" presetID="1" presetClass="entr" presetSubtype="0" fill="hold" nodeType="clickEffect">
-                                  <p:stCondLst>
-                                    <p:cond delay="0"/>
-                                  </p:stCondLst>
-                                  <p:childTnLst>
-                                    <p:set>
-                                      <p:cBhvr>
-                                        <p:cTn id="30" dur="1" fill="hold">
-                                          <p:stCondLst>
-                                            <p:cond delay="0"/>
-                                          </p:stCondLst>
-                                        </p:cTn>
-                                        <p:tgtEl>
-                                          <p:spTgt spid="3">
-                                            <p:txEl>
-                                              <p:pRg st="6" end="6"/>
-                                            </p:txEl>
-                                          </p:spTgt>
-                                        </p:tgtEl>
-                                        <p:attrNameLst>
-                                          <p:attrName>style.visibility</p:attrName>
-                                        </p:attrNameLst>
-                                      </p:cBhvr>
-                                      <p:to>
-                                        <p:strVal val="visible"/>
-                                      </p:to>
-                                    </p:set>
-                                  </p:childTnLst>
-                                </p:cTn>
-                              </p:par>
-                            </p:childTnLst>
-                          </p:cTn>
-                        </p:par>
-                      </p:childTnLst>
-                    </p:cTn>
-                  </p:par>
-                  <p:par>
-                    <p:cTn id="31" fill="hold">
-                      <p:stCondLst>
-                        <p:cond delay="indefinite"/>
-                      </p:stCondLst>
-                      <p:childTnLst>
-                        <p:par>
-                          <p:cTn id="32" fill="hold">
-                            <p:stCondLst>
-                              <p:cond delay="0"/>
-                            </p:stCondLst>
-                            <p:childTnLst>
-                              <p:par>
-                                <p:cTn id="33" presetID="1" presetClass="entr" presetSubtype="0" fill="hold" nodeType="clickEffect">
-                                  <p:stCondLst>
-                                    <p:cond delay="0"/>
-                                  </p:stCondLst>
-                                  <p:childTnLst>
-                                    <p:set>
-                                      <p:cBhvr>
-                                        <p:cTn id="34" dur="1" fill="hold">
-                                          <p:stCondLst>
-                                            <p:cond delay="0"/>
-                                          </p:stCondLst>
-                                        </p:cTn>
-                                        <p:tgtEl>
-                                          <p:spTgt spid="3">
-                                            <p:txEl>
-                                              <p:pRg st="7" end="7"/>
-                                            </p:txEl>
-                                          </p:spTgt>
-                                        </p:tgtEl>
-                                        <p:attrNameLst>
-                                          <p:attrName>style.visibility</p:attrName>
-                                        </p:attrNameLst>
-                                      </p:cBhvr>
-                                      <p:to>
-                                        <p:strVal val="visible"/>
-                                      </p:to>
-                                    </p:set>
-                                  </p:childTnLst>
-                                </p:cTn>
-                              </p:par>
-                            </p:childTnLst>
-                          </p:cTn>
-                        </p:par>
-                      </p:childTnLst>
-                    </p:cTn>
-                  </p:par>
-                  <p:par>
-                    <p:cTn id="35" fill="hold">
-                      <p:stCondLst>
-                        <p:cond delay="indefinite"/>
-                      </p:stCondLst>
-                      <p:childTnLst>
-                        <p:par>
-                          <p:cTn id="36" fill="hold">
-                            <p:stCondLst>
-                              <p:cond delay="0"/>
-                            </p:stCondLst>
-                            <p:childTnLst>
-                              <p:par>
-                                <p:cTn id="37" presetID="1" presetClass="entr" presetSubtype="0" fill="hold" nodeType="clickEffect">
-                                  <p:stCondLst>
-                                    <p:cond delay="0"/>
-                                  </p:stCondLst>
-                                  <p:childTnLst>
-                                    <p:set>
-                                      <p:cBhvr>
-                                        <p:cTn id="38" dur="1" fill="hold">
-                                          <p:stCondLst>
-                                            <p:cond delay="0"/>
-                                          </p:stCondLst>
-                                        </p:cTn>
-                                        <p:tgtEl>
-                                          <p:spTgt spid="3">
-                                            <p:txEl>
-                                              <p:pRg st="8" end="8"/>
-                                            </p:txEl>
-                                          </p:spTgt>
-                                        </p:tgtEl>
-                                        <p:attrNameLst>
-                                          <p:attrName>style.visibility</p:attrName>
-                                        </p:attrNameLst>
-                                      </p:cBhvr>
-                                      <p:to>
-                                        <p:strVal val="visible"/>
-                                      </p:to>
-                                    </p:set>
-                                  </p:childTnLst>
-                                </p:cTn>
-                              </p:par>
-                            </p:childTnLst>
-                          </p:cTn>
-                        </p:par>
-                      </p:childTnLst>
-                    </p:cTn>
-                  </p:par>
-                  <p:par>
-                    <p:cTn id="39" fill="hold">
-                      <p:stCondLst>
-                        <p:cond delay="indefinite"/>
-                      </p:stCondLst>
-                      <p:childTnLst>
-                        <p:par>
-                          <p:cTn id="40" fill="hold">
-                            <p:stCondLst>
-                              <p:cond delay="0"/>
-                            </p:stCondLst>
-                            <p:childTnLst>
-                              <p:par>
-                                <p:cTn id="41" presetID="1" presetClass="entr" presetSubtype="0" fill="hold" nodeType="clickEffect">
-                                  <p:stCondLst>
-                                    <p:cond delay="0"/>
-                                  </p:stCondLst>
-                                  <p:childTnLst>
-                                    <p:set>
-                                      <p:cBhvr>
-                                        <p:cTn id="42" dur="1" fill="hold">
-                                          <p:stCondLst>
-                                            <p:cond delay="0"/>
-                                          </p:stCondLst>
-                                        </p:cTn>
-                                        <p:tgtEl>
-                                          <p:spTgt spid="3">
-                                            <p:txEl>
-                                              <p:pRg st="9" end="9"/>
-                                            </p:txEl>
-                                          </p:spTgt>
-                                        </p:tgtEl>
-                                        <p:attrNameLst>
-                                          <p:attrName>style.visibility</p:attrName>
-                                        </p:attrNameLst>
-                                      </p:cBhvr>
-                                      <p:to>
-                                        <p:strVal val="visible"/>
-                                      </p:to>
-                                    </p:set>
-                                  </p:childTnLst>
-                                </p:cTn>
-                              </p:par>
-                            </p:childTnLst>
-                          </p:cTn>
-                        </p:par>
-                      </p:childTnLst>
-                    </p:cTn>
-                  </p:par>
-                </p:childTnLst>
-              </p:cTn>
-              <p:prevCondLst>
-                <p:cond evt="onPrev" delay="0">
-                  <p:tgtEl>
-                    <p:sldTgt/>
-                  </p:tgtEl>
-                </p:cond>
-              </p:prevCondLst>
-              <p:nextCondLst>
-                <p:cond evt="onNext" delay="0">
-                  <p:tgtEl>
-                    <p:sldTgt/>
-                  </p:tgtEl>
-                </p:cond>
-              </p:nextCondLst>
-            </p:seq>
-          </p:childTnLst>
-        </p:cTn>
-      </p:par>
-    </p:tnLst>
-  </p:timing>
-</p:sld>
-</file>
-
-<file path=ppt/slides/slide23.xml><?xml version="1.0" encoding="utf-8"?>
-<p:sld xmlns:a="http://schemas.openxmlformats.org/drawingml/2006/main" xmlns:r="http://schemas.openxmlformats.org/officeDocument/2006/relationships" xmlns:p="http://schemas.openxmlformats.org/presentationml/2006/main">
-  <p:cSld>
-    <p:spTree>
-      <p:nvGrpSpPr>
-        <p:cNvPr id="1" name=""/>
-        <p:cNvGrpSpPr/>
-        <p:nvPr/>
-      </p:nvGrpSpPr>
-      <p:grpSpPr>
-        <a:xfrm>
-          <a:off x="0" y="0"/>
-          <a:ext cx="0" cy="0"/>
-          <a:chOff x="0" y="0"/>
-          <a:chExt cx="0" cy="0"/>
-        </a:xfrm>
-      </p:grpSpPr>
-      <mc:AlternateContent xmlns:mc="http://schemas.openxmlformats.org/markup-compatibility/2006" xmlns:a14="http://schemas.microsoft.com/office/drawing/2010/main">
-        <mc:Choice Requires="a14">
-          <p:sp>
-            <p:nvSpPr>
-              <p:cNvPr id="3" name="Content Placeholder 2">
-                <a:extLst>
-                  <a:ext uri="{FF2B5EF4-FFF2-40B4-BE49-F238E27FC236}">
-                    <a16:creationId xmlns:a16="http://schemas.microsoft.com/office/drawing/2014/main" id="{258E6AF3-7615-4BD1-878E-A94C93E98F90}"/>
-                  </a:ext>
-                </a:extLst>
-              </p:cNvPr>
-              <p:cNvSpPr>
-                <a:spLocks noGrp="1"/>
-              </p:cNvSpPr>
-              <p:nvPr>
-                <p:ph idx="1"/>
-              </p:nvPr>
-            </p:nvSpPr>
-            <p:spPr>
-              <a:xfrm>
                 <a:off x="784412" y="1149531"/>
                 <a:ext cx="10515600" cy="5543877"/>
               </a:xfrm>
@@ -24896,7 +23824,7 @@
 </p:sld>
 </file>
 
-<file path=ppt/slides/slide24.xml><?xml version="1.0" encoding="utf-8"?>
+<file path=ppt/slides/slide23.xml><?xml version="1.0" encoding="utf-8"?>
 <p:sld xmlns:a="http://schemas.openxmlformats.org/drawingml/2006/main" xmlns:r="http://schemas.openxmlformats.org/officeDocument/2006/relationships" xmlns:p="http://schemas.openxmlformats.org/presentationml/2006/main">
   <p:cSld>
     <p:spTree>
@@ -26260,7 +25188,7 @@
 </p:sld>
 </file>
 
-<file path=ppt/slides/slide25.xml><?xml version="1.0" encoding="utf-8"?>
+<file path=ppt/slides/slide24.xml><?xml version="1.0" encoding="utf-8"?>
 <p:sld xmlns:a="http://schemas.openxmlformats.org/drawingml/2006/main" xmlns:r="http://schemas.openxmlformats.org/officeDocument/2006/relationships" xmlns:p="http://schemas.openxmlformats.org/presentationml/2006/main">
   <p:cSld>
     <p:spTree>
@@ -26277,8 +25205,8 @@
           <a:chExt cx="0" cy="0"/>
         </a:xfrm>
       </p:grpSpPr>
-      <mc:AlternateContent xmlns:mc="http://schemas.openxmlformats.org/markup-compatibility/2006" xmlns:a14="http://schemas.microsoft.com/office/drawing/2010/main">
-        <mc:Choice Requires="a14">
+      <mc:AlternateContent xmlns:mc="http://schemas.openxmlformats.org/markup-compatibility/2006">
+        <mc:Choice xmlns:a14="http://schemas.microsoft.com/office/drawing/2010/main" Requires="a14">
           <p:sp>
             <p:nvSpPr>
               <p:cNvPr id="3" name="Content Placeholder 2">
@@ -26297,8 +25225,8 @@
             </p:nvSpPr>
             <p:spPr>
               <a:xfrm>
-                <a:off x="784412" y="1170432"/>
-                <a:ext cx="10515600" cy="5261719"/>
+                <a:off x="784411" y="1170432"/>
+                <a:ext cx="11185915" cy="5261719"/>
               </a:xfrm>
             </p:spPr>
             <p:txBody>
@@ -26357,7 +25285,80 @@
               <a:p>
                 <a:r>
                   <a:rPr lang="en-US" dirty="0"/>
-                  <a:t>Each element of the result is the sum of the product of the a row by a column </a:t>
+                  <a:t>Each element, </a:t>
+                </a:r>
+                <a14:m>
+                  <m:oMath xmlns:m="http://schemas.openxmlformats.org/officeDocument/2006/math">
+                    <m:sSub>
+                      <m:sSubPr>
+                        <m:ctrlPr>
+                          <a:rPr lang="en-US" i="1" smtClean="0">
+                            <a:latin typeface="Cambria Math" panose="02040503050406030204" pitchFamily="18" charset="0"/>
+                          </a:rPr>
+                        </m:ctrlPr>
+                      </m:sSubPr>
+                      <m:e>
+                        <m:r>
+                          <a:rPr lang="en-US" b="0" i="1" smtClean="0">
+                            <a:latin typeface="Cambria Math" panose="02040503050406030204" pitchFamily="18" charset="0"/>
+                          </a:rPr>
+                          <m:t>𝑐</m:t>
+                        </m:r>
+                      </m:e>
+                      <m:sub>
+                        <m:r>
+                          <a:rPr lang="en-US" b="0" i="1" smtClean="0">
+                            <a:latin typeface="Cambria Math" panose="02040503050406030204" pitchFamily="18" charset="0"/>
+                          </a:rPr>
+                          <m:t>𝑖</m:t>
+                        </m:r>
+                        <m:r>
+                          <a:rPr lang="en-US" b="0" i="1" smtClean="0">
+                            <a:latin typeface="Cambria Math" panose="02040503050406030204" pitchFamily="18" charset="0"/>
+                          </a:rPr>
+                          <m:t>,</m:t>
+                        </m:r>
+                        <m:r>
+                          <a:rPr lang="en-US" b="0" i="1" smtClean="0">
+                            <a:latin typeface="Cambria Math" panose="02040503050406030204" pitchFamily="18" charset="0"/>
+                          </a:rPr>
+                          <m:t>𝑗</m:t>
+                        </m:r>
+                      </m:sub>
+                    </m:sSub>
+                  </m:oMath>
+                </a14:m>
+                <a:r>
+                  <a:rPr lang="en-US" dirty="0"/>
+                  <a:t>, of the result is the sum of the product of the row </a:t>
+                </a:r>
+                <a14:m>
+                  <m:oMath xmlns:m="http://schemas.openxmlformats.org/officeDocument/2006/math">
+                    <m:r>
+                      <a:rPr lang="en-US" b="0" i="1" smtClean="0">
+                        <a:latin typeface="Cambria Math" panose="02040503050406030204" pitchFamily="18" charset="0"/>
+                      </a:rPr>
+                      <m:t>𝑖</m:t>
+                    </m:r>
+                  </m:oMath>
+                </a14:m>
+                <a:r>
+                  <a:rPr lang="en-US" dirty="0"/>
+                  <a:t> by column </a:t>
+                </a:r>
+                <a14:m>
+                  <m:oMath xmlns:m="http://schemas.openxmlformats.org/officeDocument/2006/math">
+                    <m:r>
+                      <a:rPr lang="en-US" b="0" i="1" smtClean="0">
+                        <a:latin typeface="Cambria Math" panose="02040503050406030204" pitchFamily="18" charset="0"/>
+                      </a:rPr>
+                      <m:t>𝑗</m:t>
+                    </m:r>
+                  </m:oMath>
+                </a14:m>
+                <a:r>
+                  <a:rPr lang="en-US" dirty="0"/>
+                  <a:t> </a:t>
                 </a:r>
                 <a:endParaRPr lang="en-US" b="0" dirty="0"/>
               </a:p>
@@ -26710,7 +25711,7 @@
             </p:txBody>
           </p:sp>
         </mc:Choice>
-        <mc:Fallback xmlns="">
+        <mc:Fallback>
           <p:sp>
             <p:nvSpPr>
               <p:cNvPr id="3" name="Content Placeholder 2">
@@ -26729,13 +25730,13 @@
             </p:nvSpPr>
             <p:spPr>
               <a:xfrm>
-                <a:off x="784412" y="1170432"/>
-                <a:ext cx="10515600" cy="5261719"/>
+                <a:off x="784411" y="1170432"/>
+                <a:ext cx="11185915" cy="5261719"/>
               </a:xfrm>
               <a:blipFill>
                 <a:blip r:embed="rId2"/>
                 <a:stretch>
-                  <a:fillRect l="-1217" t="-2549"/>
+                  <a:fillRect l="-1144" t="-2549"/>
                 </a:stretch>
               </a:blipFill>
             </p:spPr>
@@ -27392,7 +26393,7 @@
 </p:sld>
 </file>
 
-<file path=ppt/slides/slide26.xml><?xml version="1.0" encoding="utf-8"?>
+<file path=ppt/slides/slide25.xml><?xml version="1.0" encoding="utf-8"?>
 <p:sld xmlns:a="http://schemas.openxmlformats.org/drawingml/2006/main" xmlns:r="http://schemas.openxmlformats.org/officeDocument/2006/relationships" xmlns:p="http://schemas.openxmlformats.org/presentationml/2006/main">
   <p:cSld>
     <p:spTree>
@@ -27857,10 +26858,334 @@
   <p:clrMapOvr>
     <a:masterClrMapping/>
   </p:clrMapOvr>
+  <p:timing>
+    <p:tnLst>
+      <p:par>
+        <p:cTn id="1" dur="indefinite" restart="never" nodeType="tmRoot">
+          <p:childTnLst>
+            <p:seq concurrent="1" nextAc="seek">
+              <p:cTn id="2" dur="indefinite" nodeType="mainSeq">
+                <p:childTnLst>
+                  <p:par>
+                    <p:cTn id="3" fill="hold">
+                      <p:stCondLst>
+                        <p:cond delay="indefinite"/>
+                      </p:stCondLst>
+                      <p:childTnLst>
+                        <p:par>
+                          <p:cTn id="4" fill="hold">
+                            <p:stCondLst>
+                              <p:cond delay="0"/>
+                            </p:stCondLst>
+                            <p:childTnLst>
+                              <p:par>
+                                <p:cTn id="5" presetID="1" presetClass="entr" presetSubtype="0" fill="hold" nodeType="clickEffect">
+                                  <p:stCondLst>
+                                    <p:cond delay="0"/>
+                                  </p:stCondLst>
+                                  <p:childTnLst>
+                                    <p:set>
+                                      <p:cBhvr>
+                                        <p:cTn id="6" dur="1" fill="hold">
+                                          <p:stCondLst>
+                                            <p:cond delay="0"/>
+                                          </p:stCondLst>
+                                        </p:cTn>
+                                        <p:tgtEl>
+                                          <p:spTgt spid="3">
+                                            <p:txEl>
+                                              <p:pRg st="2" end="2"/>
+                                            </p:txEl>
+                                          </p:spTgt>
+                                        </p:tgtEl>
+                                        <p:attrNameLst>
+                                          <p:attrName>style.visibility</p:attrName>
+                                        </p:attrNameLst>
+                                      </p:cBhvr>
+                                      <p:to>
+                                        <p:strVal val="visible"/>
+                                      </p:to>
+                                    </p:set>
+                                  </p:childTnLst>
+                                </p:cTn>
+                              </p:par>
+                            </p:childTnLst>
+                          </p:cTn>
+                        </p:par>
+                      </p:childTnLst>
+                    </p:cTn>
+                  </p:par>
+                  <p:par>
+                    <p:cTn id="7" fill="hold">
+                      <p:stCondLst>
+                        <p:cond delay="indefinite"/>
+                      </p:stCondLst>
+                      <p:childTnLst>
+                        <p:par>
+                          <p:cTn id="8" fill="hold">
+                            <p:stCondLst>
+                              <p:cond delay="0"/>
+                            </p:stCondLst>
+                            <p:childTnLst>
+                              <p:par>
+                                <p:cTn id="9" presetID="1" presetClass="entr" presetSubtype="0" fill="hold" nodeType="clickEffect">
+                                  <p:stCondLst>
+                                    <p:cond delay="0"/>
+                                  </p:stCondLst>
+                                  <p:childTnLst>
+                                    <p:set>
+                                      <p:cBhvr>
+                                        <p:cTn id="10" dur="1" fill="hold">
+                                          <p:stCondLst>
+                                            <p:cond delay="0"/>
+                                          </p:stCondLst>
+                                        </p:cTn>
+                                        <p:tgtEl>
+                                          <p:spTgt spid="3">
+                                            <p:txEl>
+                                              <p:pRg st="3" end="3"/>
+                                            </p:txEl>
+                                          </p:spTgt>
+                                        </p:tgtEl>
+                                        <p:attrNameLst>
+                                          <p:attrName>style.visibility</p:attrName>
+                                        </p:attrNameLst>
+                                      </p:cBhvr>
+                                      <p:to>
+                                        <p:strVal val="visible"/>
+                                      </p:to>
+                                    </p:set>
+                                  </p:childTnLst>
+                                </p:cTn>
+                              </p:par>
+                            </p:childTnLst>
+                          </p:cTn>
+                        </p:par>
+                      </p:childTnLst>
+                    </p:cTn>
+                  </p:par>
+                  <p:par>
+                    <p:cTn id="11" fill="hold">
+                      <p:stCondLst>
+                        <p:cond delay="indefinite"/>
+                      </p:stCondLst>
+                      <p:childTnLst>
+                        <p:par>
+                          <p:cTn id="12" fill="hold">
+                            <p:stCondLst>
+                              <p:cond delay="0"/>
+                            </p:stCondLst>
+                            <p:childTnLst>
+                              <p:par>
+                                <p:cTn id="13" presetID="1" presetClass="entr" presetSubtype="0" fill="hold" nodeType="clickEffect">
+                                  <p:stCondLst>
+                                    <p:cond delay="0"/>
+                                  </p:stCondLst>
+                                  <p:childTnLst>
+                                    <p:set>
+                                      <p:cBhvr>
+                                        <p:cTn id="14" dur="1" fill="hold">
+                                          <p:stCondLst>
+                                            <p:cond delay="0"/>
+                                          </p:stCondLst>
+                                        </p:cTn>
+                                        <p:tgtEl>
+                                          <p:spTgt spid="3">
+                                            <p:txEl>
+                                              <p:pRg st="4" end="4"/>
+                                            </p:txEl>
+                                          </p:spTgt>
+                                        </p:tgtEl>
+                                        <p:attrNameLst>
+                                          <p:attrName>style.visibility</p:attrName>
+                                        </p:attrNameLst>
+                                      </p:cBhvr>
+                                      <p:to>
+                                        <p:strVal val="visible"/>
+                                      </p:to>
+                                    </p:set>
+                                  </p:childTnLst>
+                                </p:cTn>
+                              </p:par>
+                            </p:childTnLst>
+                          </p:cTn>
+                        </p:par>
+                      </p:childTnLst>
+                    </p:cTn>
+                  </p:par>
+                  <p:par>
+                    <p:cTn id="15" fill="hold">
+                      <p:stCondLst>
+                        <p:cond delay="indefinite"/>
+                      </p:stCondLst>
+                      <p:childTnLst>
+                        <p:par>
+                          <p:cTn id="16" fill="hold">
+                            <p:stCondLst>
+                              <p:cond delay="0"/>
+                            </p:stCondLst>
+                            <p:childTnLst>
+                              <p:par>
+                                <p:cTn id="17" presetID="1" presetClass="entr" presetSubtype="0" fill="hold" nodeType="clickEffect">
+                                  <p:stCondLst>
+                                    <p:cond delay="0"/>
+                                  </p:stCondLst>
+                                  <p:childTnLst>
+                                    <p:set>
+                                      <p:cBhvr>
+                                        <p:cTn id="18" dur="1" fill="hold">
+                                          <p:stCondLst>
+                                            <p:cond delay="0"/>
+                                          </p:stCondLst>
+                                        </p:cTn>
+                                        <p:tgtEl>
+                                          <p:spTgt spid="3">
+                                            <p:txEl>
+                                              <p:pRg st="5" end="5"/>
+                                            </p:txEl>
+                                          </p:spTgt>
+                                        </p:tgtEl>
+                                        <p:attrNameLst>
+                                          <p:attrName>style.visibility</p:attrName>
+                                        </p:attrNameLst>
+                                      </p:cBhvr>
+                                      <p:to>
+                                        <p:strVal val="visible"/>
+                                      </p:to>
+                                    </p:set>
+                                  </p:childTnLst>
+                                </p:cTn>
+                              </p:par>
+                            </p:childTnLst>
+                          </p:cTn>
+                        </p:par>
+                      </p:childTnLst>
+                    </p:cTn>
+                  </p:par>
+                  <p:par>
+                    <p:cTn id="19" fill="hold">
+                      <p:stCondLst>
+                        <p:cond delay="indefinite"/>
+                      </p:stCondLst>
+                      <p:childTnLst>
+                        <p:par>
+                          <p:cTn id="20" fill="hold">
+                            <p:stCondLst>
+                              <p:cond delay="0"/>
+                            </p:stCondLst>
+                            <p:childTnLst>
+                              <p:par>
+                                <p:cTn id="21" presetID="1" presetClass="entr" presetSubtype="0" fill="hold" nodeType="clickEffect">
+                                  <p:stCondLst>
+                                    <p:cond delay="0"/>
+                                  </p:stCondLst>
+                                  <p:childTnLst>
+                                    <p:set>
+                                      <p:cBhvr>
+                                        <p:cTn id="22" dur="1" fill="hold">
+                                          <p:stCondLst>
+                                            <p:cond delay="0"/>
+                                          </p:stCondLst>
+                                        </p:cTn>
+                                        <p:tgtEl>
+                                          <p:spTgt spid="3">
+                                            <p:txEl>
+                                              <p:pRg st="6" end="6"/>
+                                            </p:txEl>
+                                          </p:spTgt>
+                                        </p:tgtEl>
+                                        <p:attrNameLst>
+                                          <p:attrName>style.visibility</p:attrName>
+                                        </p:attrNameLst>
+                                      </p:cBhvr>
+                                      <p:to>
+                                        <p:strVal val="visible"/>
+                                      </p:to>
+                                    </p:set>
+                                  </p:childTnLst>
+                                </p:cTn>
+                              </p:par>
+                            </p:childTnLst>
+                          </p:cTn>
+                        </p:par>
+                      </p:childTnLst>
+                    </p:cTn>
+                  </p:par>
+                  <p:par>
+                    <p:cTn id="23" fill="hold">
+                      <p:stCondLst>
+                        <p:cond delay="indefinite"/>
+                      </p:stCondLst>
+                      <p:childTnLst>
+                        <p:par>
+                          <p:cTn id="24" fill="hold">
+                            <p:stCondLst>
+                              <p:cond delay="0"/>
+                            </p:stCondLst>
+                            <p:childTnLst>
+                              <p:par>
+                                <p:cTn id="25" presetID="1" presetClass="entr" presetSubtype="0" fill="hold" nodeType="clickEffect">
+                                  <p:stCondLst>
+                                    <p:cond delay="0"/>
+                                  </p:stCondLst>
+                                  <p:childTnLst>
+                                    <p:set>
+                                      <p:cBhvr>
+                                        <p:cTn id="26" dur="1" fill="hold">
+                                          <p:stCondLst>
+                                            <p:cond delay="0"/>
+                                          </p:stCondLst>
+                                        </p:cTn>
+                                        <p:tgtEl>
+                                          <p:spTgt spid="3">
+                                            <p:txEl>
+                                              <p:pRg st="7" end="7"/>
+                                            </p:txEl>
+                                          </p:spTgt>
+                                        </p:tgtEl>
+                                        <p:attrNameLst>
+                                          <p:attrName>style.visibility</p:attrName>
+                                        </p:attrNameLst>
+                                      </p:cBhvr>
+                                      <p:to>
+                                        <p:strVal val="visible"/>
+                                      </p:to>
+                                    </p:set>
+                                  </p:childTnLst>
+                                </p:cTn>
+                              </p:par>
+                            </p:childTnLst>
+                          </p:cTn>
+                        </p:par>
+                      </p:childTnLst>
+                    </p:cTn>
+                  </p:par>
+                </p:childTnLst>
+              </p:cTn>
+              <p:prevCondLst>
+                <p:cond evt="onPrev" delay="0">
+                  <p:tgtEl>
+                    <p:sldTgt/>
+                  </p:tgtEl>
+                </p:cond>
+              </p:prevCondLst>
+              <p:nextCondLst>
+                <p:cond evt="onNext" delay="0">
+                  <p:tgtEl>
+                    <p:sldTgt/>
+                  </p:tgtEl>
+                </p:cond>
+              </p:nextCondLst>
+            </p:seq>
+          </p:childTnLst>
+        </p:cTn>
+      </p:par>
+    </p:tnLst>
+  </p:timing>
 </p:sld>
 </file>
 
-<file path=ppt/slides/slide27.xml><?xml version="1.0" encoding="utf-8"?>
+<file path=ppt/slides/slide26.xml><?xml version="1.0" encoding="utf-8"?>
 <p:sld xmlns:a="http://schemas.openxmlformats.org/drawingml/2006/main" xmlns:r="http://schemas.openxmlformats.org/officeDocument/2006/relationships" xmlns:p="http://schemas.openxmlformats.org/presentationml/2006/main">
   <p:cSld>
     <p:spTree>
@@ -27877,8 +27202,8 @@
           <a:chExt cx="0" cy="0"/>
         </a:xfrm>
       </p:grpSpPr>
-      <mc:AlternateContent xmlns:mc="http://schemas.openxmlformats.org/markup-compatibility/2006" xmlns:a14="http://schemas.microsoft.com/office/drawing/2010/main">
-        <mc:Choice Requires="a14">
+      <mc:AlternateContent xmlns:mc="http://schemas.openxmlformats.org/markup-compatibility/2006">
+        <mc:Choice xmlns:a14="http://schemas.microsoft.com/office/drawing/2010/main" Requires="a14">
           <p:sp>
             <p:nvSpPr>
               <p:cNvPr id="3" name="Content Placeholder 2">
@@ -28325,13 +27650,27 @@
               <a:p>
                 <a:r>
                   <a:rPr lang="en-US" dirty="0"/>
-                  <a:t>Notice there is a common key for each multiplication operation required  </a:t>
+                  <a:t>Notice there is a common key, </a:t>
+                </a:r>
+                <a14:m>
+                  <m:oMath xmlns:m="http://schemas.openxmlformats.org/officeDocument/2006/math">
+                    <m:r>
+                      <a:rPr lang="en-US" b="0" i="1" smtClean="0">
+                        <a:latin typeface="Cambria Math" panose="02040503050406030204" pitchFamily="18" charset="0"/>
+                      </a:rPr>
+                      <m:t>𝑘</m:t>
+                    </m:r>
+                  </m:oMath>
+                </a14:m>
+                <a:r>
+                  <a:rPr lang="en-US" dirty="0"/>
+                  <a:t>, for each multiplication operation required  </a:t>
                 </a:r>
               </a:p>
             </p:txBody>
           </p:sp>
         </mc:Choice>
-        <mc:Fallback xmlns="">
+        <mc:Fallback>
           <p:sp>
             <p:nvSpPr>
               <p:cNvPr id="3" name="Content Placeholder 2">
@@ -28441,383 +27780,10 @@
   <p:clrMapOvr>
     <a:masterClrMapping/>
   </p:clrMapOvr>
-  <p:timing>
-    <p:tnLst>
-      <p:par>
-        <p:cTn id="1" dur="indefinite" restart="never" nodeType="tmRoot">
-          <p:childTnLst>
-            <p:seq concurrent="1" nextAc="seek">
-              <p:cTn id="2" dur="indefinite" nodeType="mainSeq">
-                <p:childTnLst>
-                  <p:par>
-                    <p:cTn id="3" fill="hold">
-                      <p:stCondLst>
-                        <p:cond delay="indefinite"/>
-                      </p:stCondLst>
-                      <p:childTnLst>
-                        <p:par>
-                          <p:cTn id="4" fill="hold">
-                            <p:stCondLst>
-                              <p:cond delay="0"/>
-                            </p:stCondLst>
-                            <p:childTnLst>
-                              <p:par>
-                                <p:cTn id="5" presetID="1" presetClass="entr" presetSubtype="0" fill="hold" nodeType="clickEffect">
-                                  <p:stCondLst>
-                                    <p:cond delay="0"/>
-                                  </p:stCondLst>
-                                  <p:childTnLst>
-                                    <p:set>
-                                      <p:cBhvr>
-                                        <p:cTn id="6" dur="1" fill="hold">
-                                          <p:stCondLst>
-                                            <p:cond delay="0"/>
-                                          </p:stCondLst>
-                                        </p:cTn>
-                                        <p:tgtEl>
-                                          <p:spTgt spid="3">
-                                            <p:txEl>
-                                              <p:pRg st="1" end="1"/>
-                                            </p:txEl>
-                                          </p:spTgt>
-                                        </p:tgtEl>
-                                        <p:attrNameLst>
-                                          <p:attrName>style.visibility</p:attrName>
-                                        </p:attrNameLst>
-                                      </p:cBhvr>
-                                      <p:to>
-                                        <p:strVal val="visible"/>
-                                      </p:to>
-                                    </p:set>
-                                  </p:childTnLst>
-                                </p:cTn>
-                              </p:par>
-                            </p:childTnLst>
-                          </p:cTn>
-                        </p:par>
-                      </p:childTnLst>
-                    </p:cTn>
-                  </p:par>
-                  <p:par>
-                    <p:cTn id="7" fill="hold">
-                      <p:stCondLst>
-                        <p:cond delay="indefinite"/>
-                      </p:stCondLst>
-                      <p:childTnLst>
-                        <p:par>
-                          <p:cTn id="8" fill="hold">
-                            <p:stCondLst>
-                              <p:cond delay="0"/>
-                            </p:stCondLst>
-                            <p:childTnLst>
-                              <p:par>
-                                <p:cTn id="9" presetID="1" presetClass="entr" presetSubtype="0" fill="hold" nodeType="clickEffect">
-                                  <p:stCondLst>
-                                    <p:cond delay="0"/>
-                                  </p:stCondLst>
-                                  <p:childTnLst>
-                                    <p:set>
-                                      <p:cBhvr>
-                                        <p:cTn id="10" dur="1" fill="hold">
-                                          <p:stCondLst>
-                                            <p:cond delay="0"/>
-                                          </p:stCondLst>
-                                        </p:cTn>
-                                        <p:tgtEl>
-                                          <p:spTgt spid="3">
-                                            <p:txEl>
-                                              <p:pRg st="2" end="2"/>
-                                            </p:txEl>
-                                          </p:spTgt>
-                                        </p:tgtEl>
-                                        <p:attrNameLst>
-                                          <p:attrName>style.visibility</p:attrName>
-                                        </p:attrNameLst>
-                                      </p:cBhvr>
-                                      <p:to>
-                                        <p:strVal val="visible"/>
-                                      </p:to>
-                                    </p:set>
-                                  </p:childTnLst>
-                                </p:cTn>
-                              </p:par>
-                            </p:childTnLst>
-                          </p:cTn>
-                        </p:par>
-                      </p:childTnLst>
-                    </p:cTn>
-                  </p:par>
-                  <p:par>
-                    <p:cTn id="11" fill="hold">
-                      <p:stCondLst>
-                        <p:cond delay="indefinite"/>
-                      </p:stCondLst>
-                      <p:childTnLst>
-                        <p:par>
-                          <p:cTn id="12" fill="hold">
-                            <p:stCondLst>
-                              <p:cond delay="0"/>
-                            </p:stCondLst>
-                            <p:childTnLst>
-                              <p:par>
-                                <p:cTn id="13" presetID="1" presetClass="entr" presetSubtype="0" fill="hold" nodeType="clickEffect">
-                                  <p:stCondLst>
-                                    <p:cond delay="0"/>
-                                  </p:stCondLst>
-                                  <p:childTnLst>
-                                    <p:set>
-                                      <p:cBhvr>
-                                        <p:cTn id="14" dur="1" fill="hold">
-                                          <p:stCondLst>
-                                            <p:cond delay="0"/>
-                                          </p:stCondLst>
-                                        </p:cTn>
-                                        <p:tgtEl>
-                                          <p:spTgt spid="3">
-                                            <p:txEl>
-                                              <p:pRg st="3" end="3"/>
-                                            </p:txEl>
-                                          </p:spTgt>
-                                        </p:tgtEl>
-                                        <p:attrNameLst>
-                                          <p:attrName>style.visibility</p:attrName>
-                                        </p:attrNameLst>
-                                      </p:cBhvr>
-                                      <p:to>
-                                        <p:strVal val="visible"/>
-                                      </p:to>
-                                    </p:set>
-                                  </p:childTnLst>
-                                </p:cTn>
-                              </p:par>
-                            </p:childTnLst>
-                          </p:cTn>
-                        </p:par>
-                      </p:childTnLst>
-                    </p:cTn>
-                  </p:par>
-                  <p:par>
-                    <p:cTn id="15" fill="hold">
-                      <p:stCondLst>
-                        <p:cond delay="indefinite"/>
-                      </p:stCondLst>
-                      <p:childTnLst>
-                        <p:par>
-                          <p:cTn id="16" fill="hold">
-                            <p:stCondLst>
-                              <p:cond delay="0"/>
-                            </p:stCondLst>
-                            <p:childTnLst>
-                              <p:par>
-                                <p:cTn id="17" presetID="1" presetClass="entr" presetSubtype="0" fill="hold" nodeType="clickEffect">
-                                  <p:stCondLst>
-                                    <p:cond delay="0"/>
-                                  </p:stCondLst>
-                                  <p:childTnLst>
-                                    <p:set>
-                                      <p:cBhvr>
-                                        <p:cTn id="18" dur="1" fill="hold">
-                                          <p:stCondLst>
-                                            <p:cond delay="0"/>
-                                          </p:stCondLst>
-                                        </p:cTn>
-                                        <p:tgtEl>
-                                          <p:spTgt spid="3">
-                                            <p:txEl>
-                                              <p:pRg st="4" end="4"/>
-                                            </p:txEl>
-                                          </p:spTgt>
-                                        </p:tgtEl>
-                                        <p:attrNameLst>
-                                          <p:attrName>style.visibility</p:attrName>
-                                        </p:attrNameLst>
-                                      </p:cBhvr>
-                                      <p:to>
-                                        <p:strVal val="visible"/>
-                                      </p:to>
-                                    </p:set>
-                                  </p:childTnLst>
-                                </p:cTn>
-                              </p:par>
-                            </p:childTnLst>
-                          </p:cTn>
-                        </p:par>
-                      </p:childTnLst>
-                    </p:cTn>
-                  </p:par>
-                  <p:par>
-                    <p:cTn id="19" fill="hold">
-                      <p:stCondLst>
-                        <p:cond delay="indefinite"/>
-                      </p:stCondLst>
-                      <p:childTnLst>
-                        <p:par>
-                          <p:cTn id="20" fill="hold">
-                            <p:stCondLst>
-                              <p:cond delay="0"/>
-                            </p:stCondLst>
-                            <p:childTnLst>
-                              <p:par>
-                                <p:cTn id="21" presetID="1" presetClass="entr" presetSubtype="0" fill="hold" nodeType="clickEffect">
-                                  <p:stCondLst>
-                                    <p:cond delay="0"/>
-                                  </p:stCondLst>
-                                  <p:childTnLst>
-                                    <p:set>
-                                      <p:cBhvr>
-                                        <p:cTn id="22" dur="1" fill="hold">
-                                          <p:stCondLst>
-                                            <p:cond delay="0"/>
-                                          </p:stCondLst>
-                                        </p:cTn>
-                                        <p:tgtEl>
-                                          <p:spTgt spid="3">
-                                            <p:txEl>
-                                              <p:pRg st="5" end="5"/>
-                                            </p:txEl>
-                                          </p:spTgt>
-                                        </p:tgtEl>
-                                        <p:attrNameLst>
-                                          <p:attrName>style.visibility</p:attrName>
-                                        </p:attrNameLst>
-                                      </p:cBhvr>
-                                      <p:to>
-                                        <p:strVal val="visible"/>
-                                      </p:to>
-                                    </p:set>
-                                  </p:childTnLst>
-                                </p:cTn>
-                              </p:par>
-                            </p:childTnLst>
-                          </p:cTn>
-                        </p:par>
-                      </p:childTnLst>
-                    </p:cTn>
-                  </p:par>
-                  <p:par>
-                    <p:cTn id="23" fill="hold">
-                      <p:stCondLst>
-                        <p:cond delay="indefinite"/>
-                      </p:stCondLst>
-                      <p:childTnLst>
-                        <p:par>
-                          <p:cTn id="24" fill="hold">
-                            <p:stCondLst>
-                              <p:cond delay="0"/>
-                            </p:stCondLst>
-                            <p:childTnLst>
-                              <p:par>
-                                <p:cTn id="25" presetID="1" presetClass="entr" presetSubtype="0" fill="hold" nodeType="clickEffect">
-                                  <p:stCondLst>
-                                    <p:cond delay="0"/>
-                                  </p:stCondLst>
-                                  <p:childTnLst>
-                                    <p:set>
-                                      <p:cBhvr>
-                                        <p:cTn id="26" dur="1" fill="hold">
-                                          <p:stCondLst>
-                                            <p:cond delay="0"/>
-                                          </p:stCondLst>
-                                        </p:cTn>
-                                        <p:tgtEl>
-                                          <p:spTgt spid="3">
-                                            <p:txEl>
-                                              <p:pRg st="6" end="6"/>
-                                            </p:txEl>
-                                          </p:spTgt>
-                                        </p:tgtEl>
-                                        <p:attrNameLst>
-                                          <p:attrName>style.visibility</p:attrName>
-                                        </p:attrNameLst>
-                                      </p:cBhvr>
-                                      <p:to>
-                                        <p:strVal val="visible"/>
-                                      </p:to>
-                                    </p:set>
-                                  </p:childTnLst>
-                                </p:cTn>
-                              </p:par>
-                            </p:childTnLst>
-                          </p:cTn>
-                        </p:par>
-                      </p:childTnLst>
-                    </p:cTn>
-                  </p:par>
-                  <p:par>
-                    <p:cTn id="27" fill="hold">
-                      <p:stCondLst>
-                        <p:cond delay="indefinite"/>
-                      </p:stCondLst>
-                      <p:childTnLst>
-                        <p:par>
-                          <p:cTn id="28" fill="hold">
-                            <p:stCondLst>
-                              <p:cond delay="0"/>
-                            </p:stCondLst>
-                            <p:childTnLst>
-                              <p:par>
-                                <p:cTn id="29" presetID="1" presetClass="entr" presetSubtype="0" fill="hold" nodeType="clickEffect">
-                                  <p:stCondLst>
-                                    <p:cond delay="0"/>
-                                  </p:stCondLst>
-                                  <p:childTnLst>
-                                    <p:set>
-                                      <p:cBhvr>
-                                        <p:cTn id="30" dur="1" fill="hold">
-                                          <p:stCondLst>
-                                            <p:cond delay="0"/>
-                                          </p:stCondLst>
-                                        </p:cTn>
-                                        <p:tgtEl>
-                                          <p:spTgt spid="3">
-                                            <p:txEl>
-                                              <p:pRg st="7" end="7"/>
-                                            </p:txEl>
-                                          </p:spTgt>
-                                        </p:tgtEl>
-                                        <p:attrNameLst>
-                                          <p:attrName>style.visibility</p:attrName>
-                                        </p:attrNameLst>
-                                      </p:cBhvr>
-                                      <p:to>
-                                        <p:strVal val="visible"/>
-                                      </p:to>
-                                    </p:set>
-                                  </p:childTnLst>
-                                </p:cTn>
-                              </p:par>
-                            </p:childTnLst>
-                          </p:cTn>
-                        </p:par>
-                      </p:childTnLst>
-                    </p:cTn>
-                  </p:par>
-                </p:childTnLst>
-              </p:cTn>
-              <p:prevCondLst>
-                <p:cond evt="onPrev" delay="0">
-                  <p:tgtEl>
-                    <p:sldTgt/>
-                  </p:tgtEl>
-                </p:cond>
-              </p:prevCondLst>
-              <p:nextCondLst>
-                <p:cond evt="onNext" delay="0">
-                  <p:tgtEl>
-                    <p:sldTgt/>
-                  </p:tgtEl>
-                </p:cond>
-              </p:nextCondLst>
-            </p:seq>
-          </p:childTnLst>
-        </p:cTn>
-      </p:par>
-    </p:tnLst>
-  </p:timing>
 </p:sld>
 </file>
 
-<file path=ppt/slides/slide28.xml><?xml version="1.0" encoding="utf-8"?>
+<file path=ppt/slides/slide27.xml><?xml version="1.0" encoding="utf-8"?>
 <p:sld xmlns:a="http://schemas.openxmlformats.org/drawingml/2006/main" xmlns:r="http://schemas.openxmlformats.org/officeDocument/2006/relationships" xmlns:p="http://schemas.openxmlformats.org/presentationml/2006/main">
   <p:cSld>
     <p:spTree>
@@ -30629,7 +29595,7 @@
 </p:sld>
 </file>
 
-<file path=ppt/slides/slide29.xml><?xml version="1.0" encoding="utf-8"?>
+<file path=ppt/slides/slide28.xml><?xml version="1.0" encoding="utf-8"?>
 <p:sld xmlns:a="http://schemas.openxmlformats.org/drawingml/2006/main" xmlns:r="http://schemas.openxmlformats.org/officeDocument/2006/relationships" xmlns:p="http://schemas.openxmlformats.org/presentationml/2006/main">
   <p:cSld>
     <p:spTree>
@@ -33095,767 +32061,7 @@
 </p:sld>
 </file>
 
-<file path=ppt/slides/slide3.xml><?xml version="1.0" encoding="utf-8"?>
-<p:sld xmlns:a="http://schemas.openxmlformats.org/drawingml/2006/main" xmlns:r="http://schemas.openxmlformats.org/officeDocument/2006/relationships" xmlns:p="http://schemas.openxmlformats.org/presentationml/2006/main">
-  <p:cSld>
-    <p:spTree>
-      <p:nvGrpSpPr>
-        <p:cNvPr id="1" name=""/>
-        <p:cNvGrpSpPr/>
-        <p:nvPr/>
-      </p:nvGrpSpPr>
-      <p:grpSpPr>
-        <a:xfrm>
-          <a:off x="0" y="0"/>
-          <a:ext cx="0" cy="0"/>
-          <a:chOff x="0" y="0"/>
-          <a:chExt cx="0" cy="0"/>
-        </a:xfrm>
-      </p:grpSpPr>
-      <p:sp>
-        <p:nvSpPr>
-          <p:cNvPr id="3" name="Content Placeholder 2">
-            <a:extLst>
-              <a:ext uri="{FF2B5EF4-FFF2-40B4-BE49-F238E27FC236}">
-                <a16:creationId xmlns:a16="http://schemas.microsoft.com/office/drawing/2014/main" id="{258E6AF3-7615-4BD1-878E-A94C93E98F90}"/>
-              </a:ext>
-            </a:extLst>
-          </p:cNvPr>
-          <p:cNvSpPr>
-            <a:spLocks noGrp="1"/>
-          </p:cNvSpPr>
-          <p:nvPr>
-            <p:ph idx="1"/>
-          </p:nvPr>
-        </p:nvSpPr>
-        <p:spPr>
-          <a:xfrm>
-            <a:off x="784412" y="1324928"/>
-            <a:ext cx="10515600" cy="4958516"/>
-          </a:xfrm>
-        </p:spPr>
-        <p:txBody>
-          <a:bodyPr>
-            <a:normAutofit lnSpcReduction="10000"/>
-          </a:bodyPr>
-          <a:lstStyle/>
-          <a:p>
-            <a:pPr marL="0" indent="0">
-              <a:buNone/>
-            </a:pPr>
-            <a:r>
-              <a:rPr lang="en-US" sz="3200" dirty="0"/>
-              <a:t>Computing speed   </a:t>
-            </a:r>
-            <a:endParaRPr lang="en-US" sz="3200" b="1" dirty="0"/>
-          </a:p>
-          <a:p>
-            <a:r>
-              <a:rPr lang="en-US" dirty="0"/>
-              <a:t>Historically, computing speed was a significant limitation  </a:t>
-            </a:r>
-          </a:p>
-          <a:p>
-            <a:r>
-              <a:rPr lang="en-US" dirty="0"/>
-              <a:t>Computing capacity has increased massively </a:t>
-            </a:r>
-          </a:p>
-          <a:p>
-            <a:pPr lvl="1"/>
-            <a:r>
-              <a:rPr lang="en-US" dirty="0"/>
-              <a:t>Parallel computing well established by 1980s</a:t>
-            </a:r>
-          </a:p>
-          <a:p>
-            <a:pPr lvl="1"/>
-            <a:r>
-              <a:rPr lang="en-US" dirty="0"/>
-              <a:t>Cost of computing has dropped exponentially </a:t>
-            </a:r>
-          </a:p>
-          <a:p>
-            <a:pPr lvl="1"/>
-            <a:r>
-              <a:rPr lang="en-US" dirty="0"/>
-              <a:t>1980 – about $100,000 per MFLOP</a:t>
-            </a:r>
-          </a:p>
-          <a:p>
-            <a:pPr lvl="1"/>
-            <a:r>
-              <a:rPr lang="en-US" dirty="0"/>
-              <a:t>2020 – about $0.10 per MFLOP</a:t>
-            </a:r>
-          </a:p>
-          <a:p>
-            <a:r>
-              <a:rPr lang="en-US" dirty="0"/>
-              <a:t>Introduction of cluster and cloud computing in 2000’s </a:t>
-            </a:r>
-          </a:p>
-          <a:p>
-            <a:pPr lvl="1"/>
-            <a:r>
-              <a:rPr lang="en-US" dirty="0"/>
-              <a:t>Massive on-demand capacity now available economically </a:t>
-            </a:r>
-          </a:p>
-          <a:p>
-            <a:pPr lvl="1"/>
-            <a:r>
-              <a:rPr lang="en-US" dirty="0"/>
-              <a:t>1000s of CPU in cluster</a:t>
-            </a:r>
-          </a:p>
-          <a:p>
-            <a:r>
-              <a:rPr lang="en-US" dirty="0"/>
-              <a:t>For commonly used analytics algorithms computing speed is rarely a limitation   </a:t>
-            </a:r>
-          </a:p>
-        </p:txBody>
-      </p:sp>
-      <p:sp>
-        <p:nvSpPr>
-          <p:cNvPr id="6" name="Title 1">
-            <a:extLst>
-              <a:ext uri="{FF2B5EF4-FFF2-40B4-BE49-F238E27FC236}">
-                <a16:creationId xmlns:a16="http://schemas.microsoft.com/office/drawing/2014/main" id="{CD29F70F-B868-451B-A65D-8721F4C7A2D9}"/>
-              </a:ext>
-            </a:extLst>
-          </p:cNvPr>
-          <p:cNvSpPr txBox="1">
-            <a:spLocks/>
-          </p:cNvSpPr>
-          <p:nvPr/>
-        </p:nvSpPr>
-        <p:spPr>
-          <a:xfrm>
-            <a:off x="838200" y="-635"/>
-            <a:ext cx="10515600" cy="1325563"/>
-          </a:xfrm>
-          <a:prstGeom prst="rect">
-            <a:avLst/>
-          </a:prstGeom>
-        </p:spPr>
-        <p:txBody>
-          <a:bodyPr vert="horz" lIns="91440" tIns="45720" rIns="91440" bIns="45720" rtlCol="0" anchor="ctr">
-            <a:normAutofit/>
-          </a:bodyPr>
-          <a:lstStyle>
-            <a:lvl1pPr algn="l" defTabSz="914400" rtl="0" eaLnBrk="1" latinLnBrk="0" hangingPunct="1">
-              <a:lnSpc>
-                <a:spcPct val="90000"/>
-              </a:lnSpc>
-              <a:spcBef>
-                <a:spcPct val="0"/>
-              </a:spcBef>
-              <a:buNone/>
-              <a:defRPr sz="4400" kern="1200">
-                <a:solidFill>
-                  <a:schemeClr val="tx1"/>
-                </a:solidFill>
-                <a:latin typeface="+mj-lt"/>
-                <a:ea typeface="+mj-ea"/>
-                <a:cs typeface="+mj-cs"/>
-              </a:defRPr>
-            </a:lvl1pPr>
-          </a:lstStyle>
-          <a:p>
-            <a:r>
-              <a:rPr lang="en-US" dirty="0">
-                <a:latin typeface="+mn-lt"/>
-              </a:rPr>
-              <a:t>Large Scale Analytics Computing</a:t>
-            </a:r>
-          </a:p>
-        </p:txBody>
-      </p:sp>
-    </p:spTree>
-    <p:extLst>
-      <p:ext uri="{BB962C8B-B14F-4D97-AF65-F5344CB8AC3E}">
-        <p14:creationId xmlns:p14="http://schemas.microsoft.com/office/powerpoint/2010/main" val="614727611"/>
-      </p:ext>
-    </p:extLst>
-  </p:cSld>
-  <p:clrMapOvr>
-    <a:masterClrMapping/>
-  </p:clrMapOvr>
-  <p:timing>
-    <p:tnLst>
-      <p:par>
-        <p:cTn id="1" dur="indefinite" restart="never" nodeType="tmRoot">
-          <p:childTnLst>
-            <p:seq concurrent="1" nextAc="seek">
-              <p:cTn id="2" dur="indefinite" nodeType="mainSeq">
-                <p:childTnLst>
-                  <p:par>
-                    <p:cTn id="3" fill="hold">
-                      <p:stCondLst>
-                        <p:cond delay="indefinite"/>
-                      </p:stCondLst>
-                      <p:childTnLst>
-                        <p:par>
-                          <p:cTn id="4" fill="hold">
-                            <p:stCondLst>
-                              <p:cond delay="0"/>
-                            </p:stCondLst>
-                            <p:childTnLst>
-                              <p:par>
-                                <p:cTn id="5" presetID="1" presetClass="entr" presetSubtype="0" fill="hold" nodeType="clickEffect">
-                                  <p:stCondLst>
-                                    <p:cond delay="0"/>
-                                  </p:stCondLst>
-                                  <p:childTnLst>
-                                    <p:set>
-                                      <p:cBhvr>
-                                        <p:cTn id="6" dur="1" fill="hold">
-                                          <p:stCondLst>
-                                            <p:cond delay="0"/>
-                                          </p:stCondLst>
-                                        </p:cTn>
-                                        <p:tgtEl>
-                                          <p:spTgt spid="3">
-                                            <p:txEl>
-                                              <p:pRg st="0" end="0"/>
-                                            </p:txEl>
-                                          </p:spTgt>
-                                        </p:tgtEl>
-                                        <p:attrNameLst>
-                                          <p:attrName>style.visibility</p:attrName>
-                                        </p:attrNameLst>
-                                      </p:cBhvr>
-                                      <p:to>
-                                        <p:strVal val="visible"/>
-                                      </p:to>
-                                    </p:set>
-                                  </p:childTnLst>
-                                </p:cTn>
-                              </p:par>
-                            </p:childTnLst>
-                          </p:cTn>
-                        </p:par>
-                      </p:childTnLst>
-                    </p:cTn>
-                  </p:par>
-                  <p:par>
-                    <p:cTn id="7" fill="hold">
-                      <p:stCondLst>
-                        <p:cond delay="indefinite"/>
-                      </p:stCondLst>
-                      <p:childTnLst>
-                        <p:par>
-                          <p:cTn id="8" fill="hold">
-                            <p:stCondLst>
-                              <p:cond delay="0"/>
-                            </p:stCondLst>
-                            <p:childTnLst>
-                              <p:par>
-                                <p:cTn id="9" presetID="1" presetClass="entr" presetSubtype="0" fill="hold" nodeType="clickEffect">
-                                  <p:stCondLst>
-                                    <p:cond delay="0"/>
-                                  </p:stCondLst>
-                                  <p:childTnLst>
-                                    <p:set>
-                                      <p:cBhvr>
-                                        <p:cTn id="10" dur="1" fill="hold">
-                                          <p:stCondLst>
-                                            <p:cond delay="0"/>
-                                          </p:stCondLst>
-                                        </p:cTn>
-                                        <p:tgtEl>
-                                          <p:spTgt spid="3">
-                                            <p:txEl>
-                                              <p:pRg st="1" end="1"/>
-                                            </p:txEl>
-                                          </p:spTgt>
-                                        </p:tgtEl>
-                                        <p:attrNameLst>
-                                          <p:attrName>style.visibility</p:attrName>
-                                        </p:attrNameLst>
-                                      </p:cBhvr>
-                                      <p:to>
-                                        <p:strVal val="visible"/>
-                                      </p:to>
-                                    </p:set>
-                                  </p:childTnLst>
-                                </p:cTn>
-                              </p:par>
-                            </p:childTnLst>
-                          </p:cTn>
-                        </p:par>
-                      </p:childTnLst>
-                    </p:cTn>
-                  </p:par>
-                  <p:par>
-                    <p:cTn id="11" fill="hold">
-                      <p:stCondLst>
-                        <p:cond delay="indefinite"/>
-                      </p:stCondLst>
-                      <p:childTnLst>
-                        <p:par>
-                          <p:cTn id="12" fill="hold">
-                            <p:stCondLst>
-                              <p:cond delay="0"/>
-                            </p:stCondLst>
-                            <p:childTnLst>
-                              <p:par>
-                                <p:cTn id="13" presetID="1" presetClass="entr" presetSubtype="0" fill="hold" nodeType="clickEffect">
-                                  <p:stCondLst>
-                                    <p:cond delay="0"/>
-                                  </p:stCondLst>
-                                  <p:childTnLst>
-                                    <p:set>
-                                      <p:cBhvr>
-                                        <p:cTn id="14" dur="1" fill="hold">
-                                          <p:stCondLst>
-                                            <p:cond delay="0"/>
-                                          </p:stCondLst>
-                                        </p:cTn>
-                                        <p:tgtEl>
-                                          <p:spTgt spid="3">
-                                            <p:txEl>
-                                              <p:pRg st="2" end="2"/>
-                                            </p:txEl>
-                                          </p:spTgt>
-                                        </p:tgtEl>
-                                        <p:attrNameLst>
-                                          <p:attrName>style.visibility</p:attrName>
-                                        </p:attrNameLst>
-                                      </p:cBhvr>
-                                      <p:to>
-                                        <p:strVal val="visible"/>
-                                      </p:to>
-                                    </p:set>
-                                  </p:childTnLst>
-                                </p:cTn>
-                              </p:par>
-                            </p:childTnLst>
-                          </p:cTn>
-                        </p:par>
-                      </p:childTnLst>
-                    </p:cTn>
-                  </p:par>
-                  <p:par>
-                    <p:cTn id="15" fill="hold">
-                      <p:stCondLst>
-                        <p:cond delay="indefinite"/>
-                      </p:stCondLst>
-                      <p:childTnLst>
-                        <p:par>
-                          <p:cTn id="16" fill="hold">
-                            <p:stCondLst>
-                              <p:cond delay="0"/>
-                            </p:stCondLst>
-                            <p:childTnLst>
-                              <p:par>
-                                <p:cTn id="17" presetID="1" presetClass="entr" presetSubtype="0" fill="hold" nodeType="clickEffect">
-                                  <p:stCondLst>
-                                    <p:cond delay="0"/>
-                                  </p:stCondLst>
-                                  <p:childTnLst>
-                                    <p:set>
-                                      <p:cBhvr>
-                                        <p:cTn id="18" dur="1" fill="hold">
-                                          <p:stCondLst>
-                                            <p:cond delay="0"/>
-                                          </p:stCondLst>
-                                        </p:cTn>
-                                        <p:tgtEl>
-                                          <p:spTgt spid="3">
-                                            <p:txEl>
-                                              <p:pRg st="3" end="3"/>
-                                            </p:txEl>
-                                          </p:spTgt>
-                                        </p:tgtEl>
-                                        <p:attrNameLst>
-                                          <p:attrName>style.visibility</p:attrName>
-                                        </p:attrNameLst>
-                                      </p:cBhvr>
-                                      <p:to>
-                                        <p:strVal val="visible"/>
-                                      </p:to>
-                                    </p:set>
-                                  </p:childTnLst>
-                                </p:cTn>
-                              </p:par>
-                            </p:childTnLst>
-                          </p:cTn>
-                        </p:par>
-                      </p:childTnLst>
-                    </p:cTn>
-                  </p:par>
-                  <p:par>
-                    <p:cTn id="19" fill="hold">
-                      <p:stCondLst>
-                        <p:cond delay="indefinite"/>
-                      </p:stCondLst>
-                      <p:childTnLst>
-                        <p:par>
-                          <p:cTn id="20" fill="hold">
-                            <p:stCondLst>
-                              <p:cond delay="0"/>
-                            </p:stCondLst>
-                            <p:childTnLst>
-                              <p:par>
-                                <p:cTn id="21" presetID="1" presetClass="entr" presetSubtype="0" fill="hold" nodeType="clickEffect">
-                                  <p:stCondLst>
-                                    <p:cond delay="0"/>
-                                  </p:stCondLst>
-                                  <p:childTnLst>
-                                    <p:set>
-                                      <p:cBhvr>
-                                        <p:cTn id="22" dur="1" fill="hold">
-                                          <p:stCondLst>
-                                            <p:cond delay="0"/>
-                                          </p:stCondLst>
-                                        </p:cTn>
-                                        <p:tgtEl>
-                                          <p:spTgt spid="3">
-                                            <p:txEl>
-                                              <p:pRg st="4" end="4"/>
-                                            </p:txEl>
-                                          </p:spTgt>
-                                        </p:tgtEl>
-                                        <p:attrNameLst>
-                                          <p:attrName>style.visibility</p:attrName>
-                                        </p:attrNameLst>
-                                      </p:cBhvr>
-                                      <p:to>
-                                        <p:strVal val="visible"/>
-                                      </p:to>
-                                    </p:set>
-                                  </p:childTnLst>
-                                </p:cTn>
-                              </p:par>
-                            </p:childTnLst>
-                          </p:cTn>
-                        </p:par>
-                      </p:childTnLst>
-                    </p:cTn>
-                  </p:par>
-                  <p:par>
-                    <p:cTn id="23" fill="hold">
-                      <p:stCondLst>
-                        <p:cond delay="indefinite"/>
-                      </p:stCondLst>
-                      <p:childTnLst>
-                        <p:par>
-                          <p:cTn id="24" fill="hold">
-                            <p:stCondLst>
-                              <p:cond delay="0"/>
-                            </p:stCondLst>
-                            <p:childTnLst>
-                              <p:par>
-                                <p:cTn id="25" presetID="1" presetClass="entr" presetSubtype="0" fill="hold" nodeType="clickEffect">
-                                  <p:stCondLst>
-                                    <p:cond delay="0"/>
-                                  </p:stCondLst>
-                                  <p:childTnLst>
-                                    <p:set>
-                                      <p:cBhvr>
-                                        <p:cTn id="26" dur="1" fill="hold">
-                                          <p:stCondLst>
-                                            <p:cond delay="0"/>
-                                          </p:stCondLst>
-                                        </p:cTn>
-                                        <p:tgtEl>
-                                          <p:spTgt spid="3">
-                                            <p:txEl>
-                                              <p:pRg st="5" end="5"/>
-                                            </p:txEl>
-                                          </p:spTgt>
-                                        </p:tgtEl>
-                                        <p:attrNameLst>
-                                          <p:attrName>style.visibility</p:attrName>
-                                        </p:attrNameLst>
-                                      </p:cBhvr>
-                                      <p:to>
-                                        <p:strVal val="visible"/>
-                                      </p:to>
-                                    </p:set>
-                                  </p:childTnLst>
-                                </p:cTn>
-                              </p:par>
-                            </p:childTnLst>
-                          </p:cTn>
-                        </p:par>
-                      </p:childTnLst>
-                    </p:cTn>
-                  </p:par>
-                  <p:par>
-                    <p:cTn id="27" fill="hold">
-                      <p:stCondLst>
-                        <p:cond delay="indefinite"/>
-                      </p:stCondLst>
-                      <p:childTnLst>
-                        <p:par>
-                          <p:cTn id="28" fill="hold">
-                            <p:stCondLst>
-                              <p:cond delay="0"/>
-                            </p:stCondLst>
-                            <p:childTnLst>
-                              <p:par>
-                                <p:cTn id="29" presetID="1" presetClass="entr" presetSubtype="0" fill="hold" nodeType="clickEffect">
-                                  <p:stCondLst>
-                                    <p:cond delay="0"/>
-                                  </p:stCondLst>
-                                  <p:childTnLst>
-                                    <p:set>
-                                      <p:cBhvr>
-                                        <p:cTn id="30" dur="1" fill="hold">
-                                          <p:stCondLst>
-                                            <p:cond delay="0"/>
-                                          </p:stCondLst>
-                                        </p:cTn>
-                                        <p:tgtEl>
-                                          <p:spTgt spid="3">
-                                            <p:txEl>
-                                              <p:pRg st="6" end="6"/>
-                                            </p:txEl>
-                                          </p:spTgt>
-                                        </p:tgtEl>
-                                        <p:attrNameLst>
-                                          <p:attrName>style.visibility</p:attrName>
-                                        </p:attrNameLst>
-                                      </p:cBhvr>
-                                      <p:to>
-                                        <p:strVal val="visible"/>
-                                      </p:to>
-                                    </p:set>
-                                  </p:childTnLst>
-                                </p:cTn>
-                              </p:par>
-                            </p:childTnLst>
-                          </p:cTn>
-                        </p:par>
-                      </p:childTnLst>
-                    </p:cTn>
-                  </p:par>
-                  <p:par>
-                    <p:cTn id="31" fill="hold">
-                      <p:stCondLst>
-                        <p:cond delay="indefinite"/>
-                      </p:stCondLst>
-                      <p:childTnLst>
-                        <p:par>
-                          <p:cTn id="32" fill="hold">
-                            <p:stCondLst>
-                              <p:cond delay="0"/>
-                            </p:stCondLst>
-                            <p:childTnLst>
-                              <p:par>
-                                <p:cTn id="33" presetID="1" presetClass="entr" presetSubtype="0" fill="hold" nodeType="clickEffect">
-                                  <p:stCondLst>
-                                    <p:cond delay="0"/>
-                                  </p:stCondLst>
-                                  <p:childTnLst>
-                                    <p:set>
-                                      <p:cBhvr>
-                                        <p:cTn id="34" dur="1" fill="hold">
-                                          <p:stCondLst>
-                                            <p:cond delay="0"/>
-                                          </p:stCondLst>
-                                        </p:cTn>
-                                        <p:tgtEl>
-                                          <p:spTgt spid="3">
-                                            <p:txEl>
-                                              <p:pRg st="7" end="7"/>
-                                            </p:txEl>
-                                          </p:spTgt>
-                                        </p:tgtEl>
-                                        <p:attrNameLst>
-                                          <p:attrName>style.visibility</p:attrName>
-                                        </p:attrNameLst>
-                                      </p:cBhvr>
-                                      <p:to>
-                                        <p:strVal val="visible"/>
-                                      </p:to>
-                                    </p:set>
-                                  </p:childTnLst>
-                                </p:cTn>
-                              </p:par>
-                            </p:childTnLst>
-                          </p:cTn>
-                        </p:par>
-                      </p:childTnLst>
-                    </p:cTn>
-                  </p:par>
-                  <p:par>
-                    <p:cTn id="35" fill="hold">
-                      <p:stCondLst>
-                        <p:cond delay="indefinite"/>
-                      </p:stCondLst>
-                      <p:childTnLst>
-                        <p:par>
-                          <p:cTn id="36" fill="hold">
-                            <p:stCondLst>
-                              <p:cond delay="0"/>
-                            </p:stCondLst>
-                            <p:childTnLst>
-                              <p:par>
-                                <p:cTn id="37" presetID="1" presetClass="entr" presetSubtype="0" fill="hold" nodeType="clickEffect">
-                                  <p:stCondLst>
-                                    <p:cond delay="0"/>
-                                  </p:stCondLst>
-                                  <p:childTnLst>
-                                    <p:set>
-                                      <p:cBhvr>
-                                        <p:cTn id="38" dur="1" fill="hold">
-                                          <p:stCondLst>
-                                            <p:cond delay="0"/>
-                                          </p:stCondLst>
-                                        </p:cTn>
-                                        <p:tgtEl>
-                                          <p:spTgt spid="3">
-                                            <p:txEl>
-                                              <p:pRg st="8" end="8"/>
-                                            </p:txEl>
-                                          </p:spTgt>
-                                        </p:tgtEl>
-                                        <p:attrNameLst>
-                                          <p:attrName>style.visibility</p:attrName>
-                                        </p:attrNameLst>
-                                      </p:cBhvr>
-                                      <p:to>
-                                        <p:strVal val="visible"/>
-                                      </p:to>
-                                    </p:set>
-                                  </p:childTnLst>
-                                </p:cTn>
-                              </p:par>
-                            </p:childTnLst>
-                          </p:cTn>
-                        </p:par>
-                      </p:childTnLst>
-                    </p:cTn>
-                  </p:par>
-                  <p:par>
-                    <p:cTn id="39" fill="hold">
-                      <p:stCondLst>
-                        <p:cond delay="indefinite"/>
-                      </p:stCondLst>
-                      <p:childTnLst>
-                        <p:par>
-                          <p:cTn id="40" fill="hold">
-                            <p:stCondLst>
-                              <p:cond delay="0"/>
-                            </p:stCondLst>
-                            <p:childTnLst>
-                              <p:par>
-                                <p:cTn id="41" presetID="1" presetClass="entr" presetSubtype="0" fill="hold" nodeType="clickEffect">
-                                  <p:stCondLst>
-                                    <p:cond delay="0"/>
-                                  </p:stCondLst>
-                                  <p:childTnLst>
-                                    <p:set>
-                                      <p:cBhvr>
-                                        <p:cTn id="42" dur="1" fill="hold">
-                                          <p:stCondLst>
-                                            <p:cond delay="0"/>
-                                          </p:stCondLst>
-                                        </p:cTn>
-                                        <p:tgtEl>
-                                          <p:spTgt spid="3">
-                                            <p:txEl>
-                                              <p:pRg st="9" end="9"/>
-                                            </p:txEl>
-                                          </p:spTgt>
-                                        </p:tgtEl>
-                                        <p:attrNameLst>
-                                          <p:attrName>style.visibility</p:attrName>
-                                        </p:attrNameLst>
-                                      </p:cBhvr>
-                                      <p:to>
-                                        <p:strVal val="visible"/>
-                                      </p:to>
-                                    </p:set>
-                                  </p:childTnLst>
-                                </p:cTn>
-                              </p:par>
-                            </p:childTnLst>
-                          </p:cTn>
-                        </p:par>
-                      </p:childTnLst>
-                    </p:cTn>
-                  </p:par>
-                  <p:par>
-                    <p:cTn id="43" fill="hold">
-                      <p:stCondLst>
-                        <p:cond delay="indefinite"/>
-                      </p:stCondLst>
-                      <p:childTnLst>
-                        <p:par>
-                          <p:cTn id="44" fill="hold">
-                            <p:stCondLst>
-                              <p:cond delay="0"/>
-                            </p:stCondLst>
-                            <p:childTnLst>
-                              <p:par>
-                                <p:cTn id="45" presetID="1" presetClass="entr" presetSubtype="0" fill="hold" nodeType="clickEffect">
-                                  <p:stCondLst>
-                                    <p:cond delay="0"/>
-                                  </p:stCondLst>
-                                  <p:childTnLst>
-                                    <p:set>
-                                      <p:cBhvr>
-                                        <p:cTn id="46" dur="1" fill="hold">
-                                          <p:stCondLst>
-                                            <p:cond delay="0"/>
-                                          </p:stCondLst>
-                                        </p:cTn>
-                                        <p:tgtEl>
-                                          <p:spTgt spid="3">
-                                            <p:txEl>
-                                              <p:pRg st="10" end="10"/>
-                                            </p:txEl>
-                                          </p:spTgt>
-                                        </p:tgtEl>
-                                        <p:attrNameLst>
-                                          <p:attrName>style.visibility</p:attrName>
-                                        </p:attrNameLst>
-                                      </p:cBhvr>
-                                      <p:to>
-                                        <p:strVal val="visible"/>
-                                      </p:to>
-                                    </p:set>
-                                  </p:childTnLst>
-                                </p:cTn>
-                              </p:par>
-                            </p:childTnLst>
-                          </p:cTn>
-                        </p:par>
-                      </p:childTnLst>
-                    </p:cTn>
-                  </p:par>
-                </p:childTnLst>
-              </p:cTn>
-              <p:prevCondLst>
-                <p:cond evt="onPrev" delay="0">
-                  <p:tgtEl>
-                    <p:sldTgt/>
-                  </p:tgtEl>
-                </p:cond>
-              </p:prevCondLst>
-              <p:nextCondLst>
-                <p:cond evt="onNext" delay="0">
-                  <p:tgtEl>
-                    <p:sldTgt/>
-                  </p:tgtEl>
-                </p:cond>
-              </p:nextCondLst>
-            </p:seq>
-          </p:childTnLst>
-        </p:cTn>
-      </p:par>
-    </p:tnLst>
-  </p:timing>
-</p:sld>
-</file>
-
-<file path=ppt/slides/slide30.xml><?xml version="1.0" encoding="utf-8"?>
+<file path=ppt/slides/slide29.xml><?xml version="1.0" encoding="utf-8"?>
 <p:sld xmlns:a="http://schemas.openxmlformats.org/drawingml/2006/main" xmlns:r="http://schemas.openxmlformats.org/officeDocument/2006/relationships" xmlns:p="http://schemas.openxmlformats.org/presentationml/2006/main">
   <p:cSld>
     <p:spTree>
@@ -34693,7 +32899,7 @@
 </p:sld>
 </file>
 
-<file path=ppt/slides/slide31.xml><?xml version="1.0" encoding="utf-8"?>
+<file path=ppt/slides/slide3.xml><?xml version="1.0" encoding="utf-8"?>
 <p:sld xmlns:a="http://schemas.openxmlformats.org/drawingml/2006/main" xmlns:r="http://schemas.openxmlformats.org/officeDocument/2006/relationships" xmlns:p="http://schemas.openxmlformats.org/presentationml/2006/main">
   <p:cSld>
     <p:spTree>
@@ -34710,8 +32916,768 @@
           <a:chExt cx="0" cy="0"/>
         </a:xfrm>
       </p:grpSpPr>
-      <mc:AlternateContent xmlns:mc="http://schemas.openxmlformats.org/markup-compatibility/2006" xmlns:a14="http://schemas.microsoft.com/office/drawing/2010/main">
-        <mc:Choice Requires="a14">
+      <p:sp>
+        <p:nvSpPr>
+          <p:cNvPr id="3" name="Content Placeholder 2">
+            <a:extLst>
+              <a:ext uri="{FF2B5EF4-FFF2-40B4-BE49-F238E27FC236}">
+                <a16:creationId xmlns:a16="http://schemas.microsoft.com/office/drawing/2014/main" id="{258E6AF3-7615-4BD1-878E-A94C93E98F90}"/>
+              </a:ext>
+            </a:extLst>
+          </p:cNvPr>
+          <p:cNvSpPr>
+            <a:spLocks noGrp="1"/>
+          </p:cNvSpPr>
+          <p:nvPr>
+            <p:ph idx="1"/>
+          </p:nvPr>
+        </p:nvSpPr>
+        <p:spPr>
+          <a:xfrm>
+            <a:off x="784412" y="1324928"/>
+            <a:ext cx="10515600" cy="4958516"/>
+          </a:xfrm>
+        </p:spPr>
+        <p:txBody>
+          <a:bodyPr>
+            <a:normAutofit lnSpcReduction="10000"/>
+          </a:bodyPr>
+          <a:lstStyle/>
+          <a:p>
+            <a:pPr marL="0" indent="0">
+              <a:buNone/>
+            </a:pPr>
+            <a:r>
+              <a:rPr lang="en-US" sz="3200" dirty="0"/>
+              <a:t>Computing speed   </a:t>
+            </a:r>
+            <a:endParaRPr lang="en-US" sz="3200" b="1" dirty="0"/>
+          </a:p>
+          <a:p>
+            <a:r>
+              <a:rPr lang="en-US" dirty="0"/>
+              <a:t>Historically, computing speed was a significant limitation  </a:t>
+            </a:r>
+          </a:p>
+          <a:p>
+            <a:r>
+              <a:rPr lang="en-US" dirty="0"/>
+              <a:t>Computing capacity has increased massively </a:t>
+            </a:r>
+          </a:p>
+          <a:p>
+            <a:pPr lvl="1"/>
+            <a:r>
+              <a:rPr lang="en-US" dirty="0"/>
+              <a:t>Parallel computing well established by 1980s</a:t>
+            </a:r>
+          </a:p>
+          <a:p>
+            <a:pPr lvl="1"/>
+            <a:r>
+              <a:rPr lang="en-US" dirty="0"/>
+              <a:t>Cost of computing has dropped exponentially </a:t>
+            </a:r>
+          </a:p>
+          <a:p>
+            <a:pPr lvl="1"/>
+            <a:r>
+              <a:rPr lang="en-US" dirty="0"/>
+              <a:t>1980s – about $100,000 per MFLOP</a:t>
+            </a:r>
+          </a:p>
+          <a:p>
+            <a:pPr lvl="1"/>
+            <a:r>
+              <a:rPr lang="en-US" dirty="0"/>
+              <a:t>2020 – about $0.10 per MFLOP</a:t>
+            </a:r>
+          </a:p>
+          <a:p>
+            <a:r>
+              <a:rPr lang="en-US" dirty="0"/>
+              <a:t>Introduction of cluster and cloud computing in 2000’s </a:t>
+            </a:r>
+          </a:p>
+          <a:p>
+            <a:pPr lvl="1"/>
+            <a:r>
+              <a:rPr lang="en-US" dirty="0"/>
+              <a:t>Massive on-demand capacity now available economically </a:t>
+            </a:r>
+          </a:p>
+          <a:p>
+            <a:pPr lvl="1"/>
+            <a:r>
+              <a:rPr lang="en-US" dirty="0"/>
+              <a:t>1000s of CPU in cluster</a:t>
+            </a:r>
+          </a:p>
+          <a:p>
+            <a:r>
+              <a:rPr lang="en-US" dirty="0"/>
+              <a:t>For commonly used analytics algorithms computing speed is rarely a limitation   </a:t>
+            </a:r>
+          </a:p>
+        </p:txBody>
+      </p:sp>
+      <p:sp>
+        <p:nvSpPr>
+          <p:cNvPr id="6" name="Title 1">
+            <a:extLst>
+              <a:ext uri="{FF2B5EF4-FFF2-40B4-BE49-F238E27FC236}">
+                <a16:creationId xmlns:a16="http://schemas.microsoft.com/office/drawing/2014/main" id="{CD29F70F-B868-451B-A65D-8721F4C7A2D9}"/>
+              </a:ext>
+            </a:extLst>
+          </p:cNvPr>
+          <p:cNvSpPr txBox="1">
+            <a:spLocks/>
+          </p:cNvSpPr>
+          <p:nvPr/>
+        </p:nvSpPr>
+        <p:spPr>
+          <a:xfrm>
+            <a:off x="838200" y="-635"/>
+            <a:ext cx="10515600" cy="1325563"/>
+          </a:xfrm>
+          <a:prstGeom prst="rect">
+            <a:avLst/>
+          </a:prstGeom>
+        </p:spPr>
+        <p:txBody>
+          <a:bodyPr vert="horz" lIns="91440" tIns="45720" rIns="91440" bIns="45720" rtlCol="0" anchor="ctr">
+            <a:normAutofit/>
+          </a:bodyPr>
+          <a:lstStyle>
+            <a:lvl1pPr algn="l" defTabSz="914400" rtl="0" eaLnBrk="1" latinLnBrk="0" hangingPunct="1">
+              <a:lnSpc>
+                <a:spcPct val="90000"/>
+              </a:lnSpc>
+              <a:spcBef>
+                <a:spcPct val="0"/>
+              </a:spcBef>
+              <a:buNone/>
+              <a:defRPr sz="4400" kern="1200">
+                <a:solidFill>
+                  <a:schemeClr val="tx1"/>
+                </a:solidFill>
+                <a:latin typeface="+mj-lt"/>
+                <a:ea typeface="+mj-ea"/>
+                <a:cs typeface="+mj-cs"/>
+              </a:defRPr>
+            </a:lvl1pPr>
+          </a:lstStyle>
+          <a:p>
+            <a:r>
+              <a:rPr lang="en-US" dirty="0">
+                <a:latin typeface="+mn-lt"/>
+              </a:rPr>
+              <a:t>Large Scale Analytics Computing</a:t>
+            </a:r>
+          </a:p>
+        </p:txBody>
+      </p:sp>
+    </p:spTree>
+    <p:extLst>
+      <p:ext uri="{BB962C8B-B14F-4D97-AF65-F5344CB8AC3E}">
+        <p14:creationId xmlns:p14="http://schemas.microsoft.com/office/powerpoint/2010/main" val="614727611"/>
+      </p:ext>
+    </p:extLst>
+  </p:cSld>
+  <p:clrMapOvr>
+    <a:masterClrMapping/>
+  </p:clrMapOvr>
+  <p:timing>
+    <p:tnLst>
+      <p:par>
+        <p:cTn id="1" dur="indefinite" restart="never" nodeType="tmRoot">
+          <p:childTnLst>
+            <p:seq concurrent="1" nextAc="seek">
+              <p:cTn id="2" dur="indefinite" nodeType="mainSeq">
+                <p:childTnLst>
+                  <p:par>
+                    <p:cTn id="3" fill="hold">
+                      <p:stCondLst>
+                        <p:cond delay="indefinite"/>
+                      </p:stCondLst>
+                      <p:childTnLst>
+                        <p:par>
+                          <p:cTn id="4" fill="hold">
+                            <p:stCondLst>
+                              <p:cond delay="0"/>
+                            </p:stCondLst>
+                            <p:childTnLst>
+                              <p:par>
+                                <p:cTn id="5" presetID="1" presetClass="entr" presetSubtype="0" fill="hold" nodeType="clickEffect">
+                                  <p:stCondLst>
+                                    <p:cond delay="0"/>
+                                  </p:stCondLst>
+                                  <p:childTnLst>
+                                    <p:set>
+                                      <p:cBhvr>
+                                        <p:cTn id="6" dur="1" fill="hold">
+                                          <p:stCondLst>
+                                            <p:cond delay="0"/>
+                                          </p:stCondLst>
+                                        </p:cTn>
+                                        <p:tgtEl>
+                                          <p:spTgt spid="3">
+                                            <p:txEl>
+                                              <p:pRg st="0" end="0"/>
+                                            </p:txEl>
+                                          </p:spTgt>
+                                        </p:tgtEl>
+                                        <p:attrNameLst>
+                                          <p:attrName>style.visibility</p:attrName>
+                                        </p:attrNameLst>
+                                      </p:cBhvr>
+                                      <p:to>
+                                        <p:strVal val="visible"/>
+                                      </p:to>
+                                    </p:set>
+                                  </p:childTnLst>
+                                </p:cTn>
+                              </p:par>
+                            </p:childTnLst>
+                          </p:cTn>
+                        </p:par>
+                      </p:childTnLst>
+                    </p:cTn>
+                  </p:par>
+                  <p:par>
+                    <p:cTn id="7" fill="hold">
+                      <p:stCondLst>
+                        <p:cond delay="indefinite"/>
+                      </p:stCondLst>
+                      <p:childTnLst>
+                        <p:par>
+                          <p:cTn id="8" fill="hold">
+                            <p:stCondLst>
+                              <p:cond delay="0"/>
+                            </p:stCondLst>
+                            <p:childTnLst>
+                              <p:par>
+                                <p:cTn id="9" presetID="1" presetClass="entr" presetSubtype="0" fill="hold" nodeType="clickEffect">
+                                  <p:stCondLst>
+                                    <p:cond delay="0"/>
+                                  </p:stCondLst>
+                                  <p:childTnLst>
+                                    <p:set>
+                                      <p:cBhvr>
+                                        <p:cTn id="10" dur="1" fill="hold">
+                                          <p:stCondLst>
+                                            <p:cond delay="0"/>
+                                          </p:stCondLst>
+                                        </p:cTn>
+                                        <p:tgtEl>
+                                          <p:spTgt spid="3">
+                                            <p:txEl>
+                                              <p:pRg st="1" end="1"/>
+                                            </p:txEl>
+                                          </p:spTgt>
+                                        </p:tgtEl>
+                                        <p:attrNameLst>
+                                          <p:attrName>style.visibility</p:attrName>
+                                        </p:attrNameLst>
+                                      </p:cBhvr>
+                                      <p:to>
+                                        <p:strVal val="visible"/>
+                                      </p:to>
+                                    </p:set>
+                                  </p:childTnLst>
+                                </p:cTn>
+                              </p:par>
+                            </p:childTnLst>
+                          </p:cTn>
+                        </p:par>
+                      </p:childTnLst>
+                    </p:cTn>
+                  </p:par>
+                  <p:par>
+                    <p:cTn id="11" fill="hold">
+                      <p:stCondLst>
+                        <p:cond delay="indefinite"/>
+                      </p:stCondLst>
+                      <p:childTnLst>
+                        <p:par>
+                          <p:cTn id="12" fill="hold">
+                            <p:stCondLst>
+                              <p:cond delay="0"/>
+                            </p:stCondLst>
+                            <p:childTnLst>
+                              <p:par>
+                                <p:cTn id="13" presetID="1" presetClass="entr" presetSubtype="0" fill="hold" nodeType="clickEffect">
+                                  <p:stCondLst>
+                                    <p:cond delay="0"/>
+                                  </p:stCondLst>
+                                  <p:childTnLst>
+                                    <p:set>
+                                      <p:cBhvr>
+                                        <p:cTn id="14" dur="1" fill="hold">
+                                          <p:stCondLst>
+                                            <p:cond delay="0"/>
+                                          </p:stCondLst>
+                                        </p:cTn>
+                                        <p:tgtEl>
+                                          <p:spTgt spid="3">
+                                            <p:txEl>
+                                              <p:pRg st="2" end="2"/>
+                                            </p:txEl>
+                                          </p:spTgt>
+                                        </p:tgtEl>
+                                        <p:attrNameLst>
+                                          <p:attrName>style.visibility</p:attrName>
+                                        </p:attrNameLst>
+                                      </p:cBhvr>
+                                      <p:to>
+                                        <p:strVal val="visible"/>
+                                      </p:to>
+                                    </p:set>
+                                  </p:childTnLst>
+                                </p:cTn>
+                              </p:par>
+                            </p:childTnLst>
+                          </p:cTn>
+                        </p:par>
+                      </p:childTnLst>
+                    </p:cTn>
+                  </p:par>
+                  <p:par>
+                    <p:cTn id="15" fill="hold">
+                      <p:stCondLst>
+                        <p:cond delay="indefinite"/>
+                      </p:stCondLst>
+                      <p:childTnLst>
+                        <p:par>
+                          <p:cTn id="16" fill="hold">
+                            <p:stCondLst>
+                              <p:cond delay="0"/>
+                            </p:stCondLst>
+                            <p:childTnLst>
+                              <p:par>
+                                <p:cTn id="17" presetID="1" presetClass="entr" presetSubtype="0" fill="hold" nodeType="clickEffect">
+                                  <p:stCondLst>
+                                    <p:cond delay="0"/>
+                                  </p:stCondLst>
+                                  <p:childTnLst>
+                                    <p:set>
+                                      <p:cBhvr>
+                                        <p:cTn id="18" dur="1" fill="hold">
+                                          <p:stCondLst>
+                                            <p:cond delay="0"/>
+                                          </p:stCondLst>
+                                        </p:cTn>
+                                        <p:tgtEl>
+                                          <p:spTgt spid="3">
+                                            <p:txEl>
+                                              <p:pRg st="3" end="3"/>
+                                            </p:txEl>
+                                          </p:spTgt>
+                                        </p:tgtEl>
+                                        <p:attrNameLst>
+                                          <p:attrName>style.visibility</p:attrName>
+                                        </p:attrNameLst>
+                                      </p:cBhvr>
+                                      <p:to>
+                                        <p:strVal val="visible"/>
+                                      </p:to>
+                                    </p:set>
+                                  </p:childTnLst>
+                                </p:cTn>
+                              </p:par>
+                            </p:childTnLst>
+                          </p:cTn>
+                        </p:par>
+                      </p:childTnLst>
+                    </p:cTn>
+                  </p:par>
+                  <p:par>
+                    <p:cTn id="19" fill="hold">
+                      <p:stCondLst>
+                        <p:cond delay="indefinite"/>
+                      </p:stCondLst>
+                      <p:childTnLst>
+                        <p:par>
+                          <p:cTn id="20" fill="hold">
+                            <p:stCondLst>
+                              <p:cond delay="0"/>
+                            </p:stCondLst>
+                            <p:childTnLst>
+                              <p:par>
+                                <p:cTn id="21" presetID="1" presetClass="entr" presetSubtype="0" fill="hold" nodeType="clickEffect">
+                                  <p:stCondLst>
+                                    <p:cond delay="0"/>
+                                  </p:stCondLst>
+                                  <p:childTnLst>
+                                    <p:set>
+                                      <p:cBhvr>
+                                        <p:cTn id="22" dur="1" fill="hold">
+                                          <p:stCondLst>
+                                            <p:cond delay="0"/>
+                                          </p:stCondLst>
+                                        </p:cTn>
+                                        <p:tgtEl>
+                                          <p:spTgt spid="3">
+                                            <p:txEl>
+                                              <p:pRg st="4" end="4"/>
+                                            </p:txEl>
+                                          </p:spTgt>
+                                        </p:tgtEl>
+                                        <p:attrNameLst>
+                                          <p:attrName>style.visibility</p:attrName>
+                                        </p:attrNameLst>
+                                      </p:cBhvr>
+                                      <p:to>
+                                        <p:strVal val="visible"/>
+                                      </p:to>
+                                    </p:set>
+                                  </p:childTnLst>
+                                </p:cTn>
+                              </p:par>
+                            </p:childTnLst>
+                          </p:cTn>
+                        </p:par>
+                      </p:childTnLst>
+                    </p:cTn>
+                  </p:par>
+                  <p:par>
+                    <p:cTn id="23" fill="hold">
+                      <p:stCondLst>
+                        <p:cond delay="indefinite"/>
+                      </p:stCondLst>
+                      <p:childTnLst>
+                        <p:par>
+                          <p:cTn id="24" fill="hold">
+                            <p:stCondLst>
+                              <p:cond delay="0"/>
+                            </p:stCondLst>
+                            <p:childTnLst>
+                              <p:par>
+                                <p:cTn id="25" presetID="1" presetClass="entr" presetSubtype="0" fill="hold" nodeType="clickEffect">
+                                  <p:stCondLst>
+                                    <p:cond delay="0"/>
+                                  </p:stCondLst>
+                                  <p:childTnLst>
+                                    <p:set>
+                                      <p:cBhvr>
+                                        <p:cTn id="26" dur="1" fill="hold">
+                                          <p:stCondLst>
+                                            <p:cond delay="0"/>
+                                          </p:stCondLst>
+                                        </p:cTn>
+                                        <p:tgtEl>
+                                          <p:spTgt spid="3">
+                                            <p:txEl>
+                                              <p:pRg st="5" end="5"/>
+                                            </p:txEl>
+                                          </p:spTgt>
+                                        </p:tgtEl>
+                                        <p:attrNameLst>
+                                          <p:attrName>style.visibility</p:attrName>
+                                        </p:attrNameLst>
+                                      </p:cBhvr>
+                                      <p:to>
+                                        <p:strVal val="visible"/>
+                                      </p:to>
+                                    </p:set>
+                                  </p:childTnLst>
+                                </p:cTn>
+                              </p:par>
+                            </p:childTnLst>
+                          </p:cTn>
+                        </p:par>
+                      </p:childTnLst>
+                    </p:cTn>
+                  </p:par>
+                  <p:par>
+                    <p:cTn id="27" fill="hold">
+                      <p:stCondLst>
+                        <p:cond delay="indefinite"/>
+                      </p:stCondLst>
+                      <p:childTnLst>
+                        <p:par>
+                          <p:cTn id="28" fill="hold">
+                            <p:stCondLst>
+                              <p:cond delay="0"/>
+                            </p:stCondLst>
+                            <p:childTnLst>
+                              <p:par>
+                                <p:cTn id="29" presetID="1" presetClass="entr" presetSubtype="0" fill="hold" nodeType="clickEffect">
+                                  <p:stCondLst>
+                                    <p:cond delay="0"/>
+                                  </p:stCondLst>
+                                  <p:childTnLst>
+                                    <p:set>
+                                      <p:cBhvr>
+                                        <p:cTn id="30" dur="1" fill="hold">
+                                          <p:stCondLst>
+                                            <p:cond delay="0"/>
+                                          </p:stCondLst>
+                                        </p:cTn>
+                                        <p:tgtEl>
+                                          <p:spTgt spid="3">
+                                            <p:txEl>
+                                              <p:pRg st="6" end="6"/>
+                                            </p:txEl>
+                                          </p:spTgt>
+                                        </p:tgtEl>
+                                        <p:attrNameLst>
+                                          <p:attrName>style.visibility</p:attrName>
+                                        </p:attrNameLst>
+                                      </p:cBhvr>
+                                      <p:to>
+                                        <p:strVal val="visible"/>
+                                      </p:to>
+                                    </p:set>
+                                  </p:childTnLst>
+                                </p:cTn>
+                              </p:par>
+                            </p:childTnLst>
+                          </p:cTn>
+                        </p:par>
+                      </p:childTnLst>
+                    </p:cTn>
+                  </p:par>
+                  <p:par>
+                    <p:cTn id="31" fill="hold">
+                      <p:stCondLst>
+                        <p:cond delay="indefinite"/>
+                      </p:stCondLst>
+                      <p:childTnLst>
+                        <p:par>
+                          <p:cTn id="32" fill="hold">
+                            <p:stCondLst>
+                              <p:cond delay="0"/>
+                            </p:stCondLst>
+                            <p:childTnLst>
+                              <p:par>
+                                <p:cTn id="33" presetID="1" presetClass="entr" presetSubtype="0" fill="hold" nodeType="clickEffect">
+                                  <p:stCondLst>
+                                    <p:cond delay="0"/>
+                                  </p:stCondLst>
+                                  <p:childTnLst>
+                                    <p:set>
+                                      <p:cBhvr>
+                                        <p:cTn id="34" dur="1" fill="hold">
+                                          <p:stCondLst>
+                                            <p:cond delay="0"/>
+                                          </p:stCondLst>
+                                        </p:cTn>
+                                        <p:tgtEl>
+                                          <p:spTgt spid="3">
+                                            <p:txEl>
+                                              <p:pRg st="7" end="7"/>
+                                            </p:txEl>
+                                          </p:spTgt>
+                                        </p:tgtEl>
+                                        <p:attrNameLst>
+                                          <p:attrName>style.visibility</p:attrName>
+                                        </p:attrNameLst>
+                                      </p:cBhvr>
+                                      <p:to>
+                                        <p:strVal val="visible"/>
+                                      </p:to>
+                                    </p:set>
+                                  </p:childTnLst>
+                                </p:cTn>
+                              </p:par>
+                            </p:childTnLst>
+                          </p:cTn>
+                        </p:par>
+                      </p:childTnLst>
+                    </p:cTn>
+                  </p:par>
+                  <p:par>
+                    <p:cTn id="35" fill="hold">
+                      <p:stCondLst>
+                        <p:cond delay="indefinite"/>
+                      </p:stCondLst>
+                      <p:childTnLst>
+                        <p:par>
+                          <p:cTn id="36" fill="hold">
+                            <p:stCondLst>
+                              <p:cond delay="0"/>
+                            </p:stCondLst>
+                            <p:childTnLst>
+                              <p:par>
+                                <p:cTn id="37" presetID="1" presetClass="entr" presetSubtype="0" fill="hold" nodeType="clickEffect">
+                                  <p:stCondLst>
+                                    <p:cond delay="0"/>
+                                  </p:stCondLst>
+                                  <p:childTnLst>
+                                    <p:set>
+                                      <p:cBhvr>
+                                        <p:cTn id="38" dur="1" fill="hold">
+                                          <p:stCondLst>
+                                            <p:cond delay="0"/>
+                                          </p:stCondLst>
+                                        </p:cTn>
+                                        <p:tgtEl>
+                                          <p:spTgt spid="3">
+                                            <p:txEl>
+                                              <p:pRg st="8" end="8"/>
+                                            </p:txEl>
+                                          </p:spTgt>
+                                        </p:tgtEl>
+                                        <p:attrNameLst>
+                                          <p:attrName>style.visibility</p:attrName>
+                                        </p:attrNameLst>
+                                      </p:cBhvr>
+                                      <p:to>
+                                        <p:strVal val="visible"/>
+                                      </p:to>
+                                    </p:set>
+                                  </p:childTnLst>
+                                </p:cTn>
+                              </p:par>
+                            </p:childTnLst>
+                          </p:cTn>
+                        </p:par>
+                      </p:childTnLst>
+                    </p:cTn>
+                  </p:par>
+                  <p:par>
+                    <p:cTn id="39" fill="hold">
+                      <p:stCondLst>
+                        <p:cond delay="indefinite"/>
+                      </p:stCondLst>
+                      <p:childTnLst>
+                        <p:par>
+                          <p:cTn id="40" fill="hold">
+                            <p:stCondLst>
+                              <p:cond delay="0"/>
+                            </p:stCondLst>
+                            <p:childTnLst>
+                              <p:par>
+                                <p:cTn id="41" presetID="1" presetClass="entr" presetSubtype="0" fill="hold" nodeType="clickEffect">
+                                  <p:stCondLst>
+                                    <p:cond delay="0"/>
+                                  </p:stCondLst>
+                                  <p:childTnLst>
+                                    <p:set>
+                                      <p:cBhvr>
+                                        <p:cTn id="42" dur="1" fill="hold">
+                                          <p:stCondLst>
+                                            <p:cond delay="0"/>
+                                          </p:stCondLst>
+                                        </p:cTn>
+                                        <p:tgtEl>
+                                          <p:spTgt spid="3">
+                                            <p:txEl>
+                                              <p:pRg st="9" end="9"/>
+                                            </p:txEl>
+                                          </p:spTgt>
+                                        </p:tgtEl>
+                                        <p:attrNameLst>
+                                          <p:attrName>style.visibility</p:attrName>
+                                        </p:attrNameLst>
+                                      </p:cBhvr>
+                                      <p:to>
+                                        <p:strVal val="visible"/>
+                                      </p:to>
+                                    </p:set>
+                                  </p:childTnLst>
+                                </p:cTn>
+                              </p:par>
+                            </p:childTnLst>
+                          </p:cTn>
+                        </p:par>
+                      </p:childTnLst>
+                    </p:cTn>
+                  </p:par>
+                  <p:par>
+                    <p:cTn id="43" fill="hold">
+                      <p:stCondLst>
+                        <p:cond delay="indefinite"/>
+                      </p:stCondLst>
+                      <p:childTnLst>
+                        <p:par>
+                          <p:cTn id="44" fill="hold">
+                            <p:stCondLst>
+                              <p:cond delay="0"/>
+                            </p:stCondLst>
+                            <p:childTnLst>
+                              <p:par>
+                                <p:cTn id="45" presetID="1" presetClass="entr" presetSubtype="0" fill="hold" nodeType="clickEffect">
+                                  <p:stCondLst>
+                                    <p:cond delay="0"/>
+                                  </p:stCondLst>
+                                  <p:childTnLst>
+                                    <p:set>
+                                      <p:cBhvr>
+                                        <p:cTn id="46" dur="1" fill="hold">
+                                          <p:stCondLst>
+                                            <p:cond delay="0"/>
+                                          </p:stCondLst>
+                                        </p:cTn>
+                                        <p:tgtEl>
+                                          <p:spTgt spid="3">
+                                            <p:txEl>
+                                              <p:pRg st="10" end="10"/>
+                                            </p:txEl>
+                                          </p:spTgt>
+                                        </p:tgtEl>
+                                        <p:attrNameLst>
+                                          <p:attrName>style.visibility</p:attrName>
+                                        </p:attrNameLst>
+                                      </p:cBhvr>
+                                      <p:to>
+                                        <p:strVal val="visible"/>
+                                      </p:to>
+                                    </p:set>
+                                  </p:childTnLst>
+                                </p:cTn>
+                              </p:par>
+                            </p:childTnLst>
+                          </p:cTn>
+                        </p:par>
+                      </p:childTnLst>
+                    </p:cTn>
+                  </p:par>
+                </p:childTnLst>
+              </p:cTn>
+              <p:prevCondLst>
+                <p:cond evt="onPrev" delay="0">
+                  <p:tgtEl>
+                    <p:sldTgt/>
+                  </p:tgtEl>
+                </p:cond>
+              </p:prevCondLst>
+              <p:nextCondLst>
+                <p:cond evt="onNext" delay="0">
+                  <p:tgtEl>
+                    <p:sldTgt/>
+                  </p:tgtEl>
+                </p:cond>
+              </p:nextCondLst>
+            </p:seq>
+          </p:childTnLst>
+        </p:cTn>
+      </p:par>
+    </p:tnLst>
+  </p:timing>
+</p:sld>
+</file>
+
+<file path=ppt/slides/slide30.xml><?xml version="1.0" encoding="utf-8"?>
+<p:sld xmlns:a="http://schemas.openxmlformats.org/drawingml/2006/main" xmlns:r="http://schemas.openxmlformats.org/officeDocument/2006/relationships" xmlns:p="http://schemas.openxmlformats.org/presentationml/2006/main">
+  <p:cSld>
+    <p:spTree>
+      <p:nvGrpSpPr>
+        <p:cNvPr id="1" name=""/>
+        <p:cNvGrpSpPr/>
+        <p:nvPr/>
+      </p:nvGrpSpPr>
+      <p:grpSpPr>
+        <a:xfrm>
+          <a:off x="0" y="0"/>
+          <a:ext cx="0" cy="0"/>
+          <a:chOff x="0" y="0"/>
+          <a:chExt cx="0" cy="0"/>
+        </a:xfrm>
+      </p:grpSpPr>
+      <mc:AlternateContent xmlns:mc="http://schemas.openxmlformats.org/markup-compatibility/2006">
+        <mc:Choice xmlns:a14="http://schemas.microsoft.com/office/drawing/2010/main" Requires="a14">
           <p:sp>
             <p:nvSpPr>
               <p:cNvPr id="3" name="Content Placeholder 2">
@@ -35105,7 +34071,7 @@
                 </a14:m>
                 <a:r>
                   <a:rPr lang="en-US" dirty="0"/>
-                  <a:t>, by common key, </a:t>
+                  <a:t>, by common keys, </a:t>
                 </a:r>
                 <a14:m>
                   <m:oMath xmlns:m="http://schemas.openxmlformats.org/officeDocument/2006/math">
@@ -35219,7 +34185,7 @@
             </p:txBody>
           </p:sp>
         </mc:Choice>
-        <mc:Fallback xmlns="">
+        <mc:Fallback>
           <p:sp>
             <p:nvSpPr>
               <p:cNvPr id="3" name="Content Placeholder 2">
@@ -35380,15 +34346,33 @@
                                   </p:childTnLst>
                                 </p:cTn>
                               </p:par>
+                            </p:childTnLst>
+                          </p:cTn>
+                        </p:par>
+                      </p:childTnLst>
+                    </p:cTn>
+                  </p:par>
+                  <p:par>
+                    <p:cTn id="7" fill="hold">
+                      <p:stCondLst>
+                        <p:cond delay="indefinite"/>
+                      </p:stCondLst>
+                      <p:childTnLst>
+                        <p:par>
+                          <p:cTn id="8" fill="hold">
+                            <p:stCondLst>
+                              <p:cond delay="0"/>
+                            </p:stCondLst>
+                            <p:childTnLst>
                               <p:par>
-                                <p:cTn id="7" presetID="1" presetClass="entr" presetSubtype="0" fill="hold" nodeType="withEffect">
+                                <p:cTn id="9" presetID="1" presetClass="entr" presetSubtype="0" fill="hold" nodeType="clickEffect">
                                   <p:stCondLst>
                                     <p:cond delay="0"/>
                                   </p:stCondLst>
                                   <p:childTnLst>
                                     <p:set>
                                       <p:cBhvr>
-                                        <p:cTn id="8" dur="1" fill="hold">
+                                        <p:cTn id="10" dur="1" fill="hold">
                                           <p:stCondLst>
                                             <p:cond delay="0"/>
                                           </p:stCondLst>
@@ -35411,15 +34395,33 @@
                                   </p:childTnLst>
                                 </p:cTn>
                               </p:par>
+                            </p:childTnLst>
+                          </p:cTn>
+                        </p:par>
+                      </p:childTnLst>
+                    </p:cTn>
+                  </p:par>
+                  <p:par>
+                    <p:cTn id="11" fill="hold">
+                      <p:stCondLst>
+                        <p:cond delay="indefinite"/>
+                      </p:stCondLst>
+                      <p:childTnLst>
+                        <p:par>
+                          <p:cTn id="12" fill="hold">
+                            <p:stCondLst>
+                              <p:cond delay="0"/>
+                            </p:stCondLst>
+                            <p:childTnLst>
                               <p:par>
-                                <p:cTn id="9" presetID="1" presetClass="entr" presetSubtype="0" fill="hold" nodeType="withEffect">
+                                <p:cTn id="13" presetID="1" presetClass="entr" presetSubtype="0" fill="hold" nodeType="clickEffect">
                                   <p:stCondLst>
                                     <p:cond delay="0"/>
                                   </p:stCondLst>
                                   <p:childTnLst>
                                     <p:set>
                                       <p:cBhvr>
-                                        <p:cTn id="10" dur="1" fill="hold">
+                                        <p:cTn id="14" dur="1" fill="hold">
                                           <p:stCondLst>
                                             <p:cond delay="0"/>
                                           </p:stCondLst>
@@ -35442,15 +34444,33 @@
                                   </p:childTnLst>
                                 </p:cTn>
                               </p:par>
+                            </p:childTnLst>
+                          </p:cTn>
+                        </p:par>
+                      </p:childTnLst>
+                    </p:cTn>
+                  </p:par>
+                  <p:par>
+                    <p:cTn id="15" fill="hold">
+                      <p:stCondLst>
+                        <p:cond delay="indefinite"/>
+                      </p:stCondLst>
+                      <p:childTnLst>
+                        <p:par>
+                          <p:cTn id="16" fill="hold">
+                            <p:stCondLst>
+                              <p:cond delay="0"/>
+                            </p:stCondLst>
+                            <p:childTnLst>
                               <p:par>
-                                <p:cTn id="11" presetID="1" presetClass="entr" presetSubtype="0" fill="hold" nodeType="withEffect">
+                                <p:cTn id="17" presetID="1" presetClass="entr" presetSubtype="0" fill="hold" nodeType="clickEffect">
                                   <p:stCondLst>
                                     <p:cond delay="0"/>
                                   </p:stCondLst>
                                   <p:childTnLst>
                                     <p:set>
                                       <p:cBhvr>
-                                        <p:cTn id="12" dur="1" fill="hold">
+                                        <p:cTn id="18" dur="1" fill="hold">
                                           <p:stCondLst>
                                             <p:cond delay="0"/>
                                           </p:stCondLst>
@@ -35473,15 +34493,33 @@
                                   </p:childTnLst>
                                 </p:cTn>
                               </p:par>
+                            </p:childTnLst>
+                          </p:cTn>
+                        </p:par>
+                      </p:childTnLst>
+                    </p:cTn>
+                  </p:par>
+                  <p:par>
+                    <p:cTn id="19" fill="hold">
+                      <p:stCondLst>
+                        <p:cond delay="indefinite"/>
+                      </p:stCondLst>
+                      <p:childTnLst>
+                        <p:par>
+                          <p:cTn id="20" fill="hold">
+                            <p:stCondLst>
+                              <p:cond delay="0"/>
+                            </p:stCondLst>
+                            <p:childTnLst>
                               <p:par>
-                                <p:cTn id="13" presetID="1" presetClass="entr" presetSubtype="0" fill="hold" nodeType="withEffect">
+                                <p:cTn id="21" presetID="1" presetClass="entr" presetSubtype="0" fill="hold" nodeType="clickEffect">
                                   <p:stCondLst>
                                     <p:cond delay="0"/>
                                   </p:stCondLst>
                                   <p:childTnLst>
                                     <p:set>
                                       <p:cBhvr>
-                                        <p:cTn id="14" dur="1" fill="hold">
+                                        <p:cTn id="22" dur="1" fill="hold">
                                           <p:stCondLst>
                                             <p:cond delay="0"/>
                                           </p:stCondLst>
@@ -35535,7 +34573,7 @@
 </p:sld>
 </file>
 
-<file path=ppt/slides/slide32.xml><?xml version="1.0" encoding="utf-8"?>
+<file path=ppt/slides/slide31.xml><?xml version="1.0" encoding="utf-8"?>
 <p:sld xmlns:a="http://schemas.openxmlformats.org/drawingml/2006/main" xmlns:r="http://schemas.openxmlformats.org/officeDocument/2006/relationships" xmlns:p="http://schemas.openxmlformats.org/presentationml/2006/main">
   <p:cSld>
     <p:spTree>
@@ -35709,9 +34747,6 @@
                     <p:cTn id="3" fill="hold">
                       <p:stCondLst>
                         <p:cond delay="indefinite"/>
-                        <p:cond evt="onBegin" delay="0">
-                          <p:tn val="2"/>
-                        </p:cond>
                       </p:stCondLst>
                       <p:childTnLst>
                         <p:par>
@@ -35721,7 +34756,7 @@
                             </p:stCondLst>
                             <p:childTnLst>
                               <p:par>
-                                <p:cTn id="5" presetID="1" presetClass="entr" presetSubtype="0" fill="hold" nodeType="withEffect">
+                                <p:cTn id="5" presetID="1" presetClass="entr" presetSubtype="0" fill="hold" nodeType="clickEffect">
                                   <p:stCondLst>
                                     <p:cond delay="0"/>
                                   </p:stCondLst>
@@ -35751,15 +34786,33 @@
                                   </p:childTnLst>
                                 </p:cTn>
                               </p:par>
+                            </p:childTnLst>
+                          </p:cTn>
+                        </p:par>
+                      </p:childTnLst>
+                    </p:cTn>
+                  </p:par>
+                  <p:par>
+                    <p:cTn id="7" fill="hold">
+                      <p:stCondLst>
+                        <p:cond delay="indefinite"/>
+                      </p:stCondLst>
+                      <p:childTnLst>
+                        <p:par>
+                          <p:cTn id="8" fill="hold">
+                            <p:stCondLst>
+                              <p:cond delay="0"/>
+                            </p:stCondLst>
+                            <p:childTnLst>
                               <p:par>
-                                <p:cTn id="7" presetID="1" presetClass="entr" presetSubtype="0" fill="hold" nodeType="withEffect">
+                                <p:cTn id="9" presetID="1" presetClass="entr" presetSubtype="0" fill="hold" nodeType="clickEffect">
                                   <p:stCondLst>
                                     <p:cond delay="0"/>
                                   </p:stCondLst>
                                   <p:childTnLst>
                                     <p:set>
                                       <p:cBhvr>
-                                        <p:cTn id="8" dur="1" fill="hold">
+                                        <p:cTn id="10" dur="1" fill="hold">
                                           <p:stCondLst>
                                             <p:cond delay="0"/>
                                           </p:stCondLst>
@@ -35782,15 +34835,33 @@
                                   </p:childTnLst>
                                 </p:cTn>
                               </p:par>
+                            </p:childTnLst>
+                          </p:cTn>
+                        </p:par>
+                      </p:childTnLst>
+                    </p:cTn>
+                  </p:par>
+                  <p:par>
+                    <p:cTn id="11" fill="hold">
+                      <p:stCondLst>
+                        <p:cond delay="indefinite"/>
+                      </p:stCondLst>
+                      <p:childTnLst>
+                        <p:par>
+                          <p:cTn id="12" fill="hold">
+                            <p:stCondLst>
+                              <p:cond delay="0"/>
+                            </p:stCondLst>
+                            <p:childTnLst>
                               <p:par>
-                                <p:cTn id="9" presetID="1" presetClass="entr" presetSubtype="0" fill="hold" nodeType="withEffect">
+                                <p:cTn id="13" presetID="1" presetClass="entr" presetSubtype="0" fill="hold" nodeType="clickEffect">
                                   <p:stCondLst>
                                     <p:cond delay="0"/>
                                   </p:stCondLst>
                                   <p:childTnLst>
                                     <p:set>
                                       <p:cBhvr>
-                                        <p:cTn id="10" dur="1" fill="hold">
+                                        <p:cTn id="14" dur="1" fill="hold">
                                           <p:stCondLst>
                                             <p:cond delay="0"/>
                                           </p:stCondLst>
@@ -35813,15 +34884,33 @@
                                   </p:childTnLst>
                                 </p:cTn>
                               </p:par>
+                            </p:childTnLst>
+                          </p:cTn>
+                        </p:par>
+                      </p:childTnLst>
+                    </p:cTn>
+                  </p:par>
+                  <p:par>
+                    <p:cTn id="15" fill="hold">
+                      <p:stCondLst>
+                        <p:cond delay="indefinite"/>
+                      </p:stCondLst>
+                      <p:childTnLst>
+                        <p:par>
+                          <p:cTn id="16" fill="hold">
+                            <p:stCondLst>
+                              <p:cond delay="0"/>
+                            </p:stCondLst>
+                            <p:childTnLst>
                               <p:par>
-                                <p:cTn id="11" presetID="1" presetClass="entr" presetSubtype="0" fill="hold" nodeType="withEffect">
+                                <p:cTn id="17" presetID="1" presetClass="entr" presetSubtype="0" fill="hold" nodeType="clickEffect">
                                   <p:stCondLst>
                                     <p:cond delay="0"/>
                                   </p:stCondLst>
                                   <p:childTnLst>
                                     <p:set>
                                       <p:cBhvr>
-                                        <p:cTn id="12" dur="1" fill="hold">
+                                        <p:cTn id="18" dur="1" fill="hold">
                                           <p:stCondLst>
                                             <p:cond delay="0"/>
                                           </p:stCondLst>
@@ -35844,15 +34933,33 @@
                                   </p:childTnLst>
                                 </p:cTn>
                               </p:par>
+                            </p:childTnLst>
+                          </p:cTn>
+                        </p:par>
+                      </p:childTnLst>
+                    </p:cTn>
+                  </p:par>
+                  <p:par>
+                    <p:cTn id="19" fill="hold">
+                      <p:stCondLst>
+                        <p:cond delay="indefinite"/>
+                      </p:stCondLst>
+                      <p:childTnLst>
+                        <p:par>
+                          <p:cTn id="20" fill="hold">
+                            <p:stCondLst>
+                              <p:cond delay="0"/>
+                            </p:stCondLst>
+                            <p:childTnLst>
                               <p:par>
-                                <p:cTn id="13" presetID="1" presetClass="entr" presetSubtype="0" fill="hold" nodeType="withEffect">
+                                <p:cTn id="21" presetID="1" presetClass="entr" presetSubtype="0" fill="hold" nodeType="clickEffect">
                                   <p:stCondLst>
                                     <p:cond delay="0"/>
                                   </p:stCondLst>
                                   <p:childTnLst>
                                     <p:set>
                                       <p:cBhvr>
-                                        <p:cTn id="14" dur="1" fill="hold">
+                                        <p:cTn id="22" dur="1" fill="hold">
                                           <p:stCondLst>
                                             <p:cond delay="0"/>
                                           </p:stCondLst>
@@ -35906,7 +35013,7 @@
 </p:sld>
 </file>
 
-<file path=ppt/slides/slide33.xml><?xml version="1.0" encoding="utf-8"?>
+<file path=ppt/slides/slide32.xml><?xml version="1.0" encoding="utf-8"?>
 <p:sld xmlns:a="http://schemas.openxmlformats.org/drawingml/2006/main" xmlns:r="http://schemas.openxmlformats.org/officeDocument/2006/relationships" xmlns:p="http://schemas.openxmlformats.org/presentationml/2006/main">
   <p:cSld>
     <p:spTree>
@@ -36760,7 +35867,7 @@
 </p:sld>
 </file>
 
-<file path=ppt/slides/slide34.xml><?xml version="1.0" encoding="utf-8"?>
+<file path=ppt/slides/slide33.xml><?xml version="1.0" encoding="utf-8"?>
 <p:sld xmlns:a="http://schemas.openxmlformats.org/drawingml/2006/main" xmlns:r="http://schemas.openxmlformats.org/officeDocument/2006/relationships" xmlns:p="http://schemas.openxmlformats.org/presentationml/2006/main">
   <p:cSld>
     <p:spTree>
@@ -36801,7 +35908,7 @@
         </p:spPr>
         <p:txBody>
           <a:bodyPr>
-            <a:normAutofit lnSpcReduction="10000"/>
+            <a:normAutofit fontScale="92500"/>
           </a:bodyPr>
           <a:lstStyle/>
           <a:p>
@@ -36887,6 +35994,13 @@
             <a:r>
               <a:rPr lang="en-US" b="1" dirty="0"/>
               <a:t>performed in main memory</a:t>
+            </a:r>
+          </a:p>
+          <a:p>
+            <a:pPr lvl="1"/>
+            <a:r>
+              <a:rPr lang="en-US" dirty="0"/>
+              <a:t>Look along entire graph to find values to keep in main memory</a:t>
             </a:r>
           </a:p>
           <a:p>
@@ -37418,7 +36532,56 @@
                                         <p:tgtEl>
                                           <p:spTgt spid="3">
                                             <p:txEl>
-                                              <p:pRg st="9" end="9"/>
+                                              <p:pRg st="8" end="8"/>
+                                            </p:txEl>
+                                          </p:spTgt>
+                                        </p:tgtEl>
+                                        <p:attrNameLst>
+                                          <p:attrName>style.visibility</p:attrName>
+                                        </p:attrNameLst>
+                                      </p:cBhvr>
+                                      <p:to>
+                                        <p:strVal val="visible"/>
+                                      </p:to>
+                                    </p:set>
+                                  </p:childTnLst>
+                                </p:cTn>
+                              </p:par>
+                            </p:childTnLst>
+                          </p:cTn>
+                        </p:par>
+                      </p:childTnLst>
+                    </p:cTn>
+                  </p:par>
+                  <p:par>
+                    <p:cTn id="39" fill="hold">
+                      <p:stCondLst>
+                        <p:cond delay="indefinite"/>
+                      </p:stCondLst>
+                      <p:childTnLst>
+                        <p:par>
+                          <p:cTn id="40" fill="hold">
+                            <p:stCondLst>
+                              <p:cond delay="0"/>
+                            </p:stCondLst>
+                            <p:childTnLst>
+                              <p:par>
+                                <p:cTn id="41" presetID="1" presetClass="entr" presetSubtype="0" fill="hold" grpId="0" nodeType="clickEffect">
+                                  <p:stCondLst>
+                                    <p:cond delay="0"/>
+                                  </p:stCondLst>
+                                  <p:childTnLst>
+                                    <p:set>
+                                      <p:cBhvr>
+                                        <p:cTn id="42" dur="1" fill="hold">
+                                          <p:stCondLst>
+                                            <p:cond delay="0"/>
+                                          </p:stCondLst>
+                                        </p:cTn>
+                                        <p:tgtEl>
+                                          <p:spTgt spid="3">
+                                            <p:txEl>
+                                              <p:pRg st="10" end="10"/>
                                             </p:txEl>
                                           </p:spTgt>
                                         </p:tgtEl>
@@ -37467,7 +36630,7 @@
 </p:sld>
 </file>
 
-<file path=ppt/slides/slide35.xml><?xml version="1.0" encoding="utf-8"?>
+<file path=ppt/slides/slide34.xml><?xml version="1.0" encoding="utf-8"?>
 <p:sld xmlns:a="http://schemas.openxmlformats.org/drawingml/2006/main" xmlns:r="http://schemas.openxmlformats.org/officeDocument/2006/relationships" xmlns:p="http://schemas.openxmlformats.org/presentationml/2006/main">
   <p:cSld>
     <p:spTree>
@@ -38934,7 +38097,7 @@
 </p:sld>
 </file>
 
-<file path=ppt/slides/slide36.xml><?xml version="1.0" encoding="utf-8"?>
+<file path=ppt/slides/slide35.xml><?xml version="1.0" encoding="utf-8"?>
 <p:sld xmlns:a="http://schemas.openxmlformats.org/drawingml/2006/main" xmlns:r="http://schemas.openxmlformats.org/officeDocument/2006/relationships" xmlns:p="http://schemas.openxmlformats.org/presentationml/2006/main">
   <p:cSld>
     <p:spTree>
@@ -39019,7 +38182,7 @@
           <a:p>
             <a:r>
               <a:rPr lang="en-US" dirty="0"/>
-              <a:t>Each RDD across a cluster is </a:t>
+              <a:t>Each RDD is </a:t>
             </a:r>
             <a:r>
               <a:rPr lang="en-US" b="1" dirty="0"/>
@@ -39573,7 +38736,7 @@
 </p:sld>
 </file>
 
-<file path=ppt/slides/slide37.xml><?xml version="1.0" encoding="utf-8"?>
+<file path=ppt/slides/slide36.xml><?xml version="1.0" encoding="utf-8"?>
 <p:sld xmlns:a="http://schemas.openxmlformats.org/drawingml/2006/main" xmlns:r="http://schemas.openxmlformats.org/officeDocument/2006/relationships" xmlns:p="http://schemas.openxmlformats.org/presentationml/2006/main">
   <p:cSld>
     <p:spTree>
@@ -39878,15 +39041,33 @@
                                   </p:childTnLst>
                                 </p:cTn>
                               </p:par>
+                            </p:childTnLst>
+                          </p:cTn>
+                        </p:par>
+                      </p:childTnLst>
+                    </p:cTn>
+                  </p:par>
+                  <p:par>
+                    <p:cTn id="11" fill="hold">
+                      <p:stCondLst>
+                        <p:cond delay="indefinite"/>
+                      </p:stCondLst>
+                      <p:childTnLst>
+                        <p:par>
+                          <p:cTn id="12" fill="hold">
+                            <p:stCondLst>
+                              <p:cond delay="0"/>
+                            </p:stCondLst>
+                            <p:childTnLst>
                               <p:par>
-                                <p:cTn id="11" presetID="1" presetClass="entr" presetSubtype="0" fill="hold" nodeType="withEffect">
+                                <p:cTn id="13" presetID="1" presetClass="entr" presetSubtype="0" fill="hold" nodeType="clickEffect">
                                   <p:stCondLst>
                                     <p:cond delay="0"/>
                                   </p:stCondLst>
                                   <p:childTnLst>
                                     <p:set>
                                       <p:cBhvr>
-                                        <p:cTn id="12" dur="1" fill="hold">
+                                        <p:cTn id="14" dur="1" fill="hold">
                                           <p:stCondLst>
                                             <p:cond delay="0"/>
                                           </p:stCondLst>
@@ -39909,15 +39090,33 @@
                                   </p:childTnLst>
                                 </p:cTn>
                               </p:par>
+                            </p:childTnLst>
+                          </p:cTn>
+                        </p:par>
+                      </p:childTnLst>
+                    </p:cTn>
+                  </p:par>
+                  <p:par>
+                    <p:cTn id="15" fill="hold">
+                      <p:stCondLst>
+                        <p:cond delay="indefinite"/>
+                      </p:stCondLst>
+                      <p:childTnLst>
+                        <p:par>
+                          <p:cTn id="16" fill="hold">
+                            <p:stCondLst>
+                              <p:cond delay="0"/>
+                            </p:stCondLst>
+                            <p:childTnLst>
                               <p:par>
-                                <p:cTn id="13" presetID="1" presetClass="entr" presetSubtype="0" fill="hold" nodeType="withEffect">
+                                <p:cTn id="17" presetID="1" presetClass="entr" presetSubtype="0" fill="hold" nodeType="clickEffect">
                                   <p:stCondLst>
                                     <p:cond delay="0"/>
                                   </p:stCondLst>
                                   <p:childTnLst>
                                     <p:set>
                                       <p:cBhvr>
-                                        <p:cTn id="14" dur="1" fill="hold">
+                                        <p:cTn id="18" dur="1" fill="hold">
                                           <p:stCondLst>
                                             <p:cond delay="0"/>
                                           </p:stCondLst>
@@ -39940,15 +39139,33 @@
                                   </p:childTnLst>
                                 </p:cTn>
                               </p:par>
+                            </p:childTnLst>
+                          </p:cTn>
+                        </p:par>
+                      </p:childTnLst>
+                    </p:cTn>
+                  </p:par>
+                  <p:par>
+                    <p:cTn id="19" fill="hold">
+                      <p:stCondLst>
+                        <p:cond delay="indefinite"/>
+                      </p:stCondLst>
+                      <p:childTnLst>
+                        <p:par>
+                          <p:cTn id="20" fill="hold">
+                            <p:stCondLst>
+                              <p:cond delay="0"/>
+                            </p:stCondLst>
+                            <p:childTnLst>
                               <p:par>
-                                <p:cTn id="15" presetID="1" presetClass="entr" presetSubtype="0" fill="hold" nodeType="withEffect">
+                                <p:cTn id="21" presetID="1" presetClass="entr" presetSubtype="0" fill="hold" nodeType="clickEffect">
                                   <p:stCondLst>
                                     <p:cond delay="0"/>
                                   </p:stCondLst>
                                   <p:childTnLst>
                                     <p:set>
                                       <p:cBhvr>
-                                        <p:cTn id="16" dur="1" fill="hold">
+                                        <p:cTn id="22" dur="1" fill="hold">
                                           <p:stCondLst>
                                             <p:cond delay="0"/>
                                           </p:stCondLst>
@@ -39971,15 +39188,33 @@
                                   </p:childTnLst>
                                 </p:cTn>
                               </p:par>
+                            </p:childTnLst>
+                          </p:cTn>
+                        </p:par>
+                      </p:childTnLst>
+                    </p:cTn>
+                  </p:par>
+                  <p:par>
+                    <p:cTn id="23" fill="hold">
+                      <p:stCondLst>
+                        <p:cond delay="indefinite"/>
+                      </p:stCondLst>
+                      <p:childTnLst>
+                        <p:par>
+                          <p:cTn id="24" fill="hold">
+                            <p:stCondLst>
+                              <p:cond delay="0"/>
+                            </p:stCondLst>
+                            <p:childTnLst>
                               <p:par>
-                                <p:cTn id="17" presetID="1" presetClass="entr" presetSubtype="0" fill="hold" nodeType="withEffect">
+                                <p:cTn id="25" presetID="1" presetClass="entr" presetSubtype="0" fill="hold" nodeType="clickEffect">
                                   <p:stCondLst>
                                     <p:cond delay="0"/>
                                   </p:stCondLst>
                                   <p:childTnLst>
                                     <p:set>
                                       <p:cBhvr>
-                                        <p:cTn id="18" dur="1" fill="hold">
+                                        <p:cTn id="26" dur="1" fill="hold">
                                           <p:stCondLst>
                                             <p:cond delay="0"/>
                                           </p:stCondLst>
@@ -40002,15 +39237,33 @@
                                   </p:childTnLst>
                                 </p:cTn>
                               </p:par>
+                            </p:childTnLst>
+                          </p:cTn>
+                        </p:par>
+                      </p:childTnLst>
+                    </p:cTn>
+                  </p:par>
+                  <p:par>
+                    <p:cTn id="27" fill="hold">
+                      <p:stCondLst>
+                        <p:cond delay="indefinite"/>
+                      </p:stCondLst>
+                      <p:childTnLst>
+                        <p:par>
+                          <p:cTn id="28" fill="hold">
+                            <p:stCondLst>
+                              <p:cond delay="0"/>
+                            </p:stCondLst>
+                            <p:childTnLst>
                               <p:par>
-                                <p:cTn id="19" presetID="1" presetClass="entr" presetSubtype="0" fill="hold" nodeType="withEffect">
+                                <p:cTn id="29" presetID="1" presetClass="entr" presetSubtype="0" fill="hold" nodeType="clickEffect">
                                   <p:stCondLst>
                                     <p:cond delay="0"/>
                                   </p:stCondLst>
                                   <p:childTnLst>
                                     <p:set>
                                       <p:cBhvr>
-                                        <p:cTn id="20" dur="1" fill="hold">
+                                        <p:cTn id="30" dur="1" fill="hold">
                                           <p:stCondLst>
                                             <p:cond delay="0"/>
                                           </p:stCondLst>
@@ -40033,15 +39286,33 @@
                                   </p:childTnLst>
                                 </p:cTn>
                               </p:par>
+                            </p:childTnLst>
+                          </p:cTn>
+                        </p:par>
+                      </p:childTnLst>
+                    </p:cTn>
+                  </p:par>
+                  <p:par>
+                    <p:cTn id="31" fill="hold">
+                      <p:stCondLst>
+                        <p:cond delay="indefinite"/>
+                      </p:stCondLst>
+                      <p:childTnLst>
+                        <p:par>
+                          <p:cTn id="32" fill="hold">
+                            <p:stCondLst>
+                              <p:cond delay="0"/>
+                            </p:stCondLst>
+                            <p:childTnLst>
                               <p:par>
-                                <p:cTn id="21" presetID="1" presetClass="entr" presetSubtype="0" fill="hold" nodeType="withEffect">
+                                <p:cTn id="33" presetID="1" presetClass="entr" presetSubtype="0" fill="hold" nodeType="clickEffect">
                                   <p:stCondLst>
                                     <p:cond delay="0"/>
                                   </p:stCondLst>
                                   <p:childTnLst>
                                     <p:set>
                                       <p:cBhvr>
-                                        <p:cTn id="22" dur="1" fill="hold">
+                                        <p:cTn id="34" dur="1" fill="hold">
                                           <p:stCondLst>
                                             <p:cond delay="0"/>
                                           </p:stCondLst>
@@ -40064,15 +39335,33 @@
                                   </p:childTnLst>
                                 </p:cTn>
                               </p:par>
+                            </p:childTnLst>
+                          </p:cTn>
+                        </p:par>
+                      </p:childTnLst>
+                    </p:cTn>
+                  </p:par>
+                  <p:par>
+                    <p:cTn id="35" fill="hold">
+                      <p:stCondLst>
+                        <p:cond delay="indefinite"/>
+                      </p:stCondLst>
+                      <p:childTnLst>
+                        <p:par>
+                          <p:cTn id="36" fill="hold">
+                            <p:stCondLst>
+                              <p:cond delay="0"/>
+                            </p:stCondLst>
+                            <p:childTnLst>
                               <p:par>
-                                <p:cTn id="23" presetID="1" presetClass="entr" presetSubtype="0" fill="hold" nodeType="withEffect">
+                                <p:cTn id="37" presetID="1" presetClass="entr" presetSubtype="0" fill="hold" nodeType="clickEffect">
                                   <p:stCondLst>
                                     <p:cond delay="0"/>
                                   </p:stCondLst>
                                   <p:childTnLst>
                                     <p:set>
                                       <p:cBhvr>
-                                        <p:cTn id="24" dur="1" fill="hold">
+                                        <p:cTn id="38" dur="1" fill="hold">
                                           <p:stCondLst>
                                             <p:cond delay="0"/>
                                           </p:stCondLst>
@@ -40095,15 +39384,33 @@
                                   </p:childTnLst>
                                 </p:cTn>
                               </p:par>
+                            </p:childTnLst>
+                          </p:cTn>
+                        </p:par>
+                      </p:childTnLst>
+                    </p:cTn>
+                  </p:par>
+                  <p:par>
+                    <p:cTn id="39" fill="hold">
+                      <p:stCondLst>
+                        <p:cond delay="indefinite"/>
+                      </p:stCondLst>
+                      <p:childTnLst>
+                        <p:par>
+                          <p:cTn id="40" fill="hold">
+                            <p:stCondLst>
+                              <p:cond delay="0"/>
+                            </p:stCondLst>
+                            <p:childTnLst>
                               <p:par>
-                                <p:cTn id="25" presetID="1" presetClass="entr" presetSubtype="0" fill="hold" nodeType="withEffect">
+                                <p:cTn id="41" presetID="1" presetClass="entr" presetSubtype="0" fill="hold" nodeType="clickEffect">
                                   <p:stCondLst>
                                     <p:cond delay="0"/>
                                   </p:stCondLst>
                                   <p:childTnLst>
                                     <p:set>
                                       <p:cBhvr>
-                                        <p:cTn id="26" dur="1" fill="hold">
+                                        <p:cTn id="42" dur="1" fill="hold">
                                           <p:stCondLst>
                                             <p:cond delay="0"/>
                                           </p:stCondLst>
@@ -40126,15 +39433,33 @@
                                   </p:childTnLst>
                                 </p:cTn>
                               </p:par>
+                            </p:childTnLst>
+                          </p:cTn>
+                        </p:par>
+                      </p:childTnLst>
+                    </p:cTn>
+                  </p:par>
+                  <p:par>
+                    <p:cTn id="43" fill="hold">
+                      <p:stCondLst>
+                        <p:cond delay="indefinite"/>
+                      </p:stCondLst>
+                      <p:childTnLst>
+                        <p:par>
+                          <p:cTn id="44" fill="hold">
+                            <p:stCondLst>
+                              <p:cond delay="0"/>
+                            </p:stCondLst>
+                            <p:childTnLst>
                               <p:par>
-                                <p:cTn id="27" presetID="1" presetClass="entr" presetSubtype="0" fill="hold" nodeType="withEffect">
+                                <p:cTn id="45" presetID="1" presetClass="entr" presetSubtype="0" fill="hold" nodeType="clickEffect">
                                   <p:stCondLst>
                                     <p:cond delay="0"/>
                                   </p:stCondLst>
                                   <p:childTnLst>
                                     <p:set>
                                       <p:cBhvr>
-                                        <p:cTn id="28" dur="1" fill="hold">
+                                        <p:cTn id="46" dur="1" fill="hold">
                                           <p:stCondLst>
                                             <p:cond delay="0"/>
                                           </p:stCondLst>
@@ -40259,7 +39584,7 @@
             <a:pPr lvl="1"/>
             <a:r>
               <a:rPr lang="en-US" dirty="0"/>
-              <a:t>1980 - $1000 per MB, 10 MHz bus speed</a:t>
+              <a:t>1980s - $1000 per MB, 10 MHz bus speed</a:t>
             </a:r>
           </a:p>
           <a:p>
@@ -40793,7 +40118,7 @@
             <a:pPr lvl="1"/>
             <a:r>
               <a:rPr lang="en-US" dirty="0"/>
-              <a:t>1980 - $100 per MB, average 20 </a:t>
+              <a:t>1980s - $100 per MB, average 20 </a:t>
             </a:r>
             <a:r>
               <a:rPr lang="en-US" dirty="0" err="1"/>
@@ -40842,7 +40167,11 @@
             <a:pPr lvl="1"/>
             <a:r>
               <a:rPr lang="en-US" dirty="0"/>
-              <a:t>Large scale analytic algorithms need to limit </a:t>
+              <a:t>Large scale analytic algorithms need to </a:t>
+            </a:r>
+            <a:r>
+              <a:rPr lang="en-US" b="1" dirty="0"/>
+              <a:t>limit disk access</a:t>
             </a:r>
           </a:p>
           <a:p>
@@ -41415,7 +40744,7 @@
             <a:pPr lvl="1"/>
             <a:r>
               <a:rPr lang="en-US" dirty="0"/>
-              <a:t>1980 – 10 </a:t>
+              <a:t>1980s – 10 </a:t>
             </a:r>
             <a:r>
               <a:rPr lang="en-US" dirty="0" err="1"/>
@@ -42736,12 +42065,12 @@
         <p:spPr>
           <a:xfrm>
             <a:off x="784412" y="1324928"/>
-            <a:ext cx="10515600" cy="4958516"/>
+            <a:ext cx="10515600" cy="5379042"/>
           </a:xfrm>
         </p:spPr>
         <p:txBody>
           <a:bodyPr>
-            <a:normAutofit lnSpcReduction="10000"/>
+            <a:normAutofit fontScale="92500" lnSpcReduction="10000"/>
           </a:bodyPr>
           <a:lstStyle/>
           <a:p>
@@ -42849,17 +42178,40 @@
             <a:pPr lvl="1"/>
             <a:r>
               <a:rPr lang="en-US" dirty="0"/>
-              <a:t>Spark is a widely used and flexible workflow platform (</a:t>
+              <a:t>Theano platform (</a:t>
             </a:r>
             <a:r>
               <a:rPr lang="en-US" dirty="0" err="1">
                 <a:hlinkClick r:id="rId5"/>
               </a:rPr>
+              <a:t>Bergstra</a:t>
+            </a:r>
+            <a:r>
+              <a:rPr lang="en-US" dirty="0">
+                <a:hlinkClick r:id="rId5"/>
+              </a:rPr>
+              <a:t> et.al. 2010</a:t>
+            </a:r>
+            <a:r>
+              <a:rPr lang="en-US" dirty="0"/>
+              <a:t>) first released 2006 </a:t>
+            </a:r>
+          </a:p>
+          <a:p>
+            <a:pPr lvl="1"/>
+            <a:r>
+              <a:rPr lang="en-US" dirty="0"/>
+              <a:t>Spark is a widely used and flexible workflow platform (</a:t>
+            </a:r>
+            <a:r>
+              <a:rPr lang="en-US" dirty="0" err="1">
+                <a:hlinkClick r:id="rId6"/>
+              </a:rPr>
               <a:t>Zaharia</a:t>
             </a:r>
             <a:r>
               <a:rPr lang="en-US" dirty="0">
-                <a:hlinkClick r:id="rId5"/>
+                <a:hlinkClick r:id="rId6"/>
               </a:rPr>
               <a:t>, et.al. 2010</a:t>
             </a:r>
@@ -42876,7 +42228,7 @@
             </a:r>
             <a:r>
               <a:rPr lang="en-US" dirty="0">
-                <a:hlinkClick r:id="rId6"/>
+                <a:hlinkClick r:id="rId7"/>
               </a:rPr>
               <a:t>Abadi, et al. 2016</a:t>
             </a:r>
@@ -43490,6 +42842,55 @@
                                           <p:spTgt spid="3">
                                             <p:txEl>
                                               <p:pRg st="10" end="10"/>
+                                            </p:txEl>
+                                          </p:spTgt>
+                                        </p:tgtEl>
+                                        <p:attrNameLst>
+                                          <p:attrName>style.visibility</p:attrName>
+                                        </p:attrNameLst>
+                                      </p:cBhvr>
+                                      <p:to>
+                                        <p:strVal val="visible"/>
+                                      </p:to>
+                                    </p:set>
+                                  </p:childTnLst>
+                                </p:cTn>
+                              </p:par>
+                            </p:childTnLst>
+                          </p:cTn>
+                        </p:par>
+                      </p:childTnLst>
+                    </p:cTn>
+                  </p:par>
+                  <p:par>
+                    <p:cTn id="47" fill="hold">
+                      <p:stCondLst>
+                        <p:cond delay="indefinite"/>
+                      </p:stCondLst>
+                      <p:childTnLst>
+                        <p:par>
+                          <p:cTn id="48" fill="hold">
+                            <p:stCondLst>
+                              <p:cond delay="0"/>
+                            </p:stCondLst>
+                            <p:childTnLst>
+                              <p:par>
+                                <p:cTn id="49" presetID="1" presetClass="entr" presetSubtype="0" fill="hold" nodeType="clickEffect">
+                                  <p:stCondLst>
+                                    <p:cond delay="0"/>
+                                  </p:stCondLst>
+                                  <p:childTnLst>
+                                    <p:set>
+                                      <p:cBhvr>
+                                        <p:cTn id="50" dur="1" fill="hold">
+                                          <p:stCondLst>
+                                            <p:cond delay="0"/>
+                                          </p:stCondLst>
+                                        </p:cTn>
+                                        <p:tgtEl>
+                                          <p:spTgt spid="3">
+                                            <p:txEl>
+                                              <p:pRg st="11" end="11"/>
                                             </p:txEl>
                                           </p:spTgt>
                                         </p:tgtEl>

--- a/slides/2_BigDataComputing.pptx
+++ b/slides/2_BigDataComputing.pptx
@@ -242,7 +242,7 @@
           <a:p>
             <a:fld id="{2F3ABF1A-8818-4472-8518-E71DC7B5D2F7}" type="datetimeFigureOut">
               <a:rPr lang="en-US" smtClean="0"/>
-              <a:t>6/21/2023</a:t>
+              <a:t>6/25/2023</a:t>
             </a:fld>
             <a:endParaRPr lang="en-US"/>
           </a:p>
@@ -827,7 +827,7 @@
           <a:p>
             <a:fld id="{6E4A31BF-7266-4BEB-918B-ADC21C630A6F}" type="datetimeFigureOut">
               <a:rPr lang="en-US" smtClean="0"/>
-              <a:t>6/21/2023</a:t>
+              <a:t>6/25/2023</a:t>
             </a:fld>
             <a:endParaRPr lang="en-US"/>
           </a:p>
@@ -1025,7 +1025,7 @@
           <a:p>
             <a:fld id="{6E4A31BF-7266-4BEB-918B-ADC21C630A6F}" type="datetimeFigureOut">
               <a:rPr lang="en-US" smtClean="0"/>
-              <a:t>6/21/2023</a:t>
+              <a:t>6/25/2023</a:t>
             </a:fld>
             <a:endParaRPr lang="en-US"/>
           </a:p>
@@ -1233,7 +1233,7 @@
           <a:p>
             <a:fld id="{6E4A31BF-7266-4BEB-918B-ADC21C630A6F}" type="datetimeFigureOut">
               <a:rPr lang="en-US" smtClean="0"/>
-              <a:t>6/21/2023</a:t>
+              <a:t>6/25/2023</a:t>
             </a:fld>
             <a:endParaRPr lang="en-US"/>
           </a:p>
@@ -1431,7 +1431,7 @@
           <a:p>
             <a:fld id="{6E4A31BF-7266-4BEB-918B-ADC21C630A6F}" type="datetimeFigureOut">
               <a:rPr lang="en-US" smtClean="0"/>
-              <a:t>6/21/2023</a:t>
+              <a:t>6/25/2023</a:t>
             </a:fld>
             <a:endParaRPr lang="en-US"/>
           </a:p>
@@ -1706,7 +1706,7 @@
           <a:p>
             <a:fld id="{6E4A31BF-7266-4BEB-918B-ADC21C630A6F}" type="datetimeFigureOut">
               <a:rPr lang="en-US" smtClean="0"/>
-              <a:t>6/21/2023</a:t>
+              <a:t>6/25/2023</a:t>
             </a:fld>
             <a:endParaRPr lang="en-US"/>
           </a:p>
@@ -1971,7 +1971,7 @@
           <a:p>
             <a:fld id="{6E4A31BF-7266-4BEB-918B-ADC21C630A6F}" type="datetimeFigureOut">
               <a:rPr lang="en-US" smtClean="0"/>
-              <a:t>6/21/2023</a:t>
+              <a:t>6/25/2023</a:t>
             </a:fld>
             <a:endParaRPr lang="en-US"/>
           </a:p>
@@ -2383,7 +2383,7 @@
           <a:p>
             <a:fld id="{6E4A31BF-7266-4BEB-918B-ADC21C630A6F}" type="datetimeFigureOut">
               <a:rPr lang="en-US" smtClean="0"/>
-              <a:t>6/21/2023</a:t>
+              <a:t>6/25/2023</a:t>
             </a:fld>
             <a:endParaRPr lang="en-US"/>
           </a:p>
@@ -2524,7 +2524,7 @@
           <a:p>
             <a:fld id="{6E4A31BF-7266-4BEB-918B-ADC21C630A6F}" type="datetimeFigureOut">
               <a:rPr lang="en-US" smtClean="0"/>
-              <a:t>6/21/2023</a:t>
+              <a:t>6/25/2023</a:t>
             </a:fld>
             <a:endParaRPr lang="en-US"/>
           </a:p>
@@ -2637,7 +2637,7 @@
           <a:p>
             <a:fld id="{6E4A31BF-7266-4BEB-918B-ADC21C630A6F}" type="datetimeFigureOut">
               <a:rPr lang="en-US" smtClean="0"/>
-              <a:t>6/21/2023</a:t>
+              <a:t>6/25/2023</a:t>
             </a:fld>
             <a:endParaRPr lang="en-US"/>
           </a:p>
@@ -2948,7 +2948,7 @@
           <a:p>
             <a:fld id="{6E4A31BF-7266-4BEB-918B-ADC21C630A6F}" type="datetimeFigureOut">
               <a:rPr lang="en-US" smtClean="0"/>
-              <a:t>6/21/2023</a:t>
+              <a:t>6/25/2023</a:t>
             </a:fld>
             <a:endParaRPr lang="en-US"/>
           </a:p>
@@ -3236,7 +3236,7 @@
           <a:p>
             <a:fld id="{6E4A31BF-7266-4BEB-918B-ADC21C630A6F}" type="datetimeFigureOut">
               <a:rPr lang="en-US" smtClean="0"/>
-              <a:t>6/21/2023</a:t>
+              <a:t>6/25/2023</a:t>
             </a:fld>
             <a:endParaRPr lang="en-US"/>
           </a:p>
@@ -3477,7 +3477,7 @@
           <a:p>
             <a:fld id="{6E4A31BF-7266-4BEB-918B-ADC21C630A6F}" type="datetimeFigureOut">
               <a:rPr lang="en-US" smtClean="0"/>
-              <a:t>6/21/2023</a:t>
+              <a:t>6/25/2023</a:t>
             </a:fld>
             <a:endParaRPr lang="en-US"/>
           </a:p>
@@ -12950,8 +12950,8 @@
           <a:chExt cx="0" cy="0"/>
         </a:xfrm>
       </p:grpSpPr>
-      <mc:AlternateContent xmlns:mc="http://schemas.openxmlformats.org/markup-compatibility/2006" xmlns:a14="http://schemas.microsoft.com/office/drawing/2010/main">
-        <mc:Choice Requires="a14">
+      <mc:AlternateContent xmlns:mc="http://schemas.openxmlformats.org/markup-compatibility/2006">
+        <mc:Choice xmlns:a14="http://schemas.microsoft.com/office/drawing/2010/main" Requires="a14">
           <p:sp>
             <p:nvSpPr>
               <p:cNvPr id="3" name="Content Placeholder 2">
@@ -13115,7 +13115,7 @@
                           <a:rPr lang="en-US" b="0" i="1" smtClean="0">
                             <a:latin typeface="Cambria Math" panose="02040503050406030204" pitchFamily="18" charset="0"/>
                           </a:rPr>
-                          <m:t>𝑆</m:t>
+                          <m:t>𝑅</m:t>
                         </m:r>
                         <m:r>
                           <a:rPr lang="en-US" b="0" i="1" smtClean="0">
@@ -13162,7 +13162,7 @@
                           <a:rPr lang="en-US" b="0" i="0" smtClean="0">
                             <a:latin typeface="Cambria Math" panose="02040503050406030204" pitchFamily="18" charset="0"/>
                           </a:rPr>
-                          <m:t>R</m:t>
+                          <m:t>S</m:t>
                         </m:r>
                         <m:r>
                           <a:rPr lang="en-US" b="0" i="0" smtClean="0">
@@ -13538,7 +13538,7 @@
             </p:txBody>
           </p:sp>
         </mc:Choice>
-        <mc:Fallback xmlns="">
+        <mc:Fallback>
           <p:sp>
             <p:nvSpPr>
               <p:cNvPr id="3" name="Content Placeholder 2">
@@ -13648,449 +13648,6 @@
   <p:clrMapOvr>
     <a:masterClrMapping/>
   </p:clrMapOvr>
-  <p:timing>
-    <p:tnLst>
-      <p:par>
-        <p:cTn id="1" dur="indefinite" restart="never" nodeType="tmRoot">
-          <p:childTnLst>
-            <p:seq concurrent="1" nextAc="seek">
-              <p:cTn id="2" dur="indefinite" nodeType="mainSeq">
-                <p:childTnLst>
-                  <p:par>
-                    <p:cTn id="3" fill="hold">
-                      <p:stCondLst>
-                        <p:cond delay="indefinite"/>
-                      </p:stCondLst>
-                      <p:childTnLst>
-                        <p:par>
-                          <p:cTn id="4" fill="hold">
-                            <p:stCondLst>
-                              <p:cond delay="0"/>
-                            </p:stCondLst>
-                            <p:childTnLst>
-                              <p:par>
-                                <p:cTn id="5" presetID="1" presetClass="entr" presetSubtype="0" fill="hold" nodeType="clickEffect">
-                                  <p:stCondLst>
-                                    <p:cond delay="0"/>
-                                  </p:stCondLst>
-                                  <p:childTnLst>
-                                    <p:set>
-                                      <p:cBhvr>
-                                        <p:cTn id="6" dur="1" fill="hold">
-                                          <p:stCondLst>
-                                            <p:cond delay="0"/>
-                                          </p:stCondLst>
-                                        </p:cTn>
-                                        <p:tgtEl>
-                                          <p:spTgt spid="3">
-                                            <p:txEl>
-                                              <p:pRg st="1" end="1"/>
-                                            </p:txEl>
-                                          </p:spTgt>
-                                        </p:tgtEl>
-                                        <p:attrNameLst>
-                                          <p:attrName>style.visibility</p:attrName>
-                                        </p:attrNameLst>
-                                      </p:cBhvr>
-                                      <p:to>
-                                        <p:strVal val="visible"/>
-                                      </p:to>
-                                    </p:set>
-                                  </p:childTnLst>
-                                </p:cTn>
-                              </p:par>
-                            </p:childTnLst>
-                          </p:cTn>
-                        </p:par>
-                      </p:childTnLst>
-                    </p:cTn>
-                  </p:par>
-                  <p:par>
-                    <p:cTn id="7" fill="hold">
-                      <p:stCondLst>
-                        <p:cond delay="indefinite"/>
-                      </p:stCondLst>
-                      <p:childTnLst>
-                        <p:par>
-                          <p:cTn id="8" fill="hold">
-                            <p:stCondLst>
-                              <p:cond delay="0"/>
-                            </p:stCondLst>
-                            <p:childTnLst>
-                              <p:par>
-                                <p:cTn id="9" presetID="1" presetClass="entr" presetSubtype="0" fill="hold" nodeType="clickEffect">
-                                  <p:stCondLst>
-                                    <p:cond delay="0"/>
-                                  </p:stCondLst>
-                                  <p:childTnLst>
-                                    <p:set>
-                                      <p:cBhvr>
-                                        <p:cTn id="10" dur="1" fill="hold">
-                                          <p:stCondLst>
-                                            <p:cond delay="0"/>
-                                          </p:stCondLst>
-                                        </p:cTn>
-                                        <p:tgtEl>
-                                          <p:spTgt spid="3">
-                                            <p:txEl>
-                                              <p:pRg st="2" end="2"/>
-                                            </p:txEl>
-                                          </p:spTgt>
-                                        </p:tgtEl>
-                                        <p:attrNameLst>
-                                          <p:attrName>style.visibility</p:attrName>
-                                        </p:attrNameLst>
-                                      </p:cBhvr>
-                                      <p:to>
-                                        <p:strVal val="visible"/>
-                                      </p:to>
-                                    </p:set>
-                                  </p:childTnLst>
-                                </p:cTn>
-                              </p:par>
-                              <p:par>
-                                <p:cTn id="11" presetID="1" presetClass="entr" presetSubtype="0" fill="hold" nodeType="withEffect">
-                                  <p:stCondLst>
-                                    <p:cond delay="0"/>
-                                  </p:stCondLst>
-                                  <p:childTnLst>
-                                    <p:set>
-                                      <p:cBhvr>
-                                        <p:cTn id="12" dur="1" fill="hold">
-                                          <p:stCondLst>
-                                            <p:cond delay="0"/>
-                                          </p:stCondLst>
-                                        </p:cTn>
-                                        <p:tgtEl>
-                                          <p:spTgt spid="3">
-                                            <p:txEl>
-                                              <p:pRg st="3" end="3"/>
-                                            </p:txEl>
-                                          </p:spTgt>
-                                        </p:tgtEl>
-                                        <p:attrNameLst>
-                                          <p:attrName>style.visibility</p:attrName>
-                                        </p:attrNameLst>
-                                      </p:cBhvr>
-                                      <p:to>
-                                        <p:strVal val="visible"/>
-                                      </p:to>
-                                    </p:set>
-                                  </p:childTnLst>
-                                </p:cTn>
-                              </p:par>
-                              <p:par>
-                                <p:cTn id="13" presetID="1" presetClass="entr" presetSubtype="0" fill="hold" nodeType="withEffect">
-                                  <p:stCondLst>
-                                    <p:cond delay="0"/>
-                                  </p:stCondLst>
-                                  <p:childTnLst>
-                                    <p:set>
-                                      <p:cBhvr>
-                                        <p:cTn id="14" dur="1" fill="hold">
-                                          <p:stCondLst>
-                                            <p:cond delay="0"/>
-                                          </p:stCondLst>
-                                        </p:cTn>
-                                        <p:tgtEl>
-                                          <p:spTgt spid="3">
-                                            <p:txEl>
-                                              <p:pRg st="4" end="4"/>
-                                            </p:txEl>
-                                          </p:spTgt>
-                                        </p:tgtEl>
-                                        <p:attrNameLst>
-                                          <p:attrName>style.visibility</p:attrName>
-                                        </p:attrNameLst>
-                                      </p:cBhvr>
-                                      <p:to>
-                                        <p:strVal val="visible"/>
-                                      </p:to>
-                                    </p:set>
-                                  </p:childTnLst>
-                                </p:cTn>
-                              </p:par>
-                              <p:par>
-                                <p:cTn id="15" presetID="1" presetClass="entr" presetSubtype="0" fill="hold" nodeType="withEffect">
-                                  <p:stCondLst>
-                                    <p:cond delay="0"/>
-                                  </p:stCondLst>
-                                  <p:childTnLst>
-                                    <p:set>
-                                      <p:cBhvr>
-                                        <p:cTn id="16" dur="1" fill="hold">
-                                          <p:stCondLst>
-                                            <p:cond delay="0"/>
-                                          </p:stCondLst>
-                                        </p:cTn>
-                                        <p:tgtEl>
-                                          <p:spTgt spid="3">
-                                            <p:txEl>
-                                              <p:pRg st="5" end="5"/>
-                                            </p:txEl>
-                                          </p:spTgt>
-                                        </p:tgtEl>
-                                        <p:attrNameLst>
-                                          <p:attrName>style.visibility</p:attrName>
-                                        </p:attrNameLst>
-                                      </p:cBhvr>
-                                      <p:to>
-                                        <p:strVal val="visible"/>
-                                      </p:to>
-                                    </p:set>
-                                  </p:childTnLst>
-                                </p:cTn>
-                              </p:par>
-                            </p:childTnLst>
-                          </p:cTn>
-                        </p:par>
-                      </p:childTnLst>
-                    </p:cTn>
-                  </p:par>
-                  <p:par>
-                    <p:cTn id="17" fill="hold">
-                      <p:stCondLst>
-                        <p:cond delay="indefinite"/>
-                      </p:stCondLst>
-                      <p:childTnLst>
-                        <p:par>
-                          <p:cTn id="18" fill="hold">
-                            <p:stCondLst>
-                              <p:cond delay="0"/>
-                            </p:stCondLst>
-                            <p:childTnLst>
-                              <p:par>
-                                <p:cTn id="19" presetID="1" presetClass="entr" presetSubtype="0" fill="hold" nodeType="clickEffect">
-                                  <p:stCondLst>
-                                    <p:cond delay="0"/>
-                                  </p:stCondLst>
-                                  <p:childTnLst>
-                                    <p:set>
-                                      <p:cBhvr>
-                                        <p:cTn id="20" dur="1" fill="hold">
-                                          <p:stCondLst>
-                                            <p:cond delay="0"/>
-                                          </p:stCondLst>
-                                        </p:cTn>
-                                        <p:tgtEl>
-                                          <p:spTgt spid="3">
-                                            <p:txEl>
-                                              <p:pRg st="6" end="6"/>
-                                            </p:txEl>
-                                          </p:spTgt>
-                                        </p:tgtEl>
-                                        <p:attrNameLst>
-                                          <p:attrName>style.visibility</p:attrName>
-                                        </p:attrNameLst>
-                                      </p:cBhvr>
-                                      <p:to>
-                                        <p:strVal val="visible"/>
-                                      </p:to>
-                                    </p:set>
-                                  </p:childTnLst>
-                                </p:cTn>
-                              </p:par>
-                              <p:par>
-                                <p:cTn id="21" presetID="1" presetClass="entr" presetSubtype="0" fill="hold" nodeType="withEffect">
-                                  <p:stCondLst>
-                                    <p:cond delay="0"/>
-                                  </p:stCondLst>
-                                  <p:childTnLst>
-                                    <p:set>
-                                      <p:cBhvr>
-                                        <p:cTn id="22" dur="1" fill="hold">
-                                          <p:stCondLst>
-                                            <p:cond delay="0"/>
-                                          </p:stCondLst>
-                                        </p:cTn>
-                                        <p:tgtEl>
-                                          <p:spTgt spid="3">
-                                            <p:txEl>
-                                              <p:pRg st="7" end="7"/>
-                                            </p:txEl>
-                                          </p:spTgt>
-                                        </p:tgtEl>
-                                        <p:attrNameLst>
-                                          <p:attrName>style.visibility</p:attrName>
-                                        </p:attrNameLst>
-                                      </p:cBhvr>
-                                      <p:to>
-                                        <p:strVal val="visible"/>
-                                      </p:to>
-                                    </p:set>
-                                  </p:childTnLst>
-                                </p:cTn>
-                              </p:par>
-                              <p:par>
-                                <p:cTn id="23" presetID="1" presetClass="entr" presetSubtype="0" fill="hold" nodeType="withEffect">
-                                  <p:stCondLst>
-                                    <p:cond delay="0"/>
-                                  </p:stCondLst>
-                                  <p:childTnLst>
-                                    <p:set>
-                                      <p:cBhvr>
-                                        <p:cTn id="24" dur="1" fill="hold">
-                                          <p:stCondLst>
-                                            <p:cond delay="0"/>
-                                          </p:stCondLst>
-                                        </p:cTn>
-                                        <p:tgtEl>
-                                          <p:spTgt spid="3">
-                                            <p:txEl>
-                                              <p:pRg st="8" end="8"/>
-                                            </p:txEl>
-                                          </p:spTgt>
-                                        </p:tgtEl>
-                                        <p:attrNameLst>
-                                          <p:attrName>style.visibility</p:attrName>
-                                        </p:attrNameLst>
-                                      </p:cBhvr>
-                                      <p:to>
-                                        <p:strVal val="visible"/>
-                                      </p:to>
-                                    </p:set>
-                                  </p:childTnLst>
-                                </p:cTn>
-                              </p:par>
-                              <p:par>
-                                <p:cTn id="25" presetID="1" presetClass="entr" presetSubtype="0" fill="hold" nodeType="withEffect">
-                                  <p:stCondLst>
-                                    <p:cond delay="0"/>
-                                  </p:stCondLst>
-                                  <p:childTnLst>
-                                    <p:set>
-                                      <p:cBhvr>
-                                        <p:cTn id="26" dur="1" fill="hold">
-                                          <p:stCondLst>
-                                            <p:cond delay="0"/>
-                                          </p:stCondLst>
-                                        </p:cTn>
-                                        <p:tgtEl>
-                                          <p:spTgt spid="3">
-                                            <p:txEl>
-                                              <p:pRg st="9" end="9"/>
-                                            </p:txEl>
-                                          </p:spTgt>
-                                        </p:tgtEl>
-                                        <p:attrNameLst>
-                                          <p:attrName>style.visibility</p:attrName>
-                                        </p:attrNameLst>
-                                      </p:cBhvr>
-                                      <p:to>
-                                        <p:strVal val="visible"/>
-                                      </p:to>
-                                    </p:set>
-                                  </p:childTnLst>
-                                </p:cTn>
-                              </p:par>
-                            </p:childTnLst>
-                          </p:cTn>
-                        </p:par>
-                      </p:childTnLst>
-                    </p:cTn>
-                  </p:par>
-                  <p:par>
-                    <p:cTn id="27" fill="hold">
-                      <p:stCondLst>
-                        <p:cond delay="indefinite"/>
-                      </p:stCondLst>
-                      <p:childTnLst>
-                        <p:par>
-                          <p:cTn id="28" fill="hold">
-                            <p:stCondLst>
-                              <p:cond delay="0"/>
-                            </p:stCondLst>
-                            <p:childTnLst>
-                              <p:par>
-                                <p:cTn id="29" presetID="1" presetClass="entr" presetSubtype="0" fill="hold" nodeType="clickEffect">
-                                  <p:stCondLst>
-                                    <p:cond delay="0"/>
-                                  </p:stCondLst>
-                                  <p:childTnLst>
-                                    <p:set>
-                                      <p:cBhvr>
-                                        <p:cTn id="30" dur="1" fill="hold">
-                                          <p:stCondLst>
-                                            <p:cond delay="0"/>
-                                          </p:stCondLst>
-                                        </p:cTn>
-                                        <p:tgtEl>
-                                          <p:spTgt spid="3">
-                                            <p:txEl>
-                                              <p:pRg st="10" end="10"/>
-                                            </p:txEl>
-                                          </p:spTgt>
-                                        </p:tgtEl>
-                                        <p:attrNameLst>
-                                          <p:attrName>style.visibility</p:attrName>
-                                        </p:attrNameLst>
-                                      </p:cBhvr>
-                                      <p:to>
-                                        <p:strVal val="visible"/>
-                                      </p:to>
-                                    </p:set>
-                                  </p:childTnLst>
-                                </p:cTn>
-                              </p:par>
-                              <p:par>
-                                <p:cTn id="31" presetID="1" presetClass="entr" presetSubtype="0" fill="hold" nodeType="withEffect">
-                                  <p:stCondLst>
-                                    <p:cond delay="0"/>
-                                  </p:stCondLst>
-                                  <p:childTnLst>
-                                    <p:set>
-                                      <p:cBhvr>
-                                        <p:cTn id="32" dur="1" fill="hold">
-                                          <p:stCondLst>
-                                            <p:cond delay="0"/>
-                                          </p:stCondLst>
-                                        </p:cTn>
-                                        <p:tgtEl>
-                                          <p:spTgt spid="3">
-                                            <p:txEl>
-                                              <p:pRg st="11" end="11"/>
-                                            </p:txEl>
-                                          </p:spTgt>
-                                        </p:tgtEl>
-                                        <p:attrNameLst>
-                                          <p:attrName>style.visibility</p:attrName>
-                                        </p:attrNameLst>
-                                      </p:cBhvr>
-                                      <p:to>
-                                        <p:strVal val="visible"/>
-                                      </p:to>
-                                    </p:set>
-                                  </p:childTnLst>
-                                </p:cTn>
-                              </p:par>
-                            </p:childTnLst>
-                          </p:cTn>
-                        </p:par>
-                      </p:childTnLst>
-                    </p:cTn>
-                  </p:par>
-                </p:childTnLst>
-              </p:cTn>
-              <p:prevCondLst>
-                <p:cond evt="onPrev" delay="0">
-                  <p:tgtEl>
-                    <p:sldTgt/>
-                  </p:tgtEl>
-                </p:cond>
-              </p:prevCondLst>
-              <p:nextCondLst>
-                <p:cond evt="onNext" delay="0">
-                  <p:tgtEl>
-                    <p:sldTgt/>
-                  </p:tgtEl>
-                </p:cond>
-              </p:nextCondLst>
-            </p:seq>
-          </p:childTnLst>
-        </p:cTn>
-      </p:par>
-    </p:tnLst>
-  </p:timing>
 </p:sld>
 </file>
 
@@ -24258,8 +23815,8 @@
           <a:chExt cx="0" cy="0"/>
         </a:xfrm>
       </p:grpSpPr>
-      <mc:AlternateContent xmlns:mc="http://schemas.openxmlformats.org/markup-compatibility/2006" xmlns:a14="http://schemas.microsoft.com/office/drawing/2010/main">
-        <mc:Choice Requires="a14">
+      <mc:AlternateContent xmlns:mc="http://schemas.openxmlformats.org/markup-compatibility/2006">
+        <mc:Choice xmlns:a14="http://schemas.microsoft.com/office/drawing/2010/main" Requires="a14">
           <p:sp>
             <p:nvSpPr>
               <p:cNvPr id="3" name="Content Placeholder 2">
@@ -24497,6 +24054,12 @@
                                   </a:rPr>
                                   <m:t>𝑖</m:t>
                                 </m:r>
+                                <m:r>
+                                  <a:rPr lang="en-US" b="0" i="1" smtClean="0">
+                                    <a:latin typeface="Cambria Math" panose="02040503050406030204" pitchFamily="18" charset="0"/>
+                                  </a:rPr>
+                                  <m:t>,.</m:t>
+                                </m:r>
                               </m:sub>
                             </m:sSub>
                           </m:e>
@@ -24556,6 +24119,12 @@
                                 </m:r>
                               </m:e>
                               <m:sub>
+                                <m:r>
+                                  <a:rPr lang="en-US" b="0" i="1" smtClean="0">
+                                    <a:latin typeface="Cambria Math" panose="02040503050406030204" pitchFamily="18" charset="0"/>
+                                  </a:rPr>
+                                  <m:t>.,</m:t>
+                                </m:r>
                                 <m:r>
                                   <a:rPr lang="en-US" b="0" i="1" smtClean="0">
                                     <a:latin typeface="Cambria Math" panose="02040503050406030204" pitchFamily="18" charset="0"/>
@@ -24663,6 +24232,12 @@
                                       </a:rPr>
                                       <m:t>𝑖</m:t>
                                     </m:r>
+                                    <m:r>
+                                      <a:rPr lang="en-US" b="0" i="1" smtClean="0">
+                                        <a:latin typeface="Cambria Math" panose="02040503050406030204" pitchFamily="18" charset="0"/>
+                                      </a:rPr>
+                                      <m:t>,.</m:t>
+                                    </m:r>
                                   </m:sub>
                                 </m:sSub>
                                 <m:r>
@@ -24688,6 +24263,12 @@
                                     </m:r>
                                   </m:e>
                                   <m:sub>
+                                    <m:r>
+                                      <a:rPr lang="en-US" b="0" i="1" smtClean="0">
+                                        <a:latin typeface="Cambria Math" panose="02040503050406030204" pitchFamily="18" charset="0"/>
+                                      </a:rPr>
+                                      <m:t>.,</m:t>
+                                    </m:r>
                                     <m:r>
                                       <a:rPr lang="en-US" i="1">
                                         <a:latin typeface="Cambria Math" panose="02040503050406030204" pitchFamily="18" charset="0"/>
@@ -24856,7 +24437,7 @@
             </p:txBody>
           </p:sp>
         </mc:Choice>
-        <mc:Fallback xmlns="">
+        <mc:Fallback>
           <p:sp>
             <p:nvSpPr>
               <p:cNvPr id="3" name="Content Placeholder 2">
@@ -24966,387 +24547,6 @@
   <p:clrMapOvr>
     <a:masterClrMapping/>
   </p:clrMapOvr>
-  <p:timing>
-    <p:tnLst>
-      <p:par>
-        <p:cTn id="1" dur="indefinite" restart="never" nodeType="tmRoot">
-          <p:childTnLst>
-            <p:seq concurrent="1" nextAc="seek">
-              <p:cTn id="2" dur="indefinite" nodeType="mainSeq">
-                <p:childTnLst>
-                  <p:par>
-                    <p:cTn id="3" fill="hold">
-                      <p:stCondLst>
-                        <p:cond delay="indefinite"/>
-                      </p:stCondLst>
-                      <p:childTnLst>
-                        <p:par>
-                          <p:cTn id="4" fill="hold">
-                            <p:stCondLst>
-                              <p:cond delay="0"/>
-                            </p:stCondLst>
-                            <p:childTnLst>
-                              <p:par>
-                                <p:cTn id="5" presetID="1" presetClass="entr" presetSubtype="0" fill="hold" nodeType="clickEffect">
-                                  <p:stCondLst>
-                                    <p:cond delay="0"/>
-                                  </p:stCondLst>
-                                  <p:childTnLst>
-                                    <p:set>
-                                      <p:cBhvr>
-                                        <p:cTn id="6" dur="1" fill="hold">
-                                          <p:stCondLst>
-                                            <p:cond delay="0"/>
-                                          </p:stCondLst>
-                                        </p:cTn>
-                                        <p:tgtEl>
-                                          <p:spTgt spid="3">
-                                            <p:txEl>
-                                              <p:pRg st="1" end="1"/>
-                                            </p:txEl>
-                                          </p:spTgt>
-                                        </p:tgtEl>
-                                        <p:attrNameLst>
-                                          <p:attrName>style.visibility</p:attrName>
-                                        </p:attrNameLst>
-                                      </p:cBhvr>
-                                      <p:to>
-                                        <p:strVal val="visible"/>
-                                      </p:to>
-                                    </p:set>
-                                  </p:childTnLst>
-                                </p:cTn>
-                              </p:par>
-                            </p:childTnLst>
-                          </p:cTn>
-                        </p:par>
-                      </p:childTnLst>
-                    </p:cTn>
-                  </p:par>
-                  <p:par>
-                    <p:cTn id="7" fill="hold">
-                      <p:stCondLst>
-                        <p:cond delay="indefinite"/>
-                      </p:stCondLst>
-                      <p:childTnLst>
-                        <p:par>
-                          <p:cTn id="8" fill="hold">
-                            <p:stCondLst>
-                              <p:cond delay="0"/>
-                            </p:stCondLst>
-                            <p:childTnLst>
-                              <p:par>
-                                <p:cTn id="9" presetID="1" presetClass="entr" presetSubtype="0" fill="hold" nodeType="clickEffect">
-                                  <p:stCondLst>
-                                    <p:cond delay="0"/>
-                                  </p:stCondLst>
-                                  <p:childTnLst>
-                                    <p:set>
-                                      <p:cBhvr>
-                                        <p:cTn id="10" dur="1" fill="hold">
-                                          <p:stCondLst>
-                                            <p:cond delay="0"/>
-                                          </p:stCondLst>
-                                        </p:cTn>
-                                        <p:tgtEl>
-                                          <p:spTgt spid="3">
-                                            <p:txEl>
-                                              <p:pRg st="2" end="2"/>
-                                            </p:txEl>
-                                          </p:spTgt>
-                                        </p:tgtEl>
-                                        <p:attrNameLst>
-                                          <p:attrName>style.visibility</p:attrName>
-                                        </p:attrNameLst>
-                                      </p:cBhvr>
-                                      <p:to>
-                                        <p:strVal val="visible"/>
-                                      </p:to>
-                                    </p:set>
-                                  </p:childTnLst>
-                                </p:cTn>
-                              </p:par>
-                              <p:par>
-                                <p:cTn id="11" presetID="1" presetClass="entr" presetSubtype="0" fill="hold" nodeType="withEffect">
-                                  <p:stCondLst>
-                                    <p:cond delay="0"/>
-                                  </p:stCondLst>
-                                  <p:childTnLst>
-                                    <p:set>
-                                      <p:cBhvr>
-                                        <p:cTn id="12" dur="1" fill="hold">
-                                          <p:stCondLst>
-                                            <p:cond delay="0"/>
-                                          </p:stCondLst>
-                                        </p:cTn>
-                                        <p:tgtEl>
-                                          <p:spTgt spid="3">
-                                            <p:txEl>
-                                              <p:pRg st="3" end="3"/>
-                                            </p:txEl>
-                                          </p:spTgt>
-                                        </p:tgtEl>
-                                        <p:attrNameLst>
-                                          <p:attrName>style.visibility</p:attrName>
-                                        </p:attrNameLst>
-                                      </p:cBhvr>
-                                      <p:to>
-                                        <p:strVal val="visible"/>
-                                      </p:to>
-                                    </p:set>
-                                  </p:childTnLst>
-                                </p:cTn>
-                              </p:par>
-                              <p:par>
-                                <p:cTn id="13" presetID="1" presetClass="entr" presetSubtype="0" fill="hold" nodeType="withEffect">
-                                  <p:stCondLst>
-                                    <p:cond delay="0"/>
-                                  </p:stCondLst>
-                                  <p:childTnLst>
-                                    <p:set>
-                                      <p:cBhvr>
-                                        <p:cTn id="14" dur="1" fill="hold">
-                                          <p:stCondLst>
-                                            <p:cond delay="0"/>
-                                          </p:stCondLst>
-                                        </p:cTn>
-                                        <p:tgtEl>
-                                          <p:spTgt spid="3">
-                                            <p:txEl>
-                                              <p:pRg st="4" end="4"/>
-                                            </p:txEl>
-                                          </p:spTgt>
-                                        </p:tgtEl>
-                                        <p:attrNameLst>
-                                          <p:attrName>style.visibility</p:attrName>
-                                        </p:attrNameLst>
-                                      </p:cBhvr>
-                                      <p:to>
-                                        <p:strVal val="visible"/>
-                                      </p:to>
-                                    </p:set>
-                                  </p:childTnLst>
-                                </p:cTn>
-                              </p:par>
-                            </p:childTnLst>
-                          </p:cTn>
-                        </p:par>
-                      </p:childTnLst>
-                    </p:cTn>
-                  </p:par>
-                  <p:par>
-                    <p:cTn id="15" fill="hold">
-                      <p:stCondLst>
-                        <p:cond delay="indefinite"/>
-                      </p:stCondLst>
-                      <p:childTnLst>
-                        <p:par>
-                          <p:cTn id="16" fill="hold">
-                            <p:stCondLst>
-                              <p:cond delay="0"/>
-                            </p:stCondLst>
-                            <p:childTnLst>
-                              <p:par>
-                                <p:cTn id="17" presetID="1" presetClass="entr" presetSubtype="0" fill="hold" nodeType="clickEffect">
-                                  <p:stCondLst>
-                                    <p:cond delay="0"/>
-                                  </p:stCondLst>
-                                  <p:childTnLst>
-                                    <p:set>
-                                      <p:cBhvr>
-                                        <p:cTn id="18" dur="1" fill="hold">
-                                          <p:stCondLst>
-                                            <p:cond delay="0"/>
-                                          </p:stCondLst>
-                                        </p:cTn>
-                                        <p:tgtEl>
-                                          <p:spTgt spid="3">
-                                            <p:txEl>
-                                              <p:pRg st="5" end="5"/>
-                                            </p:txEl>
-                                          </p:spTgt>
-                                        </p:tgtEl>
-                                        <p:attrNameLst>
-                                          <p:attrName>style.visibility</p:attrName>
-                                        </p:attrNameLst>
-                                      </p:cBhvr>
-                                      <p:to>
-                                        <p:strVal val="visible"/>
-                                      </p:to>
-                                    </p:set>
-                                  </p:childTnLst>
-                                </p:cTn>
-                              </p:par>
-                              <p:par>
-                                <p:cTn id="19" presetID="1" presetClass="entr" presetSubtype="0" fill="hold" nodeType="withEffect">
-                                  <p:stCondLst>
-                                    <p:cond delay="0"/>
-                                  </p:stCondLst>
-                                  <p:childTnLst>
-                                    <p:set>
-                                      <p:cBhvr>
-                                        <p:cTn id="20" dur="1" fill="hold">
-                                          <p:stCondLst>
-                                            <p:cond delay="0"/>
-                                          </p:stCondLst>
-                                        </p:cTn>
-                                        <p:tgtEl>
-                                          <p:spTgt spid="3">
-                                            <p:txEl>
-                                              <p:pRg st="6" end="6"/>
-                                            </p:txEl>
-                                          </p:spTgt>
-                                        </p:tgtEl>
-                                        <p:attrNameLst>
-                                          <p:attrName>style.visibility</p:attrName>
-                                        </p:attrNameLst>
-                                      </p:cBhvr>
-                                      <p:to>
-                                        <p:strVal val="visible"/>
-                                      </p:to>
-                                    </p:set>
-                                  </p:childTnLst>
-                                </p:cTn>
-                              </p:par>
-                              <p:par>
-                                <p:cTn id="21" presetID="1" presetClass="entr" presetSubtype="0" fill="hold" nodeType="withEffect">
-                                  <p:stCondLst>
-                                    <p:cond delay="0"/>
-                                  </p:stCondLst>
-                                  <p:childTnLst>
-                                    <p:set>
-                                      <p:cBhvr>
-                                        <p:cTn id="22" dur="1" fill="hold">
-                                          <p:stCondLst>
-                                            <p:cond delay="0"/>
-                                          </p:stCondLst>
-                                        </p:cTn>
-                                        <p:tgtEl>
-                                          <p:spTgt spid="3">
-                                            <p:txEl>
-                                              <p:pRg st="7" end="7"/>
-                                            </p:txEl>
-                                          </p:spTgt>
-                                        </p:tgtEl>
-                                        <p:attrNameLst>
-                                          <p:attrName>style.visibility</p:attrName>
-                                        </p:attrNameLst>
-                                      </p:cBhvr>
-                                      <p:to>
-                                        <p:strVal val="visible"/>
-                                      </p:to>
-                                    </p:set>
-                                  </p:childTnLst>
-                                </p:cTn>
-                              </p:par>
-                              <p:par>
-                                <p:cTn id="23" presetID="1" presetClass="entr" presetSubtype="0" fill="hold" nodeType="withEffect">
-                                  <p:stCondLst>
-                                    <p:cond delay="0"/>
-                                  </p:stCondLst>
-                                  <p:childTnLst>
-                                    <p:set>
-                                      <p:cBhvr>
-                                        <p:cTn id="24" dur="1" fill="hold">
-                                          <p:stCondLst>
-                                            <p:cond delay="0"/>
-                                          </p:stCondLst>
-                                        </p:cTn>
-                                        <p:tgtEl>
-                                          <p:spTgt spid="3">
-                                            <p:txEl>
-                                              <p:pRg st="8" end="8"/>
-                                            </p:txEl>
-                                          </p:spTgt>
-                                        </p:tgtEl>
-                                        <p:attrNameLst>
-                                          <p:attrName>style.visibility</p:attrName>
-                                        </p:attrNameLst>
-                                      </p:cBhvr>
-                                      <p:to>
-                                        <p:strVal val="visible"/>
-                                      </p:to>
-                                    </p:set>
-                                  </p:childTnLst>
-                                </p:cTn>
-                              </p:par>
-                            </p:childTnLst>
-                          </p:cTn>
-                        </p:par>
-                      </p:childTnLst>
-                    </p:cTn>
-                  </p:par>
-                  <p:par>
-                    <p:cTn id="25" fill="hold">
-                      <p:stCondLst>
-                        <p:cond delay="indefinite"/>
-                      </p:stCondLst>
-                      <p:childTnLst>
-                        <p:par>
-                          <p:cTn id="26" fill="hold">
-                            <p:stCondLst>
-                              <p:cond delay="0"/>
-                            </p:stCondLst>
-                            <p:childTnLst>
-                              <p:par>
-                                <p:cTn id="27" presetID="1" presetClass="entr" presetSubtype="0" fill="hold" nodeType="clickEffect">
-                                  <p:stCondLst>
-                                    <p:cond delay="0"/>
-                                  </p:stCondLst>
-                                  <p:childTnLst>
-                                    <p:set>
-                                      <p:cBhvr>
-                                        <p:cTn id="28" dur="1" fill="hold">
-                                          <p:stCondLst>
-                                            <p:cond delay="0"/>
-                                          </p:stCondLst>
-                                        </p:cTn>
-                                        <p:tgtEl>
-                                          <p:spTgt spid="3">
-                                            <p:txEl>
-                                              <p:pRg st="9" end="9"/>
-                                            </p:txEl>
-                                          </p:spTgt>
-                                        </p:tgtEl>
-                                        <p:attrNameLst>
-                                          <p:attrName>style.visibility</p:attrName>
-                                        </p:attrNameLst>
-                                      </p:cBhvr>
-                                      <p:to>
-                                        <p:strVal val="visible"/>
-                                      </p:to>
-                                    </p:set>
-                                  </p:childTnLst>
-                                </p:cTn>
-                              </p:par>
-                            </p:childTnLst>
-                          </p:cTn>
-                        </p:par>
-                      </p:childTnLst>
-                    </p:cTn>
-                  </p:par>
-                </p:childTnLst>
-              </p:cTn>
-              <p:prevCondLst>
-                <p:cond evt="onPrev" delay="0">
-                  <p:tgtEl>
-                    <p:sldTgt/>
-                  </p:tgtEl>
-                </p:cond>
-              </p:prevCondLst>
-              <p:nextCondLst>
-                <p:cond evt="onNext" delay="0">
-                  <p:tgtEl>
-                    <p:sldTgt/>
-                  </p:tgtEl>
-                </p:cond>
-              </p:nextCondLst>
-            </p:seq>
-          </p:childTnLst>
-        </p:cTn>
-      </p:par>
-    </p:tnLst>
-  </p:timing>
 </p:sld>
 </file>
 
@@ -25367,8 +24567,8 @@
           <a:chExt cx="0" cy="0"/>
         </a:xfrm>
       </p:grpSpPr>
-      <mc:AlternateContent xmlns:mc="http://schemas.openxmlformats.org/markup-compatibility/2006" xmlns:a14="http://schemas.microsoft.com/office/drawing/2010/main">
-        <mc:Choice Requires="a14">
+      <mc:AlternateContent xmlns:mc="http://schemas.openxmlformats.org/markup-compatibility/2006">
+        <mc:Choice xmlns:a14="http://schemas.microsoft.com/office/drawing/2010/main" Requires="a14">
           <p:sp>
             <p:nvSpPr>
               <p:cNvPr id="3" name="Content Placeholder 2">
@@ -25704,6 +24904,12 @@
                                   </a:rPr>
                                   <m:t>𝑖</m:t>
                                 </m:r>
+                                <m:r>
+                                  <a:rPr lang="en-US" b="0" i="1" smtClean="0">
+                                    <a:latin typeface="Cambria Math" panose="02040503050406030204" pitchFamily="18" charset="0"/>
+                                  </a:rPr>
+                                  <m:t>,.</m:t>
+                                </m:r>
                               </m:sub>
                             </m:sSub>
                           </m:e>
@@ -25763,6 +24969,12 @@
                                 </m:r>
                               </m:e>
                               <m:sub>
+                                <m:r>
+                                  <a:rPr lang="en-US" b="0" i="1" smtClean="0">
+                                    <a:latin typeface="Cambria Math" panose="02040503050406030204" pitchFamily="18" charset="0"/>
+                                  </a:rPr>
+                                  <m:t>.,</m:t>
+                                </m:r>
                                 <m:r>
                                   <a:rPr lang="en-US" b="0" i="1" smtClean="0">
                                     <a:latin typeface="Cambria Math" panose="02040503050406030204" pitchFamily="18" charset="0"/>
@@ -25868,6 +25080,12 @@
                               </a:rPr>
                               <m:t>𝑖</m:t>
                             </m:r>
+                            <m:r>
+                              <a:rPr lang="en-US" b="0" i="1" smtClean="0">
+                                <a:latin typeface="Cambria Math" panose="02040503050406030204" pitchFamily="18" charset="0"/>
+                              </a:rPr>
+                              <m:t>,.</m:t>
+                            </m:r>
                           </m:sub>
                         </m:sSub>
                         <m:r>
@@ -25893,6 +25111,12 @@
                             </m:r>
                           </m:e>
                           <m:sub>
+                            <m:r>
+                              <a:rPr lang="en-US" b="0" i="1" smtClean="0">
+                                <a:latin typeface="Cambria Math" panose="02040503050406030204" pitchFamily="18" charset="0"/>
+                              </a:rPr>
+                              <m:t>.,</m:t>
+                            </m:r>
                             <m:r>
                               <a:rPr lang="en-US" i="1">
                                 <a:latin typeface="Cambria Math" panose="02040503050406030204" pitchFamily="18" charset="0"/>
@@ -26119,7 +25343,7 @@
             </p:txBody>
           </p:sp>
         </mc:Choice>
-        <mc:Fallback xmlns="">
+        <mc:Fallback>
           <p:sp>
             <p:nvSpPr>
               <p:cNvPr id="3" name="Content Placeholder 2">
@@ -26229,418 +25453,6 @@
   <p:clrMapOvr>
     <a:masterClrMapping/>
   </p:clrMapOvr>
-  <p:timing>
-    <p:tnLst>
-      <p:par>
-        <p:cTn id="1" dur="indefinite" restart="never" nodeType="tmRoot">
-          <p:childTnLst>
-            <p:seq concurrent="1" nextAc="seek">
-              <p:cTn id="2" dur="indefinite" nodeType="mainSeq">
-                <p:childTnLst>
-                  <p:par>
-                    <p:cTn id="3" fill="hold">
-                      <p:stCondLst>
-                        <p:cond delay="indefinite"/>
-                      </p:stCondLst>
-                      <p:childTnLst>
-                        <p:par>
-                          <p:cTn id="4" fill="hold">
-                            <p:stCondLst>
-                              <p:cond delay="0"/>
-                            </p:stCondLst>
-                            <p:childTnLst>
-                              <p:par>
-                                <p:cTn id="5" presetID="1" presetClass="entr" presetSubtype="0" fill="hold" nodeType="clickEffect">
-                                  <p:stCondLst>
-                                    <p:cond delay="0"/>
-                                  </p:stCondLst>
-                                  <p:childTnLst>
-                                    <p:set>
-                                      <p:cBhvr>
-                                        <p:cTn id="6" dur="1" fill="hold">
-                                          <p:stCondLst>
-                                            <p:cond delay="0"/>
-                                          </p:stCondLst>
-                                        </p:cTn>
-                                        <p:tgtEl>
-                                          <p:spTgt spid="3">
-                                            <p:txEl>
-                                              <p:pRg st="1" end="1"/>
-                                            </p:txEl>
-                                          </p:spTgt>
-                                        </p:tgtEl>
-                                        <p:attrNameLst>
-                                          <p:attrName>style.visibility</p:attrName>
-                                        </p:attrNameLst>
-                                      </p:cBhvr>
-                                      <p:to>
-                                        <p:strVal val="visible"/>
-                                      </p:to>
-                                    </p:set>
-                                  </p:childTnLst>
-                                </p:cTn>
-                              </p:par>
-                            </p:childTnLst>
-                          </p:cTn>
-                        </p:par>
-                      </p:childTnLst>
-                    </p:cTn>
-                  </p:par>
-                  <p:par>
-                    <p:cTn id="7" fill="hold">
-                      <p:stCondLst>
-                        <p:cond delay="indefinite"/>
-                      </p:stCondLst>
-                      <p:childTnLst>
-                        <p:par>
-                          <p:cTn id="8" fill="hold">
-                            <p:stCondLst>
-                              <p:cond delay="0"/>
-                            </p:stCondLst>
-                            <p:childTnLst>
-                              <p:par>
-                                <p:cTn id="9" presetID="1" presetClass="entr" presetSubtype="0" fill="hold" nodeType="clickEffect">
-                                  <p:stCondLst>
-                                    <p:cond delay="0"/>
-                                  </p:stCondLst>
-                                  <p:childTnLst>
-                                    <p:set>
-                                      <p:cBhvr>
-                                        <p:cTn id="10" dur="1" fill="hold">
-                                          <p:stCondLst>
-                                            <p:cond delay="0"/>
-                                          </p:stCondLst>
-                                        </p:cTn>
-                                        <p:tgtEl>
-                                          <p:spTgt spid="3">
-                                            <p:txEl>
-                                              <p:pRg st="2" end="2"/>
-                                            </p:txEl>
-                                          </p:spTgt>
-                                        </p:tgtEl>
-                                        <p:attrNameLst>
-                                          <p:attrName>style.visibility</p:attrName>
-                                        </p:attrNameLst>
-                                      </p:cBhvr>
-                                      <p:to>
-                                        <p:strVal val="visible"/>
-                                      </p:to>
-                                    </p:set>
-                                  </p:childTnLst>
-                                </p:cTn>
-                              </p:par>
-                              <p:par>
-                                <p:cTn id="11" presetID="1" presetClass="entr" presetSubtype="0" fill="hold" nodeType="withEffect">
-                                  <p:stCondLst>
-                                    <p:cond delay="0"/>
-                                  </p:stCondLst>
-                                  <p:childTnLst>
-                                    <p:set>
-                                      <p:cBhvr>
-                                        <p:cTn id="12" dur="1" fill="hold">
-                                          <p:stCondLst>
-                                            <p:cond delay="0"/>
-                                          </p:stCondLst>
-                                        </p:cTn>
-                                        <p:tgtEl>
-                                          <p:spTgt spid="3">
-                                            <p:txEl>
-                                              <p:pRg st="3" end="3"/>
-                                            </p:txEl>
-                                          </p:spTgt>
-                                        </p:tgtEl>
-                                        <p:attrNameLst>
-                                          <p:attrName>style.visibility</p:attrName>
-                                        </p:attrNameLst>
-                                      </p:cBhvr>
-                                      <p:to>
-                                        <p:strVal val="visible"/>
-                                      </p:to>
-                                    </p:set>
-                                  </p:childTnLst>
-                                </p:cTn>
-                              </p:par>
-                              <p:par>
-                                <p:cTn id="13" presetID="1" presetClass="entr" presetSubtype="0" fill="hold" nodeType="withEffect">
-                                  <p:stCondLst>
-                                    <p:cond delay="0"/>
-                                  </p:stCondLst>
-                                  <p:childTnLst>
-                                    <p:set>
-                                      <p:cBhvr>
-                                        <p:cTn id="14" dur="1" fill="hold">
-                                          <p:stCondLst>
-                                            <p:cond delay="0"/>
-                                          </p:stCondLst>
-                                        </p:cTn>
-                                        <p:tgtEl>
-                                          <p:spTgt spid="3">
-                                            <p:txEl>
-                                              <p:pRg st="4" end="4"/>
-                                            </p:txEl>
-                                          </p:spTgt>
-                                        </p:tgtEl>
-                                        <p:attrNameLst>
-                                          <p:attrName>style.visibility</p:attrName>
-                                        </p:attrNameLst>
-                                      </p:cBhvr>
-                                      <p:to>
-                                        <p:strVal val="visible"/>
-                                      </p:to>
-                                    </p:set>
-                                  </p:childTnLst>
-                                </p:cTn>
-                              </p:par>
-                            </p:childTnLst>
-                          </p:cTn>
-                        </p:par>
-                      </p:childTnLst>
-                    </p:cTn>
-                  </p:par>
-                  <p:par>
-                    <p:cTn id="15" fill="hold">
-                      <p:stCondLst>
-                        <p:cond delay="indefinite"/>
-                      </p:stCondLst>
-                      <p:childTnLst>
-                        <p:par>
-                          <p:cTn id="16" fill="hold">
-                            <p:stCondLst>
-                              <p:cond delay="0"/>
-                            </p:stCondLst>
-                            <p:childTnLst>
-                              <p:par>
-                                <p:cTn id="17" presetID="1" presetClass="entr" presetSubtype="0" fill="hold" nodeType="clickEffect">
-                                  <p:stCondLst>
-                                    <p:cond delay="0"/>
-                                  </p:stCondLst>
-                                  <p:childTnLst>
-                                    <p:set>
-                                      <p:cBhvr>
-                                        <p:cTn id="18" dur="1" fill="hold">
-                                          <p:stCondLst>
-                                            <p:cond delay="0"/>
-                                          </p:stCondLst>
-                                        </p:cTn>
-                                        <p:tgtEl>
-                                          <p:spTgt spid="3">
-                                            <p:txEl>
-                                              <p:pRg st="5" end="5"/>
-                                            </p:txEl>
-                                          </p:spTgt>
-                                        </p:tgtEl>
-                                        <p:attrNameLst>
-                                          <p:attrName>style.visibility</p:attrName>
-                                        </p:attrNameLst>
-                                      </p:cBhvr>
-                                      <p:to>
-                                        <p:strVal val="visible"/>
-                                      </p:to>
-                                    </p:set>
-                                  </p:childTnLst>
-                                </p:cTn>
-                              </p:par>
-                              <p:par>
-                                <p:cTn id="19" presetID="1" presetClass="entr" presetSubtype="0" fill="hold" nodeType="withEffect">
-                                  <p:stCondLst>
-                                    <p:cond delay="0"/>
-                                  </p:stCondLst>
-                                  <p:childTnLst>
-                                    <p:set>
-                                      <p:cBhvr>
-                                        <p:cTn id="20" dur="1" fill="hold">
-                                          <p:stCondLst>
-                                            <p:cond delay="0"/>
-                                          </p:stCondLst>
-                                        </p:cTn>
-                                        <p:tgtEl>
-                                          <p:spTgt spid="3">
-                                            <p:txEl>
-                                              <p:pRg st="6" end="6"/>
-                                            </p:txEl>
-                                          </p:spTgt>
-                                        </p:tgtEl>
-                                        <p:attrNameLst>
-                                          <p:attrName>style.visibility</p:attrName>
-                                        </p:attrNameLst>
-                                      </p:cBhvr>
-                                      <p:to>
-                                        <p:strVal val="visible"/>
-                                      </p:to>
-                                    </p:set>
-                                  </p:childTnLst>
-                                </p:cTn>
-                              </p:par>
-                              <p:par>
-                                <p:cTn id="21" presetID="1" presetClass="entr" presetSubtype="0" fill="hold" nodeType="withEffect">
-                                  <p:stCondLst>
-                                    <p:cond delay="0"/>
-                                  </p:stCondLst>
-                                  <p:childTnLst>
-                                    <p:set>
-                                      <p:cBhvr>
-                                        <p:cTn id="22" dur="1" fill="hold">
-                                          <p:stCondLst>
-                                            <p:cond delay="0"/>
-                                          </p:stCondLst>
-                                        </p:cTn>
-                                        <p:tgtEl>
-                                          <p:spTgt spid="3">
-                                            <p:txEl>
-                                              <p:pRg st="7" end="7"/>
-                                            </p:txEl>
-                                          </p:spTgt>
-                                        </p:tgtEl>
-                                        <p:attrNameLst>
-                                          <p:attrName>style.visibility</p:attrName>
-                                        </p:attrNameLst>
-                                      </p:cBhvr>
-                                      <p:to>
-                                        <p:strVal val="visible"/>
-                                      </p:to>
-                                    </p:set>
-                                  </p:childTnLst>
-                                </p:cTn>
-                              </p:par>
-                              <p:par>
-                                <p:cTn id="23" presetID="1" presetClass="entr" presetSubtype="0" fill="hold" nodeType="withEffect">
-                                  <p:stCondLst>
-                                    <p:cond delay="0"/>
-                                  </p:stCondLst>
-                                  <p:childTnLst>
-                                    <p:set>
-                                      <p:cBhvr>
-                                        <p:cTn id="24" dur="1" fill="hold">
-                                          <p:stCondLst>
-                                            <p:cond delay="0"/>
-                                          </p:stCondLst>
-                                        </p:cTn>
-                                        <p:tgtEl>
-                                          <p:spTgt spid="3">
-                                            <p:txEl>
-                                              <p:pRg st="8" end="8"/>
-                                            </p:txEl>
-                                          </p:spTgt>
-                                        </p:tgtEl>
-                                        <p:attrNameLst>
-                                          <p:attrName>style.visibility</p:attrName>
-                                        </p:attrNameLst>
-                                      </p:cBhvr>
-                                      <p:to>
-                                        <p:strVal val="visible"/>
-                                      </p:to>
-                                    </p:set>
-                                  </p:childTnLst>
-                                </p:cTn>
-                              </p:par>
-                              <p:par>
-                                <p:cTn id="25" presetID="1" presetClass="entr" presetSubtype="0" fill="hold" nodeType="withEffect">
-                                  <p:stCondLst>
-                                    <p:cond delay="0"/>
-                                  </p:stCondLst>
-                                  <p:childTnLst>
-                                    <p:set>
-                                      <p:cBhvr>
-                                        <p:cTn id="26" dur="1" fill="hold">
-                                          <p:stCondLst>
-                                            <p:cond delay="0"/>
-                                          </p:stCondLst>
-                                        </p:cTn>
-                                        <p:tgtEl>
-                                          <p:spTgt spid="3">
-                                            <p:txEl>
-                                              <p:pRg st="9" end="9"/>
-                                            </p:txEl>
-                                          </p:spTgt>
-                                        </p:tgtEl>
-                                        <p:attrNameLst>
-                                          <p:attrName>style.visibility</p:attrName>
-                                        </p:attrNameLst>
-                                      </p:cBhvr>
-                                      <p:to>
-                                        <p:strVal val="visible"/>
-                                      </p:to>
-                                    </p:set>
-                                  </p:childTnLst>
-                                </p:cTn>
-                              </p:par>
-                            </p:childTnLst>
-                          </p:cTn>
-                        </p:par>
-                      </p:childTnLst>
-                    </p:cTn>
-                  </p:par>
-                  <p:par>
-                    <p:cTn id="27" fill="hold">
-                      <p:stCondLst>
-                        <p:cond delay="indefinite"/>
-                      </p:stCondLst>
-                      <p:childTnLst>
-                        <p:par>
-                          <p:cTn id="28" fill="hold">
-                            <p:stCondLst>
-                              <p:cond delay="0"/>
-                            </p:stCondLst>
-                            <p:childTnLst>
-                              <p:par>
-                                <p:cTn id="29" presetID="1" presetClass="entr" presetSubtype="0" fill="hold" nodeType="clickEffect">
-                                  <p:stCondLst>
-                                    <p:cond delay="0"/>
-                                  </p:stCondLst>
-                                  <p:childTnLst>
-                                    <p:set>
-                                      <p:cBhvr>
-                                        <p:cTn id="30" dur="1" fill="hold">
-                                          <p:stCondLst>
-                                            <p:cond delay="0"/>
-                                          </p:stCondLst>
-                                        </p:cTn>
-                                        <p:tgtEl>
-                                          <p:spTgt spid="3">
-                                            <p:txEl>
-                                              <p:pRg st="10" end="10"/>
-                                            </p:txEl>
-                                          </p:spTgt>
-                                        </p:tgtEl>
-                                        <p:attrNameLst>
-                                          <p:attrName>style.visibility</p:attrName>
-                                        </p:attrNameLst>
-                                      </p:cBhvr>
-                                      <p:to>
-                                        <p:strVal val="visible"/>
-                                      </p:to>
-                                    </p:set>
-                                  </p:childTnLst>
-                                </p:cTn>
-                              </p:par>
-                            </p:childTnLst>
-                          </p:cTn>
-                        </p:par>
-                      </p:childTnLst>
-                    </p:cTn>
-                  </p:par>
-                </p:childTnLst>
-              </p:cTn>
-              <p:prevCondLst>
-                <p:cond evt="onPrev" delay="0">
-                  <p:tgtEl>
-                    <p:sldTgt/>
-                  </p:tgtEl>
-                </p:cond>
-              </p:prevCondLst>
-              <p:nextCondLst>
-                <p:cond evt="onNext" delay="0">
-                  <p:tgtEl>
-                    <p:sldTgt/>
-                  </p:tgtEl>
-                </p:cond>
-              </p:nextCondLst>
-            </p:seq>
-          </p:childTnLst>
-        </p:cTn>
-      </p:par>
-    </p:tnLst>
-  </p:timing>
 </p:sld>
 </file>
 
@@ -29299,8 +28111,8 @@
           <a:chExt cx="0" cy="0"/>
         </a:xfrm>
       </p:grpSpPr>
-      <mc:AlternateContent xmlns:mc="http://schemas.openxmlformats.org/markup-compatibility/2006">
-        <mc:Choice xmlns:a14="http://schemas.microsoft.com/office/drawing/2010/main" Requires="a14">
+      <mc:AlternateContent xmlns:mc="http://schemas.openxmlformats.org/markup-compatibility/2006" xmlns:a14="http://schemas.microsoft.com/office/drawing/2010/main">
+        <mc:Choice Requires="a14">
           <p:sp>
             <p:nvSpPr>
               <p:cNvPr id="3" name="Content Placeholder 2">
@@ -29858,7 +28670,7 @@
             </p:txBody>
           </p:sp>
         </mc:Choice>
-        <mc:Fallback>
+        <mc:Fallback xmlns="">
           <p:sp>
             <p:nvSpPr>
               <p:cNvPr id="3" name="Content Placeholder 2">

--- a/slides/2_BigDataComputing.pptx
+++ b/slides/2_BigDataComputing.pptx
@@ -242,7 +242,7 @@
           <a:p>
             <a:fld id="{2F3ABF1A-8818-4472-8518-E71DC7B5D2F7}" type="datetimeFigureOut">
               <a:rPr lang="en-US" smtClean="0"/>
-              <a:t>6/25/2023</a:t>
+              <a:t>6/26/2023</a:t>
             </a:fld>
             <a:endParaRPr lang="en-US"/>
           </a:p>
@@ -827,7 +827,7 @@
           <a:p>
             <a:fld id="{6E4A31BF-7266-4BEB-918B-ADC21C630A6F}" type="datetimeFigureOut">
               <a:rPr lang="en-US" smtClean="0"/>
-              <a:t>6/25/2023</a:t>
+              <a:t>6/26/2023</a:t>
             </a:fld>
             <a:endParaRPr lang="en-US"/>
           </a:p>
@@ -1025,7 +1025,7 @@
           <a:p>
             <a:fld id="{6E4A31BF-7266-4BEB-918B-ADC21C630A6F}" type="datetimeFigureOut">
               <a:rPr lang="en-US" smtClean="0"/>
-              <a:t>6/25/2023</a:t>
+              <a:t>6/26/2023</a:t>
             </a:fld>
             <a:endParaRPr lang="en-US"/>
           </a:p>
@@ -1233,7 +1233,7 @@
           <a:p>
             <a:fld id="{6E4A31BF-7266-4BEB-918B-ADC21C630A6F}" type="datetimeFigureOut">
               <a:rPr lang="en-US" smtClean="0"/>
-              <a:t>6/25/2023</a:t>
+              <a:t>6/26/2023</a:t>
             </a:fld>
             <a:endParaRPr lang="en-US"/>
           </a:p>
@@ -1431,7 +1431,7 @@
           <a:p>
             <a:fld id="{6E4A31BF-7266-4BEB-918B-ADC21C630A6F}" type="datetimeFigureOut">
               <a:rPr lang="en-US" smtClean="0"/>
-              <a:t>6/25/2023</a:t>
+              <a:t>6/26/2023</a:t>
             </a:fld>
             <a:endParaRPr lang="en-US"/>
           </a:p>
@@ -1706,7 +1706,7 @@
           <a:p>
             <a:fld id="{6E4A31BF-7266-4BEB-918B-ADC21C630A6F}" type="datetimeFigureOut">
               <a:rPr lang="en-US" smtClean="0"/>
-              <a:t>6/25/2023</a:t>
+              <a:t>6/26/2023</a:t>
             </a:fld>
             <a:endParaRPr lang="en-US"/>
           </a:p>
@@ -1971,7 +1971,7 @@
           <a:p>
             <a:fld id="{6E4A31BF-7266-4BEB-918B-ADC21C630A6F}" type="datetimeFigureOut">
               <a:rPr lang="en-US" smtClean="0"/>
-              <a:t>6/25/2023</a:t>
+              <a:t>6/26/2023</a:t>
             </a:fld>
             <a:endParaRPr lang="en-US"/>
           </a:p>
@@ -2383,7 +2383,7 @@
           <a:p>
             <a:fld id="{6E4A31BF-7266-4BEB-918B-ADC21C630A6F}" type="datetimeFigureOut">
               <a:rPr lang="en-US" smtClean="0"/>
-              <a:t>6/25/2023</a:t>
+              <a:t>6/26/2023</a:t>
             </a:fld>
             <a:endParaRPr lang="en-US"/>
           </a:p>
@@ -2524,7 +2524,7 @@
           <a:p>
             <a:fld id="{6E4A31BF-7266-4BEB-918B-ADC21C630A6F}" type="datetimeFigureOut">
               <a:rPr lang="en-US" smtClean="0"/>
-              <a:t>6/25/2023</a:t>
+              <a:t>6/26/2023</a:t>
             </a:fld>
             <a:endParaRPr lang="en-US"/>
           </a:p>
@@ -2637,7 +2637,7 @@
           <a:p>
             <a:fld id="{6E4A31BF-7266-4BEB-918B-ADC21C630A6F}" type="datetimeFigureOut">
               <a:rPr lang="en-US" smtClean="0"/>
-              <a:t>6/25/2023</a:t>
+              <a:t>6/26/2023</a:t>
             </a:fld>
             <a:endParaRPr lang="en-US"/>
           </a:p>
@@ -2948,7 +2948,7 @@
           <a:p>
             <a:fld id="{6E4A31BF-7266-4BEB-918B-ADC21C630A6F}" type="datetimeFigureOut">
               <a:rPr lang="en-US" smtClean="0"/>
-              <a:t>6/25/2023</a:t>
+              <a:t>6/26/2023</a:t>
             </a:fld>
             <a:endParaRPr lang="en-US"/>
           </a:p>
@@ -3236,7 +3236,7 @@
           <a:p>
             <a:fld id="{6E4A31BF-7266-4BEB-918B-ADC21C630A6F}" type="datetimeFigureOut">
               <a:rPr lang="en-US" smtClean="0"/>
-              <a:t>6/25/2023</a:t>
+              <a:t>6/26/2023</a:t>
             </a:fld>
             <a:endParaRPr lang="en-US"/>
           </a:p>
@@ -3477,7 +3477,7 @@
           <a:p>
             <a:fld id="{6E4A31BF-7266-4BEB-918B-ADC21C630A6F}" type="datetimeFigureOut">
               <a:rPr lang="en-US" smtClean="0"/>
-              <a:t>6/25/2023</a:t>
+              <a:t>6/26/2023</a:t>
             </a:fld>
             <a:endParaRPr lang="en-US"/>
           </a:p>
@@ -13138,13 +13138,10 @@
                       <m:t>),  (</m:t>
                     </m:r>
                     <m:r>
-                      <m:rPr>
-                        <m:sty m:val="p"/>
-                      </m:rPr>
-                      <a:rPr lang="en-US" b="0" i="0" smtClean="0">
+                      <a:rPr lang="en-US" b="0" i="1" smtClean="0">
                         <a:latin typeface="Cambria Math" panose="02040503050406030204" pitchFamily="18" charset="0"/>
                       </a:rPr>
-                      <m:t>b</m:t>
+                      <m:t>𝑏</m:t>
                     </m:r>
                     <m:d>
                       <m:dPr>
@@ -13156,28 +13153,22 @@
                       </m:dPr>
                       <m:e>
                         <m:r>
-                          <m:rPr>
-                            <m:sty m:val="p"/>
-                          </m:rPr>
-                          <a:rPr lang="en-US" b="0" i="0" smtClean="0">
+                          <a:rPr lang="en-US" b="0" i="1" smtClean="0">
                             <a:latin typeface="Cambria Math" panose="02040503050406030204" pitchFamily="18" charset="0"/>
                           </a:rPr>
-                          <m:t>S</m:t>
+                          <m:t>𝑆</m:t>
                         </m:r>
                         <m:r>
-                          <a:rPr lang="en-US" b="0" i="0" smtClean="0">
+                          <a:rPr lang="en-US" b="0" i="1" smtClean="0">
                             <a:latin typeface="Cambria Math" panose="02040503050406030204" pitchFamily="18" charset="0"/>
                           </a:rPr>
                           <m:t>,</m:t>
                         </m:r>
                         <m:r>
-                          <m:rPr>
-                            <m:sty m:val="p"/>
-                          </m:rPr>
-                          <a:rPr lang="en-US" b="0" i="0" smtClean="0">
+                          <a:rPr lang="en-US" b="0" i="1" smtClean="0">
                             <a:latin typeface="Cambria Math" panose="02040503050406030204" pitchFamily="18" charset="0"/>
                           </a:rPr>
-                          <m:t>c</m:t>
+                          <m:t>𝑐</m:t>
                         </m:r>
                       </m:e>
                     </m:d>
@@ -23815,8 +23806,8 @@
           <a:chExt cx="0" cy="0"/>
         </a:xfrm>
       </p:grpSpPr>
-      <mc:AlternateContent xmlns:mc="http://schemas.openxmlformats.org/markup-compatibility/2006">
-        <mc:Choice xmlns:a14="http://schemas.microsoft.com/office/drawing/2010/main" Requires="a14">
+      <mc:AlternateContent xmlns:mc="http://schemas.openxmlformats.org/markup-compatibility/2006" xmlns:a14="http://schemas.microsoft.com/office/drawing/2010/main">
+        <mc:Choice Requires="a14">
           <p:sp>
             <p:nvSpPr>
               <p:cNvPr id="3" name="Content Placeholder 2">
@@ -24437,7 +24428,7 @@
             </p:txBody>
           </p:sp>
         </mc:Choice>
-        <mc:Fallback>
+        <mc:Fallback xmlns="">
           <p:sp>
             <p:nvSpPr>
               <p:cNvPr id="3" name="Content Placeholder 2">
@@ -24567,8 +24558,8 @@
           <a:chExt cx="0" cy="0"/>
         </a:xfrm>
       </p:grpSpPr>
-      <mc:AlternateContent xmlns:mc="http://schemas.openxmlformats.org/markup-compatibility/2006">
-        <mc:Choice xmlns:a14="http://schemas.microsoft.com/office/drawing/2010/main" Requires="a14">
+      <mc:AlternateContent xmlns:mc="http://schemas.openxmlformats.org/markup-compatibility/2006" xmlns:a14="http://schemas.microsoft.com/office/drawing/2010/main">
+        <mc:Choice Requires="a14">
           <p:sp>
             <p:nvSpPr>
               <p:cNvPr id="3" name="Content Placeholder 2">
@@ -25343,7 +25334,7 @@
             </p:txBody>
           </p:sp>
         </mc:Choice>
-        <mc:Fallback>
+        <mc:Fallback xmlns="">
           <p:sp>
             <p:nvSpPr>
               <p:cNvPr id="3" name="Content Placeholder 2">

--- a/slides/2_BigDataComputing.pptx
+++ b/slides/2_BigDataComputing.pptx
@@ -242,7 +242,7 @@
           <a:p>
             <a:fld id="{2F3ABF1A-8818-4472-8518-E71DC7B5D2F7}" type="datetimeFigureOut">
               <a:rPr lang="en-US" smtClean="0"/>
-              <a:t>6/26/2023</a:t>
+              <a:t>1/27/2024</a:t>
             </a:fld>
             <a:endParaRPr lang="en-US"/>
           </a:p>
@@ -827,7 +827,7 @@
           <a:p>
             <a:fld id="{6E4A31BF-7266-4BEB-918B-ADC21C630A6F}" type="datetimeFigureOut">
               <a:rPr lang="en-US" smtClean="0"/>
-              <a:t>6/26/2023</a:t>
+              <a:t>1/27/2024</a:t>
             </a:fld>
             <a:endParaRPr lang="en-US"/>
           </a:p>
@@ -1025,7 +1025,7 @@
           <a:p>
             <a:fld id="{6E4A31BF-7266-4BEB-918B-ADC21C630A6F}" type="datetimeFigureOut">
               <a:rPr lang="en-US" smtClean="0"/>
-              <a:t>6/26/2023</a:t>
+              <a:t>1/27/2024</a:t>
             </a:fld>
             <a:endParaRPr lang="en-US"/>
           </a:p>
@@ -1233,7 +1233,7 @@
           <a:p>
             <a:fld id="{6E4A31BF-7266-4BEB-918B-ADC21C630A6F}" type="datetimeFigureOut">
               <a:rPr lang="en-US" smtClean="0"/>
-              <a:t>6/26/2023</a:t>
+              <a:t>1/27/2024</a:t>
             </a:fld>
             <a:endParaRPr lang="en-US"/>
           </a:p>
@@ -1431,7 +1431,7 @@
           <a:p>
             <a:fld id="{6E4A31BF-7266-4BEB-918B-ADC21C630A6F}" type="datetimeFigureOut">
               <a:rPr lang="en-US" smtClean="0"/>
-              <a:t>6/26/2023</a:t>
+              <a:t>1/27/2024</a:t>
             </a:fld>
             <a:endParaRPr lang="en-US"/>
           </a:p>
@@ -1706,7 +1706,7 @@
           <a:p>
             <a:fld id="{6E4A31BF-7266-4BEB-918B-ADC21C630A6F}" type="datetimeFigureOut">
               <a:rPr lang="en-US" smtClean="0"/>
-              <a:t>6/26/2023</a:t>
+              <a:t>1/27/2024</a:t>
             </a:fld>
             <a:endParaRPr lang="en-US"/>
           </a:p>
@@ -1971,7 +1971,7 @@
           <a:p>
             <a:fld id="{6E4A31BF-7266-4BEB-918B-ADC21C630A6F}" type="datetimeFigureOut">
               <a:rPr lang="en-US" smtClean="0"/>
-              <a:t>6/26/2023</a:t>
+              <a:t>1/27/2024</a:t>
             </a:fld>
             <a:endParaRPr lang="en-US"/>
           </a:p>
@@ -2383,7 +2383,7 @@
           <a:p>
             <a:fld id="{6E4A31BF-7266-4BEB-918B-ADC21C630A6F}" type="datetimeFigureOut">
               <a:rPr lang="en-US" smtClean="0"/>
-              <a:t>6/26/2023</a:t>
+              <a:t>1/27/2024</a:t>
             </a:fld>
             <a:endParaRPr lang="en-US"/>
           </a:p>
@@ -2524,7 +2524,7 @@
           <a:p>
             <a:fld id="{6E4A31BF-7266-4BEB-918B-ADC21C630A6F}" type="datetimeFigureOut">
               <a:rPr lang="en-US" smtClean="0"/>
-              <a:t>6/26/2023</a:t>
+              <a:t>1/27/2024</a:t>
             </a:fld>
             <a:endParaRPr lang="en-US"/>
           </a:p>
@@ -2637,7 +2637,7 @@
           <a:p>
             <a:fld id="{6E4A31BF-7266-4BEB-918B-ADC21C630A6F}" type="datetimeFigureOut">
               <a:rPr lang="en-US" smtClean="0"/>
-              <a:t>6/26/2023</a:t>
+              <a:t>1/27/2024</a:t>
             </a:fld>
             <a:endParaRPr lang="en-US"/>
           </a:p>
@@ -2948,7 +2948,7 @@
           <a:p>
             <a:fld id="{6E4A31BF-7266-4BEB-918B-ADC21C630A6F}" type="datetimeFigureOut">
               <a:rPr lang="en-US" smtClean="0"/>
-              <a:t>6/26/2023</a:t>
+              <a:t>1/27/2024</a:t>
             </a:fld>
             <a:endParaRPr lang="en-US"/>
           </a:p>
@@ -3236,7 +3236,7 @@
           <a:p>
             <a:fld id="{6E4A31BF-7266-4BEB-918B-ADC21C630A6F}" type="datetimeFigureOut">
               <a:rPr lang="en-US" smtClean="0"/>
-              <a:t>6/26/2023</a:t>
+              <a:t>1/27/2024</a:t>
             </a:fld>
             <a:endParaRPr lang="en-US"/>
           </a:p>
@@ -3477,7 +3477,7 @@
           <a:p>
             <a:fld id="{6E4A31BF-7266-4BEB-918B-ADC21C630A6F}" type="datetimeFigureOut">
               <a:rPr lang="en-US" smtClean="0"/>
-              <a:t>6/26/2023</a:t>
+              <a:t>1/27/2024</a:t>
             </a:fld>
             <a:endParaRPr lang="en-US"/>
           </a:p>
@@ -4067,7 +4067,7 @@
             <a:pPr algn="ctr"/>
             <a:r>
               <a:rPr lang="en-US" sz="1100" dirty="0"/>
-              <a:t>Copyright 2021, 2022, 2023, Stephen F Elston. All rights reserved</a:t>
+              <a:t>Copyright 2021, 2022, 2023, 2004, Stephen F Elston. All rights reserved</a:t>
             </a:r>
             <a:r>
               <a:rPr lang="en-US" dirty="0"/>
@@ -4178,7 +4178,7 @@
             <a:pPr lvl="1"/>
             <a:r>
               <a:rPr lang="en-US" dirty="0"/>
-              <a:t>2020 – 1,000 </a:t>
+              <a:t>2010 – 1,000 </a:t>
             </a:r>
             <a:r>
               <a:rPr lang="en-US" dirty="0" err="1"/>
@@ -4187,6 +4187,21 @@
             <a:r>
               <a:rPr lang="en-US" dirty="0"/>
               <a:t>/sec  </a:t>
+            </a:r>
+          </a:p>
+          <a:p>
+            <a:pPr lvl="1"/>
+            <a:r>
+              <a:rPr lang="en-US" dirty="0"/>
+              <a:t>2023 – 100,000 </a:t>
+            </a:r>
+            <a:r>
+              <a:rPr lang="en-US" dirty="0" err="1"/>
+              <a:t>Mbits</a:t>
+            </a:r>
+            <a:r>
+              <a:rPr lang="en-US" dirty="0"/>
+              <a:t>/sec </a:t>
             </a:r>
           </a:p>
           <a:p>
@@ -4512,33 +4527,15 @@
                                   </p:childTnLst>
                                 </p:cTn>
                               </p:par>
-                            </p:childTnLst>
-                          </p:cTn>
-                        </p:par>
-                      </p:childTnLst>
-                    </p:cTn>
-                  </p:par>
-                  <p:par>
-                    <p:cTn id="21" fill="hold">
-                      <p:stCondLst>
-                        <p:cond delay="indefinite"/>
-                      </p:stCondLst>
-                      <p:childTnLst>
-                        <p:par>
-                          <p:cTn id="22" fill="hold">
-                            <p:stCondLst>
-                              <p:cond delay="0"/>
-                            </p:stCondLst>
-                            <p:childTnLst>
                               <p:par>
-                                <p:cTn id="23" presetID="1" presetClass="entr" presetSubtype="0" fill="hold" nodeType="clickEffect">
+                                <p:cTn id="21" presetID="1" presetClass="entr" presetSubtype="0" fill="hold" nodeType="withEffect">
                                   <p:stCondLst>
                                     <p:cond delay="0"/>
                                   </p:stCondLst>
                                   <p:childTnLst>
                                     <p:set>
                                       <p:cBhvr>
-                                        <p:cTn id="24" dur="1" fill="hold">
+                                        <p:cTn id="22" dur="1" fill="hold">
                                           <p:stCondLst>
                                             <p:cond delay="0"/>
                                           </p:stCondLst>
@@ -4547,6 +4544,55 @@
                                           <p:spTgt spid="3">
                                             <p:txEl>
                                               <p:pRg st="7" end="7"/>
+                                            </p:txEl>
+                                          </p:spTgt>
+                                        </p:tgtEl>
+                                        <p:attrNameLst>
+                                          <p:attrName>style.visibility</p:attrName>
+                                        </p:attrNameLst>
+                                      </p:cBhvr>
+                                      <p:to>
+                                        <p:strVal val="visible"/>
+                                      </p:to>
+                                    </p:set>
+                                  </p:childTnLst>
+                                </p:cTn>
+                              </p:par>
+                            </p:childTnLst>
+                          </p:cTn>
+                        </p:par>
+                      </p:childTnLst>
+                    </p:cTn>
+                  </p:par>
+                  <p:par>
+                    <p:cTn id="23" fill="hold">
+                      <p:stCondLst>
+                        <p:cond delay="indefinite"/>
+                      </p:stCondLst>
+                      <p:childTnLst>
+                        <p:par>
+                          <p:cTn id="24" fill="hold">
+                            <p:stCondLst>
+                              <p:cond delay="0"/>
+                            </p:stCondLst>
+                            <p:childTnLst>
+                              <p:par>
+                                <p:cTn id="25" presetID="1" presetClass="entr" presetSubtype="0" fill="hold" nodeType="clickEffect">
+                                  <p:stCondLst>
+                                    <p:cond delay="0"/>
+                                  </p:stCondLst>
+                                  <p:childTnLst>
+                                    <p:set>
+                                      <p:cBhvr>
+                                        <p:cTn id="26" dur="1" fill="hold">
+                                          <p:stCondLst>
+                                            <p:cond delay="0"/>
+                                          </p:stCondLst>
+                                        </p:cTn>
+                                        <p:tgtEl>
+                                          <p:spTgt spid="3">
+                                            <p:txEl>
+                                              <p:pRg st="8" end="8"/>
                                             </p:txEl>
                                           </p:spTgt>
                                         </p:tgtEl>
@@ -7091,8 +7137,8 @@
         </p:nvSpPr>
         <p:spPr bwMode="auto">
           <a:xfrm>
-            <a:off x="1908632" y="3429000"/>
-            <a:ext cx="3330543" cy="447285"/>
+            <a:off x="1668026" y="3429000"/>
+            <a:ext cx="3571149" cy="447285"/>
           </a:xfrm>
           <a:prstGeom prst="rect">
             <a:avLst/>
@@ -7115,7 +7161,7 @@
             <a:pPr algn="ctr"/>
             <a:r>
               <a:rPr lang="en-US" sz="2400" dirty="0"/>
-              <a:t>Switch: 1 Gbps within rack</a:t>
+              <a:t>Switch: 10 Gbps within rack</a:t>
             </a:r>
           </a:p>
         </p:txBody>
@@ -7770,7 +7816,7 @@
             <a:pPr algn="ctr"/>
             <a:r>
               <a:rPr lang="en-US" sz="2400" dirty="0"/>
-              <a:t>Switch: 2-10 Gbps, rack interconnect backbone </a:t>
+              <a:t>Switch: 2-100 Gbps, rack interconnect backbone </a:t>
             </a:r>
           </a:p>
         </p:txBody>
@@ -7874,7 +7920,7 @@
         <p:spPr bwMode="auto">
           <a:xfrm>
             <a:off x="5829194" y="3410731"/>
-            <a:ext cx="3330543" cy="487979"/>
+            <a:ext cx="3666498" cy="487979"/>
           </a:xfrm>
           <a:prstGeom prst="rect">
             <a:avLst/>
@@ -7897,7 +7943,7 @@
             <a:pPr algn="ctr"/>
             <a:r>
               <a:rPr lang="en-US" sz="2400" dirty="0"/>
-              <a:t>Switch: 1 Gbps within rack</a:t>
+              <a:t>Switch: 10 Gbps within rack</a:t>
             </a:r>
           </a:p>
         </p:txBody>
@@ -12950,8 +12996,8 @@
           <a:chExt cx="0" cy="0"/>
         </a:xfrm>
       </p:grpSpPr>
-      <mc:AlternateContent xmlns:mc="http://schemas.openxmlformats.org/markup-compatibility/2006">
-        <mc:Choice xmlns:a14="http://schemas.microsoft.com/office/drawing/2010/main" Requires="a14">
+      <mc:AlternateContent xmlns:mc="http://schemas.openxmlformats.org/markup-compatibility/2006" xmlns:a14="http://schemas.microsoft.com/office/drawing/2010/main">
+        <mc:Choice Requires="a14">
           <p:sp>
             <p:nvSpPr>
               <p:cNvPr id="3" name="Content Placeholder 2">
@@ -13529,7 +13575,7 @@
             </p:txBody>
           </p:sp>
         </mc:Choice>
-        <mc:Fallback>
+        <mc:Fallback xmlns="">
           <p:sp>
             <p:nvSpPr>
               <p:cNvPr id="3" name="Content Placeholder 2">
@@ -19735,7 +19781,7 @@
               <a:p>
                 <a:r>
                   <a:rPr lang="en-US" dirty="0"/>
-                  <a:t>The scaling of the naïve similarity join is terrible    </a:t>
+                  <a:t>The scaling of the naïve similarity join is terrible!    </a:t>
                 </a:r>
               </a:p>
               <a:p>
@@ -26530,8 +26576,8 @@
           <a:chExt cx="0" cy="0"/>
         </a:xfrm>
       </p:grpSpPr>
-      <mc:AlternateContent xmlns:mc="http://schemas.openxmlformats.org/markup-compatibility/2006" xmlns:a14="http://schemas.microsoft.com/office/drawing/2010/main">
-        <mc:Choice Requires="a14">
+      <mc:AlternateContent xmlns:mc="http://schemas.openxmlformats.org/markup-compatibility/2006">
+        <mc:Choice xmlns:a14="http://schemas.microsoft.com/office/drawing/2010/main" Requires="a14">
           <p:sp>
             <p:nvSpPr>
               <p:cNvPr id="3" name="Content Placeholder 2">
@@ -26657,6 +26703,18 @@
                           <a:rPr lang="en-US" sz="3300" b="0" i="1" dirty="0" smtClean="0">
                             <a:latin typeface="Cambria Math" panose="02040503050406030204" pitchFamily="18" charset="0"/>
                           </a:rPr>
+                          <m:t>𝑖𝑑</m:t>
+                        </m:r>
+                        <m:r>
+                          <a:rPr lang="en-US" sz="3300" b="0" i="1" dirty="0" smtClean="0">
+                            <a:latin typeface="Cambria Math" panose="02040503050406030204" pitchFamily="18" charset="0"/>
+                          </a:rPr>
+                          <m:t>,</m:t>
+                        </m:r>
+                        <m:r>
+                          <a:rPr lang="en-US" sz="3300" b="0" i="1" dirty="0" smtClean="0">
+                            <a:latin typeface="Cambria Math" panose="02040503050406030204" pitchFamily="18" charset="0"/>
+                          </a:rPr>
                           <m:t>𝑖</m:t>
                         </m:r>
                         <m:r>
@@ -26720,6 +26778,13 @@
                 <a:r>
                   <a:rPr lang="en-US" dirty="0"/>
                   <a:t> </a:t>
+                </a:r>
+              </a:p>
+              <a:p>
+                <a:pPr lvl="1"/>
+                <a:r>
+                  <a:rPr lang="en-US" sz="2800" dirty="0"/>
+                  <a:t>id = array index</a:t>
                 </a:r>
               </a:p>
               <a:p>
@@ -26876,7 +26941,7 @@
             </p:txBody>
           </p:sp>
         </mc:Choice>
-        <mc:Fallback xmlns="">
+        <mc:Fallback>
           <p:sp>
             <p:nvSpPr>
               <p:cNvPr id="3" name="Content Placeholder 2">
@@ -26901,7 +26966,7 @@
               <a:blipFill>
                 <a:blip r:embed="rId2"/>
                 <a:stretch>
-                  <a:fillRect l="-1507" t="-2580"/>
+                  <a:fillRect l="-1507" t="-2580" b="-3317"/>
                 </a:stretch>
               </a:blipFill>
             </p:spPr>
@@ -26986,330 +27051,6 @@
   <p:clrMapOvr>
     <a:masterClrMapping/>
   </p:clrMapOvr>
-  <p:timing>
-    <p:tnLst>
-      <p:par>
-        <p:cTn id="1" dur="indefinite" restart="never" nodeType="tmRoot">
-          <p:childTnLst>
-            <p:seq concurrent="1" nextAc="seek">
-              <p:cTn id="2" dur="indefinite" nodeType="mainSeq">
-                <p:childTnLst>
-                  <p:par>
-                    <p:cTn id="3" fill="hold">
-                      <p:stCondLst>
-                        <p:cond delay="indefinite"/>
-                      </p:stCondLst>
-                      <p:childTnLst>
-                        <p:par>
-                          <p:cTn id="4" fill="hold">
-                            <p:stCondLst>
-                              <p:cond delay="0"/>
-                            </p:stCondLst>
-                            <p:childTnLst>
-                              <p:par>
-                                <p:cTn id="5" presetID="1" presetClass="entr" presetSubtype="0" fill="hold" nodeType="clickEffect">
-                                  <p:stCondLst>
-                                    <p:cond delay="0"/>
-                                  </p:stCondLst>
-                                  <p:childTnLst>
-                                    <p:set>
-                                      <p:cBhvr>
-                                        <p:cTn id="6" dur="1" fill="hold">
-                                          <p:stCondLst>
-                                            <p:cond delay="0"/>
-                                          </p:stCondLst>
-                                        </p:cTn>
-                                        <p:tgtEl>
-                                          <p:spTgt spid="3">
-                                            <p:txEl>
-                                              <p:pRg st="2" end="2"/>
-                                            </p:txEl>
-                                          </p:spTgt>
-                                        </p:tgtEl>
-                                        <p:attrNameLst>
-                                          <p:attrName>style.visibility</p:attrName>
-                                        </p:attrNameLst>
-                                      </p:cBhvr>
-                                      <p:to>
-                                        <p:strVal val="visible"/>
-                                      </p:to>
-                                    </p:set>
-                                  </p:childTnLst>
-                                </p:cTn>
-                              </p:par>
-                            </p:childTnLst>
-                          </p:cTn>
-                        </p:par>
-                      </p:childTnLst>
-                    </p:cTn>
-                  </p:par>
-                  <p:par>
-                    <p:cTn id="7" fill="hold">
-                      <p:stCondLst>
-                        <p:cond delay="indefinite"/>
-                      </p:stCondLst>
-                      <p:childTnLst>
-                        <p:par>
-                          <p:cTn id="8" fill="hold">
-                            <p:stCondLst>
-                              <p:cond delay="0"/>
-                            </p:stCondLst>
-                            <p:childTnLst>
-                              <p:par>
-                                <p:cTn id="9" presetID="1" presetClass="entr" presetSubtype="0" fill="hold" nodeType="clickEffect">
-                                  <p:stCondLst>
-                                    <p:cond delay="0"/>
-                                  </p:stCondLst>
-                                  <p:childTnLst>
-                                    <p:set>
-                                      <p:cBhvr>
-                                        <p:cTn id="10" dur="1" fill="hold">
-                                          <p:stCondLst>
-                                            <p:cond delay="0"/>
-                                          </p:stCondLst>
-                                        </p:cTn>
-                                        <p:tgtEl>
-                                          <p:spTgt spid="3">
-                                            <p:txEl>
-                                              <p:pRg st="3" end="3"/>
-                                            </p:txEl>
-                                          </p:spTgt>
-                                        </p:tgtEl>
-                                        <p:attrNameLst>
-                                          <p:attrName>style.visibility</p:attrName>
-                                        </p:attrNameLst>
-                                      </p:cBhvr>
-                                      <p:to>
-                                        <p:strVal val="visible"/>
-                                      </p:to>
-                                    </p:set>
-                                  </p:childTnLst>
-                                </p:cTn>
-                              </p:par>
-                            </p:childTnLst>
-                          </p:cTn>
-                        </p:par>
-                      </p:childTnLst>
-                    </p:cTn>
-                  </p:par>
-                  <p:par>
-                    <p:cTn id="11" fill="hold">
-                      <p:stCondLst>
-                        <p:cond delay="indefinite"/>
-                      </p:stCondLst>
-                      <p:childTnLst>
-                        <p:par>
-                          <p:cTn id="12" fill="hold">
-                            <p:stCondLst>
-                              <p:cond delay="0"/>
-                            </p:stCondLst>
-                            <p:childTnLst>
-                              <p:par>
-                                <p:cTn id="13" presetID="1" presetClass="entr" presetSubtype="0" fill="hold" nodeType="clickEffect">
-                                  <p:stCondLst>
-                                    <p:cond delay="0"/>
-                                  </p:stCondLst>
-                                  <p:childTnLst>
-                                    <p:set>
-                                      <p:cBhvr>
-                                        <p:cTn id="14" dur="1" fill="hold">
-                                          <p:stCondLst>
-                                            <p:cond delay="0"/>
-                                          </p:stCondLst>
-                                        </p:cTn>
-                                        <p:tgtEl>
-                                          <p:spTgt spid="3">
-                                            <p:txEl>
-                                              <p:pRg st="4" end="4"/>
-                                            </p:txEl>
-                                          </p:spTgt>
-                                        </p:tgtEl>
-                                        <p:attrNameLst>
-                                          <p:attrName>style.visibility</p:attrName>
-                                        </p:attrNameLst>
-                                      </p:cBhvr>
-                                      <p:to>
-                                        <p:strVal val="visible"/>
-                                      </p:to>
-                                    </p:set>
-                                  </p:childTnLst>
-                                </p:cTn>
-                              </p:par>
-                            </p:childTnLst>
-                          </p:cTn>
-                        </p:par>
-                      </p:childTnLst>
-                    </p:cTn>
-                  </p:par>
-                  <p:par>
-                    <p:cTn id="15" fill="hold">
-                      <p:stCondLst>
-                        <p:cond delay="indefinite"/>
-                      </p:stCondLst>
-                      <p:childTnLst>
-                        <p:par>
-                          <p:cTn id="16" fill="hold">
-                            <p:stCondLst>
-                              <p:cond delay="0"/>
-                            </p:stCondLst>
-                            <p:childTnLst>
-                              <p:par>
-                                <p:cTn id="17" presetID="1" presetClass="entr" presetSubtype="0" fill="hold" nodeType="clickEffect">
-                                  <p:stCondLst>
-                                    <p:cond delay="0"/>
-                                  </p:stCondLst>
-                                  <p:childTnLst>
-                                    <p:set>
-                                      <p:cBhvr>
-                                        <p:cTn id="18" dur="1" fill="hold">
-                                          <p:stCondLst>
-                                            <p:cond delay="0"/>
-                                          </p:stCondLst>
-                                        </p:cTn>
-                                        <p:tgtEl>
-                                          <p:spTgt spid="3">
-                                            <p:txEl>
-                                              <p:pRg st="5" end="5"/>
-                                            </p:txEl>
-                                          </p:spTgt>
-                                        </p:tgtEl>
-                                        <p:attrNameLst>
-                                          <p:attrName>style.visibility</p:attrName>
-                                        </p:attrNameLst>
-                                      </p:cBhvr>
-                                      <p:to>
-                                        <p:strVal val="visible"/>
-                                      </p:to>
-                                    </p:set>
-                                  </p:childTnLst>
-                                </p:cTn>
-                              </p:par>
-                            </p:childTnLst>
-                          </p:cTn>
-                        </p:par>
-                      </p:childTnLst>
-                    </p:cTn>
-                  </p:par>
-                  <p:par>
-                    <p:cTn id="19" fill="hold">
-                      <p:stCondLst>
-                        <p:cond delay="indefinite"/>
-                      </p:stCondLst>
-                      <p:childTnLst>
-                        <p:par>
-                          <p:cTn id="20" fill="hold">
-                            <p:stCondLst>
-                              <p:cond delay="0"/>
-                            </p:stCondLst>
-                            <p:childTnLst>
-                              <p:par>
-                                <p:cTn id="21" presetID="1" presetClass="entr" presetSubtype="0" fill="hold" nodeType="clickEffect">
-                                  <p:stCondLst>
-                                    <p:cond delay="0"/>
-                                  </p:stCondLst>
-                                  <p:childTnLst>
-                                    <p:set>
-                                      <p:cBhvr>
-                                        <p:cTn id="22" dur="1" fill="hold">
-                                          <p:stCondLst>
-                                            <p:cond delay="0"/>
-                                          </p:stCondLst>
-                                        </p:cTn>
-                                        <p:tgtEl>
-                                          <p:spTgt spid="3">
-                                            <p:txEl>
-                                              <p:pRg st="6" end="6"/>
-                                            </p:txEl>
-                                          </p:spTgt>
-                                        </p:tgtEl>
-                                        <p:attrNameLst>
-                                          <p:attrName>style.visibility</p:attrName>
-                                        </p:attrNameLst>
-                                      </p:cBhvr>
-                                      <p:to>
-                                        <p:strVal val="visible"/>
-                                      </p:to>
-                                    </p:set>
-                                  </p:childTnLst>
-                                </p:cTn>
-                              </p:par>
-                            </p:childTnLst>
-                          </p:cTn>
-                        </p:par>
-                      </p:childTnLst>
-                    </p:cTn>
-                  </p:par>
-                  <p:par>
-                    <p:cTn id="23" fill="hold">
-                      <p:stCondLst>
-                        <p:cond delay="indefinite"/>
-                      </p:stCondLst>
-                      <p:childTnLst>
-                        <p:par>
-                          <p:cTn id="24" fill="hold">
-                            <p:stCondLst>
-                              <p:cond delay="0"/>
-                            </p:stCondLst>
-                            <p:childTnLst>
-                              <p:par>
-                                <p:cTn id="25" presetID="1" presetClass="entr" presetSubtype="0" fill="hold" nodeType="clickEffect">
-                                  <p:stCondLst>
-                                    <p:cond delay="0"/>
-                                  </p:stCondLst>
-                                  <p:childTnLst>
-                                    <p:set>
-                                      <p:cBhvr>
-                                        <p:cTn id="26" dur="1" fill="hold">
-                                          <p:stCondLst>
-                                            <p:cond delay="0"/>
-                                          </p:stCondLst>
-                                        </p:cTn>
-                                        <p:tgtEl>
-                                          <p:spTgt spid="3">
-                                            <p:txEl>
-                                              <p:pRg st="7" end="7"/>
-                                            </p:txEl>
-                                          </p:spTgt>
-                                        </p:tgtEl>
-                                        <p:attrNameLst>
-                                          <p:attrName>style.visibility</p:attrName>
-                                        </p:attrNameLst>
-                                      </p:cBhvr>
-                                      <p:to>
-                                        <p:strVal val="visible"/>
-                                      </p:to>
-                                    </p:set>
-                                  </p:childTnLst>
-                                </p:cTn>
-                              </p:par>
-                            </p:childTnLst>
-                          </p:cTn>
-                        </p:par>
-                      </p:childTnLst>
-                    </p:cTn>
-                  </p:par>
-                </p:childTnLst>
-              </p:cTn>
-              <p:prevCondLst>
-                <p:cond evt="onPrev" delay="0">
-                  <p:tgtEl>
-                    <p:sldTgt/>
-                  </p:tgtEl>
-                </p:cond>
-              </p:prevCondLst>
-              <p:nextCondLst>
-                <p:cond evt="onNext" delay="0">
-                  <p:tgtEl>
-                    <p:sldTgt/>
-                  </p:tgtEl>
-                </p:cond>
-              </p:nextCondLst>
-            </p:seq>
-          </p:childTnLst>
-        </p:cTn>
-      </p:par>
-    </p:tnLst>
-  </p:timing>
 </p:sld>
 </file>
 
@@ -28102,8 +27843,8 @@
           <a:chExt cx="0" cy="0"/>
         </a:xfrm>
       </p:grpSpPr>
-      <mc:AlternateContent xmlns:mc="http://schemas.openxmlformats.org/markup-compatibility/2006" xmlns:a14="http://schemas.microsoft.com/office/drawing/2010/main">
-        <mc:Choice Requires="a14">
+      <mc:AlternateContent xmlns:mc="http://schemas.openxmlformats.org/markup-compatibility/2006">
+        <mc:Choice xmlns:a14="http://schemas.microsoft.com/office/drawing/2010/main" Requires="a14">
           <p:sp>
             <p:nvSpPr>
               <p:cNvPr id="3" name="Content Placeholder 2">
@@ -28380,6 +28121,13 @@
                             </a:rPr>
                             <m:t>,</m:t>
                           </m:r>
+                          <m:r>
+                            <a:rPr lang="en-US" b="0" i="1" smtClean="0">
+                              <a:latin typeface="Cambria Math" panose="02040503050406030204" pitchFamily="18" charset="0"/>
+                              <a:ea typeface="Cambria Math" panose="02040503050406030204" pitchFamily="18" charset="0"/>
+                            </a:rPr>
+                            <m:t>  </m:t>
+                          </m:r>
                           <m:sSub>
                             <m:sSubPr>
                               <m:ctrlPr>
@@ -28551,7 +28299,11 @@
                 </a:r>
                 <a:r>
                   <a:rPr lang="en-US" sz="2800" dirty="0" err="1"/>
-                  <a:t>ith</a:t>
+                  <a:t>i</a:t>
+                </a:r>
+                <a:r>
+                  <a:rPr lang="en-US" sz="2800" baseline="30000" dirty="0" err="1"/>
+                  <a:t>th</a:t>
                 </a:r>
                 <a:r>
                   <a:rPr lang="en-US" sz="2800" dirty="0"/>
@@ -28617,7 +28369,11 @@
                 </a:r>
                 <a:r>
                   <a:rPr lang="en-US" sz="2800" dirty="0" err="1"/>
-                  <a:t>jth</a:t>
+                  <a:t>j</a:t>
+                </a:r>
+                <a:r>
+                  <a:rPr lang="en-US" sz="2800" baseline="30000" dirty="0" err="1"/>
+                  <a:t>th</a:t>
                 </a:r>
                 <a:r>
                   <a:rPr lang="en-US" sz="2800" dirty="0"/>
@@ -28661,7 +28417,7 @@
             </p:txBody>
           </p:sp>
         </mc:Choice>
-        <mc:Fallback xmlns="">
+        <mc:Fallback>
           <p:sp>
             <p:nvSpPr>
               <p:cNvPr id="3" name="Content Placeholder 2">
@@ -32975,8 +32731,8 @@
           <a:chExt cx="0" cy="0"/>
         </a:xfrm>
       </p:grpSpPr>
-      <mc:AlternateContent xmlns:mc="http://schemas.openxmlformats.org/markup-compatibility/2006" xmlns:a14="http://schemas.microsoft.com/office/drawing/2010/main">
-        <mc:Choice Requires="a14">
+      <mc:AlternateContent xmlns:mc="http://schemas.openxmlformats.org/markup-compatibility/2006">
+        <mc:Choice xmlns:a14="http://schemas.microsoft.com/office/drawing/2010/main" Requires="a14">
           <p:sp>
             <p:nvSpPr>
               <p:cNvPr id="3" name="Content Placeholder 2">
@@ -33094,6 +32850,18 @@
                         <a:latin typeface="Cambria Math" panose="02040503050406030204" pitchFamily="18" charset="0"/>
                       </a:rPr>
                       <m:t>(</m:t>
+                    </m:r>
+                    <m:r>
+                      <a:rPr lang="en-US" b="0" i="1" smtClean="0">
+                        <a:latin typeface="Cambria Math" panose="02040503050406030204" pitchFamily="18" charset="0"/>
+                      </a:rPr>
+                      <m:t>𝑎</m:t>
+                    </m:r>
+                    <m:r>
+                      <a:rPr lang="en-US" b="0" i="1" smtClean="0">
+                        <a:latin typeface="Cambria Math" panose="02040503050406030204" pitchFamily="18" charset="0"/>
+                      </a:rPr>
+                      <m:t>,</m:t>
                     </m:r>
                     <m:r>
                       <a:rPr lang="en-US" b="0" i="1" smtClean="0">
@@ -33242,6 +33010,18 @@
                       <m:t>(</m:t>
                     </m:r>
                     <m:r>
+                      <a:rPr lang="en-US" b="0" i="1" smtClean="0">
+                        <a:latin typeface="Cambria Math" panose="02040503050406030204" pitchFamily="18" charset="0"/>
+                      </a:rPr>
+                      <m:t>𝑏</m:t>
+                    </m:r>
+                    <m:r>
+                      <a:rPr lang="en-US" b="0" i="1" smtClean="0">
+                        <a:latin typeface="Cambria Math" panose="02040503050406030204" pitchFamily="18" charset="0"/>
+                      </a:rPr>
+                      <m:t>,</m:t>
+                    </m:r>
+                    <m:r>
                       <a:rPr lang="en-US" i="1">
                         <a:latin typeface="Cambria Math" panose="02040503050406030204" pitchFamily="18" charset="0"/>
                       </a:rPr>
@@ -33359,7 +33139,7 @@
             </p:txBody>
           </p:sp>
         </mc:Choice>
-        <mc:Fallback xmlns="">
+        <mc:Fallback>
           <p:sp>
             <p:nvSpPr>
               <p:cNvPr id="3" name="Content Placeholder 2">
@@ -33469,294 +33249,6 @@
   <p:clrMapOvr>
     <a:masterClrMapping/>
   </p:clrMapOvr>
-  <p:timing>
-    <p:tnLst>
-      <p:par>
-        <p:cTn id="1" dur="indefinite" restart="never" nodeType="tmRoot">
-          <p:childTnLst>
-            <p:seq concurrent="1" nextAc="seek">
-              <p:cTn id="2" dur="indefinite" nodeType="mainSeq">
-                <p:childTnLst>
-                  <p:par>
-                    <p:cTn id="3" fill="hold">
-                      <p:stCondLst>
-                        <p:cond delay="indefinite"/>
-                      </p:stCondLst>
-                      <p:childTnLst>
-                        <p:par>
-                          <p:cTn id="4" fill="hold">
-                            <p:stCondLst>
-                              <p:cond delay="0"/>
-                            </p:stCondLst>
-                            <p:childTnLst>
-                              <p:par>
-                                <p:cTn id="5" presetID="1" presetClass="entr" presetSubtype="0" fill="hold" nodeType="clickEffect">
-                                  <p:stCondLst>
-                                    <p:cond delay="0"/>
-                                  </p:stCondLst>
-                                  <p:childTnLst>
-                                    <p:set>
-                                      <p:cBhvr>
-                                        <p:cTn id="6" dur="1" fill="hold">
-                                          <p:stCondLst>
-                                            <p:cond delay="0"/>
-                                          </p:stCondLst>
-                                        </p:cTn>
-                                        <p:tgtEl>
-                                          <p:spTgt spid="3">
-                                            <p:txEl>
-                                              <p:pRg st="1" end="1"/>
-                                            </p:txEl>
-                                          </p:spTgt>
-                                        </p:tgtEl>
-                                        <p:attrNameLst>
-                                          <p:attrName>style.visibility</p:attrName>
-                                        </p:attrNameLst>
-                                      </p:cBhvr>
-                                      <p:to>
-                                        <p:strVal val="visible"/>
-                                      </p:to>
-                                    </p:set>
-                                  </p:childTnLst>
-                                </p:cTn>
-                              </p:par>
-                            </p:childTnLst>
-                          </p:cTn>
-                        </p:par>
-                      </p:childTnLst>
-                    </p:cTn>
-                  </p:par>
-                  <p:par>
-                    <p:cTn id="7" fill="hold">
-                      <p:stCondLst>
-                        <p:cond delay="indefinite"/>
-                      </p:stCondLst>
-                      <p:childTnLst>
-                        <p:par>
-                          <p:cTn id="8" fill="hold">
-                            <p:stCondLst>
-                              <p:cond delay="0"/>
-                            </p:stCondLst>
-                            <p:childTnLst>
-                              <p:par>
-                                <p:cTn id="9" presetID="1" presetClass="entr" presetSubtype="0" fill="hold" nodeType="clickEffect">
-                                  <p:stCondLst>
-                                    <p:cond delay="0"/>
-                                  </p:stCondLst>
-                                  <p:childTnLst>
-                                    <p:set>
-                                      <p:cBhvr>
-                                        <p:cTn id="10" dur="1" fill="hold">
-                                          <p:stCondLst>
-                                            <p:cond delay="0"/>
-                                          </p:stCondLst>
-                                        </p:cTn>
-                                        <p:tgtEl>
-                                          <p:spTgt spid="3">
-                                            <p:txEl>
-                                              <p:pRg st="2" end="2"/>
-                                            </p:txEl>
-                                          </p:spTgt>
-                                        </p:tgtEl>
-                                        <p:attrNameLst>
-                                          <p:attrName>style.visibility</p:attrName>
-                                        </p:attrNameLst>
-                                      </p:cBhvr>
-                                      <p:to>
-                                        <p:strVal val="visible"/>
-                                      </p:to>
-                                    </p:set>
-                                  </p:childTnLst>
-                                </p:cTn>
-                              </p:par>
-                              <p:par>
-                                <p:cTn id="11" presetID="1" presetClass="entr" presetSubtype="0" fill="hold" nodeType="withEffect">
-                                  <p:stCondLst>
-                                    <p:cond delay="0"/>
-                                  </p:stCondLst>
-                                  <p:childTnLst>
-                                    <p:set>
-                                      <p:cBhvr>
-                                        <p:cTn id="12" dur="1" fill="hold">
-                                          <p:stCondLst>
-                                            <p:cond delay="0"/>
-                                          </p:stCondLst>
-                                        </p:cTn>
-                                        <p:tgtEl>
-                                          <p:spTgt spid="3">
-                                            <p:txEl>
-                                              <p:pRg st="3" end="3"/>
-                                            </p:txEl>
-                                          </p:spTgt>
-                                        </p:tgtEl>
-                                        <p:attrNameLst>
-                                          <p:attrName>style.visibility</p:attrName>
-                                        </p:attrNameLst>
-                                      </p:cBhvr>
-                                      <p:to>
-                                        <p:strVal val="visible"/>
-                                      </p:to>
-                                    </p:set>
-                                  </p:childTnLst>
-                                </p:cTn>
-                              </p:par>
-                            </p:childTnLst>
-                          </p:cTn>
-                        </p:par>
-                      </p:childTnLst>
-                    </p:cTn>
-                  </p:par>
-                  <p:par>
-                    <p:cTn id="13" fill="hold">
-                      <p:stCondLst>
-                        <p:cond delay="indefinite"/>
-                      </p:stCondLst>
-                      <p:childTnLst>
-                        <p:par>
-                          <p:cTn id="14" fill="hold">
-                            <p:stCondLst>
-                              <p:cond delay="0"/>
-                            </p:stCondLst>
-                            <p:childTnLst>
-                              <p:par>
-                                <p:cTn id="15" presetID="1" presetClass="entr" presetSubtype="0" fill="hold" nodeType="clickEffect">
-                                  <p:stCondLst>
-                                    <p:cond delay="0"/>
-                                  </p:stCondLst>
-                                  <p:childTnLst>
-                                    <p:set>
-                                      <p:cBhvr>
-                                        <p:cTn id="16" dur="1" fill="hold">
-                                          <p:stCondLst>
-                                            <p:cond delay="0"/>
-                                          </p:stCondLst>
-                                        </p:cTn>
-                                        <p:tgtEl>
-                                          <p:spTgt spid="3">
-                                            <p:txEl>
-                                              <p:pRg st="4" end="4"/>
-                                            </p:txEl>
-                                          </p:spTgt>
-                                        </p:tgtEl>
-                                        <p:attrNameLst>
-                                          <p:attrName>style.visibility</p:attrName>
-                                        </p:attrNameLst>
-                                      </p:cBhvr>
-                                      <p:to>
-                                        <p:strVal val="visible"/>
-                                      </p:to>
-                                    </p:set>
-                                  </p:childTnLst>
-                                </p:cTn>
-                              </p:par>
-                              <p:par>
-                                <p:cTn id="17" presetID="1" presetClass="entr" presetSubtype="0" fill="hold" nodeType="withEffect">
-                                  <p:stCondLst>
-                                    <p:cond delay="0"/>
-                                  </p:stCondLst>
-                                  <p:childTnLst>
-                                    <p:set>
-                                      <p:cBhvr>
-                                        <p:cTn id="18" dur="1" fill="hold">
-                                          <p:stCondLst>
-                                            <p:cond delay="0"/>
-                                          </p:stCondLst>
-                                        </p:cTn>
-                                        <p:tgtEl>
-                                          <p:spTgt spid="3">
-                                            <p:txEl>
-                                              <p:pRg st="5" end="5"/>
-                                            </p:txEl>
-                                          </p:spTgt>
-                                        </p:tgtEl>
-                                        <p:attrNameLst>
-                                          <p:attrName>style.visibility</p:attrName>
-                                        </p:attrNameLst>
-                                      </p:cBhvr>
-                                      <p:to>
-                                        <p:strVal val="visible"/>
-                                      </p:to>
-                                    </p:set>
-                                  </p:childTnLst>
-                                </p:cTn>
-                              </p:par>
-                            </p:childTnLst>
-                          </p:cTn>
-                        </p:par>
-                      </p:childTnLst>
-                    </p:cTn>
-                  </p:par>
-                  <p:par>
-                    <p:cTn id="19" fill="hold">
-                      <p:stCondLst>
-                        <p:cond delay="indefinite"/>
-                      </p:stCondLst>
-                      <p:childTnLst>
-                        <p:par>
-                          <p:cTn id="20" fill="hold">
-                            <p:stCondLst>
-                              <p:cond delay="0"/>
-                            </p:stCondLst>
-                            <p:childTnLst>
-                              <p:par>
-                                <p:cTn id="21" presetID="1" presetClass="entr" presetSubtype="0" fill="hold" nodeType="clickEffect">
-                                  <p:stCondLst>
-                                    <p:cond delay="0"/>
-                                  </p:stCondLst>
-                                  <p:childTnLst>
-                                    <p:set>
-                                      <p:cBhvr>
-                                        <p:cTn id="22" dur="1" fill="hold">
-                                          <p:stCondLst>
-                                            <p:cond delay="0"/>
-                                          </p:stCondLst>
-                                        </p:cTn>
-                                        <p:tgtEl>
-                                          <p:spTgt spid="3">
-                                            <p:txEl>
-                                              <p:pRg st="6" end="6"/>
-                                            </p:txEl>
-                                          </p:spTgt>
-                                        </p:tgtEl>
-                                        <p:attrNameLst>
-                                          <p:attrName>style.visibility</p:attrName>
-                                        </p:attrNameLst>
-                                      </p:cBhvr>
-                                      <p:to>
-                                        <p:strVal val="visible"/>
-                                      </p:to>
-                                    </p:set>
-                                  </p:childTnLst>
-                                </p:cTn>
-                              </p:par>
-                            </p:childTnLst>
-                          </p:cTn>
-                        </p:par>
-                      </p:childTnLst>
-                    </p:cTn>
-                  </p:par>
-                </p:childTnLst>
-              </p:cTn>
-              <p:prevCondLst>
-                <p:cond evt="onPrev" delay="0">
-                  <p:tgtEl>
-                    <p:sldTgt/>
-                  </p:tgtEl>
-                </p:cond>
-              </p:prevCondLst>
-              <p:nextCondLst>
-                <p:cond evt="onNext" delay="0">
-                  <p:tgtEl>
-                    <p:sldTgt/>
-                  </p:tgtEl>
-                </p:cond>
-              </p:nextCondLst>
-            </p:seq>
-          </p:childTnLst>
-        </p:cTn>
-      </p:par>
-    </p:tnLst>
-  </p:timing>
 </p:sld>
 </file>
 
@@ -33777,8 +33269,8 @@
           <a:chExt cx="0" cy="0"/>
         </a:xfrm>
       </p:grpSpPr>
-      <mc:AlternateContent xmlns:mc="http://schemas.openxmlformats.org/markup-compatibility/2006" xmlns:a14="http://schemas.microsoft.com/office/drawing/2010/main">
-        <mc:Choice Requires="a14">
+      <mc:AlternateContent xmlns:mc="http://schemas.openxmlformats.org/markup-compatibility/2006">
+        <mc:Choice xmlns:a14="http://schemas.microsoft.com/office/drawing/2010/main" Requires="a14">
           <p:sp>
             <p:nvSpPr>
               <p:cNvPr id="3" name="Content Placeholder 2">
@@ -33849,6 +33341,18 @@
                           </m:ctrlPr>
                         </m:dPr>
                         <m:e>
+                          <m:r>
+                            <a:rPr lang="en-US" b="0" i="1" smtClean="0">
+                              <a:latin typeface="Cambria Math" panose="02040503050406030204" pitchFamily="18" charset="0"/>
+                            </a:rPr>
+                            <m:t>𝑎</m:t>
+                          </m:r>
+                          <m:r>
+                            <a:rPr lang="en-US" b="0" i="1" smtClean="0">
+                              <a:latin typeface="Cambria Math" panose="02040503050406030204" pitchFamily="18" charset="0"/>
+                            </a:rPr>
+                            <m:t>,</m:t>
+                          </m:r>
                           <m:r>
                             <a:rPr lang="en-US" i="1">
                               <a:latin typeface="Cambria Math" panose="02040503050406030204" pitchFamily="18" charset="0"/>
@@ -33939,6 +33443,18 @@
                           </m:ctrlPr>
                         </m:dPr>
                         <m:e>
+                          <m:r>
+                            <a:rPr lang="en-US" b="0" i="1" smtClean="0">
+                              <a:latin typeface="Cambria Math" panose="02040503050406030204" pitchFamily="18" charset="0"/>
+                            </a:rPr>
+                            <m:t>𝑏</m:t>
+                          </m:r>
+                          <m:r>
+                            <a:rPr lang="en-US" b="0" i="1" smtClean="0">
+                              <a:latin typeface="Cambria Math" panose="02040503050406030204" pitchFamily="18" charset="0"/>
+                            </a:rPr>
+                            <m:t>,</m:t>
+                          </m:r>
                           <m:r>
                             <a:rPr lang="en-US" i="1">
                               <a:latin typeface="Cambria Math" panose="02040503050406030204" pitchFamily="18" charset="0"/>
@@ -34286,7 +33802,7 @@
             </p:txBody>
           </p:sp>
         </mc:Choice>
-        <mc:Fallback xmlns="">
+        <mc:Fallback>
           <p:sp>
             <p:nvSpPr>
               <p:cNvPr id="3" name="Content Placeholder 2">
@@ -34396,263 +33912,6 @@
   <p:clrMapOvr>
     <a:masterClrMapping/>
   </p:clrMapOvr>
-  <p:timing>
-    <p:tnLst>
-      <p:par>
-        <p:cTn id="1" dur="indefinite" restart="never" nodeType="tmRoot">
-          <p:childTnLst>
-            <p:seq concurrent="1" nextAc="seek">
-              <p:cTn id="2" dur="indefinite" nodeType="mainSeq">
-                <p:childTnLst>
-                  <p:par>
-                    <p:cTn id="3" fill="hold">
-                      <p:stCondLst>
-                        <p:cond delay="indefinite"/>
-                      </p:stCondLst>
-                      <p:childTnLst>
-                        <p:par>
-                          <p:cTn id="4" fill="hold">
-                            <p:stCondLst>
-                              <p:cond delay="0"/>
-                            </p:stCondLst>
-                            <p:childTnLst>
-                              <p:par>
-                                <p:cTn id="5" presetID="1" presetClass="entr" presetSubtype="0" fill="hold" nodeType="clickEffect">
-                                  <p:stCondLst>
-                                    <p:cond delay="0"/>
-                                  </p:stCondLst>
-                                  <p:childTnLst>
-                                    <p:set>
-                                      <p:cBhvr>
-                                        <p:cTn id="6" dur="1" fill="hold">
-                                          <p:stCondLst>
-                                            <p:cond delay="0"/>
-                                          </p:stCondLst>
-                                        </p:cTn>
-                                        <p:tgtEl>
-                                          <p:spTgt spid="3">
-                                            <p:txEl>
-                                              <p:pRg st="1" end="1"/>
-                                            </p:txEl>
-                                          </p:spTgt>
-                                        </p:tgtEl>
-                                        <p:attrNameLst>
-                                          <p:attrName>style.visibility</p:attrName>
-                                        </p:attrNameLst>
-                                      </p:cBhvr>
-                                      <p:to>
-                                        <p:strVal val="visible"/>
-                                      </p:to>
-                                    </p:set>
-                                  </p:childTnLst>
-                                </p:cTn>
-                              </p:par>
-                              <p:par>
-                                <p:cTn id="7" presetID="1" presetClass="entr" presetSubtype="0" fill="hold" nodeType="withEffect">
-                                  <p:stCondLst>
-                                    <p:cond delay="0"/>
-                                  </p:stCondLst>
-                                  <p:childTnLst>
-                                    <p:set>
-                                      <p:cBhvr>
-                                        <p:cTn id="8" dur="1" fill="hold">
-                                          <p:stCondLst>
-                                            <p:cond delay="0"/>
-                                          </p:stCondLst>
-                                        </p:cTn>
-                                        <p:tgtEl>
-                                          <p:spTgt spid="3">
-                                            <p:txEl>
-                                              <p:pRg st="2" end="2"/>
-                                            </p:txEl>
-                                          </p:spTgt>
-                                        </p:tgtEl>
-                                        <p:attrNameLst>
-                                          <p:attrName>style.visibility</p:attrName>
-                                        </p:attrNameLst>
-                                      </p:cBhvr>
-                                      <p:to>
-                                        <p:strVal val="visible"/>
-                                      </p:to>
-                                    </p:set>
-                                  </p:childTnLst>
-                                </p:cTn>
-                              </p:par>
-                            </p:childTnLst>
-                          </p:cTn>
-                        </p:par>
-                      </p:childTnLst>
-                    </p:cTn>
-                  </p:par>
-                  <p:par>
-                    <p:cTn id="9" fill="hold">
-                      <p:stCondLst>
-                        <p:cond delay="indefinite"/>
-                      </p:stCondLst>
-                      <p:childTnLst>
-                        <p:par>
-                          <p:cTn id="10" fill="hold">
-                            <p:stCondLst>
-                              <p:cond delay="0"/>
-                            </p:stCondLst>
-                            <p:childTnLst>
-                              <p:par>
-                                <p:cTn id="11" presetID="1" presetClass="entr" presetSubtype="0" fill="hold" nodeType="clickEffect">
-                                  <p:stCondLst>
-                                    <p:cond delay="0"/>
-                                  </p:stCondLst>
-                                  <p:childTnLst>
-                                    <p:set>
-                                      <p:cBhvr>
-                                        <p:cTn id="12" dur="1" fill="hold">
-                                          <p:stCondLst>
-                                            <p:cond delay="0"/>
-                                          </p:stCondLst>
-                                        </p:cTn>
-                                        <p:tgtEl>
-                                          <p:spTgt spid="3">
-                                            <p:txEl>
-                                              <p:pRg st="3" end="3"/>
-                                            </p:txEl>
-                                          </p:spTgt>
-                                        </p:tgtEl>
-                                        <p:attrNameLst>
-                                          <p:attrName>style.visibility</p:attrName>
-                                        </p:attrNameLst>
-                                      </p:cBhvr>
-                                      <p:to>
-                                        <p:strVal val="visible"/>
-                                      </p:to>
-                                    </p:set>
-                                  </p:childTnLst>
-                                </p:cTn>
-                              </p:par>
-                            </p:childTnLst>
-                          </p:cTn>
-                        </p:par>
-                      </p:childTnLst>
-                    </p:cTn>
-                  </p:par>
-                  <p:par>
-                    <p:cTn id="13" fill="hold">
-                      <p:stCondLst>
-                        <p:cond delay="indefinite"/>
-                      </p:stCondLst>
-                      <p:childTnLst>
-                        <p:par>
-                          <p:cTn id="14" fill="hold">
-                            <p:stCondLst>
-                              <p:cond delay="0"/>
-                            </p:stCondLst>
-                            <p:childTnLst>
-                              <p:par>
-                                <p:cTn id="15" presetID="1" presetClass="entr" presetSubtype="0" fill="hold" nodeType="clickEffect">
-                                  <p:stCondLst>
-                                    <p:cond delay="0"/>
-                                  </p:stCondLst>
-                                  <p:childTnLst>
-                                    <p:set>
-                                      <p:cBhvr>
-                                        <p:cTn id="16" dur="1" fill="hold">
-                                          <p:stCondLst>
-                                            <p:cond delay="0"/>
-                                          </p:stCondLst>
-                                        </p:cTn>
-                                        <p:tgtEl>
-                                          <p:spTgt spid="3">
-                                            <p:txEl>
-                                              <p:pRg st="4" end="4"/>
-                                            </p:txEl>
-                                          </p:spTgt>
-                                        </p:tgtEl>
-                                        <p:attrNameLst>
-                                          <p:attrName>style.visibility</p:attrName>
-                                        </p:attrNameLst>
-                                      </p:cBhvr>
-                                      <p:to>
-                                        <p:strVal val="visible"/>
-                                      </p:to>
-                                    </p:set>
-                                  </p:childTnLst>
-                                </p:cTn>
-                              </p:par>
-                            </p:childTnLst>
-                          </p:cTn>
-                        </p:par>
-                      </p:childTnLst>
-                    </p:cTn>
-                  </p:par>
-                  <p:par>
-                    <p:cTn id="17" fill="hold">
-                      <p:stCondLst>
-                        <p:cond delay="indefinite"/>
-                      </p:stCondLst>
-                      <p:childTnLst>
-                        <p:par>
-                          <p:cTn id="18" fill="hold">
-                            <p:stCondLst>
-                              <p:cond delay="0"/>
-                            </p:stCondLst>
-                            <p:childTnLst>
-                              <p:par>
-                                <p:cTn id="19" presetID="1" presetClass="entr" presetSubtype="0" fill="hold" nodeType="clickEffect">
-                                  <p:stCondLst>
-                                    <p:cond delay="0"/>
-                                  </p:stCondLst>
-                                  <p:childTnLst>
-                                    <p:set>
-                                      <p:cBhvr>
-                                        <p:cTn id="20" dur="1" fill="hold">
-                                          <p:stCondLst>
-                                            <p:cond delay="0"/>
-                                          </p:stCondLst>
-                                        </p:cTn>
-                                        <p:tgtEl>
-                                          <p:spTgt spid="3">
-                                            <p:txEl>
-                                              <p:pRg st="5" end="5"/>
-                                            </p:txEl>
-                                          </p:spTgt>
-                                        </p:tgtEl>
-                                        <p:attrNameLst>
-                                          <p:attrName>style.visibility</p:attrName>
-                                        </p:attrNameLst>
-                                      </p:cBhvr>
-                                      <p:to>
-                                        <p:strVal val="visible"/>
-                                      </p:to>
-                                    </p:set>
-                                  </p:childTnLst>
-                                </p:cTn>
-                              </p:par>
-                            </p:childTnLst>
-                          </p:cTn>
-                        </p:par>
-                      </p:childTnLst>
-                    </p:cTn>
-                  </p:par>
-                </p:childTnLst>
-              </p:cTn>
-              <p:prevCondLst>
-                <p:cond evt="onPrev" delay="0">
-                  <p:tgtEl>
-                    <p:sldTgt/>
-                  </p:tgtEl>
-                </p:cond>
-              </p:prevCondLst>
-              <p:nextCondLst>
-                <p:cond evt="onNext" delay="0">
-                  <p:tgtEl>
-                    <p:sldTgt/>
-                  </p:tgtEl>
-                </p:cond>
-              </p:nextCondLst>
-            </p:seq>
-          </p:childTnLst>
-        </p:cTn>
-      </p:par>
-    </p:tnLst>
-  </p:timing>
 </p:sld>
 </file>
 
@@ -41126,7 +40385,7 @@
             <a:pPr lvl="1"/>
             <a:r>
               <a:rPr lang="en-US" dirty="0"/>
-              <a:t>Sufficient depth – depth of data depth of analysis</a:t>
+              <a:t>Sufficient depth – depth of data, depth of analysis</a:t>
             </a:r>
           </a:p>
           <a:p>
